--- a/Data Mining Project.pptx
+++ b/Data Mining Project.pptx
@@ -8,6 +8,10 @@
     <p:sldId id="256" r:id="rId2"/>
     <p:sldId id="257" r:id="rId3"/>
     <p:sldId id="258" r:id="rId4"/>
+    <p:sldId id="259" r:id="rId5"/>
+    <p:sldId id="260" r:id="rId6"/>
+    <p:sldId id="262" r:id="rId7"/>
+    <p:sldId id="263" r:id="rId8"/>
   </p:sldIdLst>
   <p:sldSz cx="12192000" cy="6858000"/>
   <p:notesSz cx="6858000" cy="9144000"/>
@@ -106,6 +110,11 @@
       </a:defRPr>
     </a:lvl9pPr>
   </p:defaultTextStyle>
+  <p:extLst>
+    <p:ext uri="{EFAFB233-063F-42B5-8137-9DF3F51BA10A}">
+      <p15:sldGuideLst xmlns:p15="http://schemas.microsoft.com/office/powerpoint/2012/main"/>
+    </p:ext>
+  </p:extLst>
 </p:presentation>
 </file>
 
@@ -271,7 +280,7 @@
           <a:p>
             <a:fld id="{524C6359-9BB8-4148-8114-537E698DA205}" type="datetime1">
               <a:rPr lang="en-US" smtClean="0"/>
-              <a:t>11/23/2021</a:t>
+              <a:t>12/5/21</a:t>
             </a:fld>
             <a:endParaRPr lang="en-US" dirty="0"/>
           </a:p>
@@ -1331,7 +1340,7 @@
           <a:p>
             <a:fld id="{A4649BD0-10DB-43E7-8F22-40B3D51B8FC3}" type="datetime1">
               <a:rPr lang="en-US" smtClean="0"/>
-              <a:t>11/23/2021</a:t>
+              <a:t>12/5/21</a:t>
             </a:fld>
             <a:endParaRPr lang="en-US"/>
           </a:p>
@@ -2392,7 +2401,7 @@
           <a:p>
             <a:fld id="{0A16C79C-F566-427A-93F6-434A4E613134}" type="datetime1">
               <a:rPr lang="en-US" smtClean="0"/>
-              <a:t>11/23/2021</a:t>
+              <a:t>12/5/21</a:t>
             </a:fld>
             <a:endParaRPr lang="en-US"/>
           </a:p>
@@ -3448,7 +3457,7 @@
           <a:p>
             <a:fld id="{9376191F-481E-48E9-BB9A-369A67A7362D}" type="datetime1">
               <a:rPr lang="en-US" smtClean="0"/>
-              <a:t>11/23/2021</a:t>
+              <a:t>12/5/21</a:t>
             </a:fld>
             <a:endParaRPr lang="en-US" dirty="0"/>
           </a:p>
@@ -4577,7 +4586,7 @@
           <a:p>
             <a:fld id="{6C5677DE-DD04-48CC-9C18-7BE9FF2DEB6B}" type="datetime1">
               <a:rPr lang="en-US" smtClean="0"/>
-              <a:t>11/23/2021</a:t>
+              <a:t>12/5/21</a:t>
             </a:fld>
             <a:endParaRPr lang="en-US"/>
           </a:p>
@@ -5696,7 +5705,7 @@
           <a:p>
             <a:fld id="{463255ED-7101-4D18-A8AE-3B5E4CB87EA5}" type="datetime1">
               <a:rPr lang="en-US" smtClean="0"/>
-              <a:t>11/23/2021</a:t>
+              <a:t>12/5/21</a:t>
             </a:fld>
             <a:endParaRPr lang="en-US"/>
           </a:p>
@@ -7002,7 +7011,7 @@
           <a:p>
             <a:fld id="{CD52F23D-51F6-4C94-8CD5-B9ABBF67EE23}" type="datetime1">
               <a:rPr lang="en-US" smtClean="0"/>
-              <a:t>11/23/2021</a:t>
+              <a:t>12/5/21</a:t>
             </a:fld>
             <a:endParaRPr lang="en-US"/>
           </a:p>
@@ -7149,7 +7158,7 @@
           <a:p>
             <a:fld id="{D51A702F-6367-4FD1-89A8-3744BE6BA9A2}" type="datetime1">
               <a:rPr lang="en-US" smtClean="0"/>
-              <a:t>11/23/2021</a:t>
+              <a:t>12/5/21</a:t>
             </a:fld>
             <a:endParaRPr lang="en-US"/>
           </a:p>
@@ -8113,7 +8122,7 @@
           <a:p>
             <a:fld id="{4A6E99BD-4B4F-4460-B452-0E8146ACCF8F}" type="datetime1">
               <a:rPr lang="en-US" smtClean="0"/>
-              <a:t>11/23/2021</a:t>
+              <a:t>12/5/21</a:t>
             </a:fld>
             <a:endParaRPr lang="en-US"/>
           </a:p>
@@ -8432,7 +8441,7 @@
           <a:p>
             <a:fld id="{EB6FD34C-1867-42A9-AC54-D15ADD8A65E7}" type="datetime1">
               <a:rPr lang="en-US" smtClean="0"/>
-              <a:t>11/23/2021</a:t>
+              <a:t>12/5/21</a:t>
             </a:fld>
             <a:endParaRPr lang="en-US"/>
           </a:p>
@@ -9580,7 +9589,7 @@
           <a:p>
             <a:fld id="{336133E9-A654-4C17-8C3C-DDCAC83D6EBF}" type="datetime1">
               <a:rPr lang="en-US" smtClean="0"/>
-              <a:t>11/23/2021</a:t>
+              <a:t>12/5/21</a:t>
             </a:fld>
             <a:endParaRPr lang="en-US"/>
           </a:p>
@@ -11990,7 +11999,7 @@
           <a:p>
             <a:fld id="{8769D389-4C4C-4FD7-9E6B-9F44477F0EB8}" type="datetime1">
               <a:rPr lang="en-US" smtClean="0"/>
-              <a:t>11/23/2021</a:t>
+              <a:t>12/5/21</a:t>
             </a:fld>
             <a:endParaRPr lang="en-US" dirty="0"/>
           </a:p>
@@ -12523,7 +12532,7 @@
           <a:p>
             <a:r>
               <a:rPr lang="en-US" dirty="0"/>
-              <a:t>Data Mining Project</a:t>
+              <a:t>Bitcoin price analysis</a:t>
             </a:r>
             <a:endParaRPr lang="en-IN" dirty="0"/>
           </a:p>
@@ -12574,6 +12583,26 @@
             <a:r>
               <a:rPr lang="en-US" dirty="0" err="1"/>
               <a:t>Mitali</a:t>
+            </a:r>
+            <a:r>
+              <a:rPr lang="en-US" dirty="0"/>
+              <a:t> </a:t>
+            </a:r>
+            <a:r>
+              <a:rPr lang="en-US" dirty="0" err="1"/>
+              <a:t>Tavildar</a:t>
+            </a:r>
+            <a:r>
+              <a:rPr lang="en-US" dirty="0"/>
+              <a:t>(</a:t>
+            </a:r>
+            <a:r>
+              <a:rPr lang="en-US" dirty="0" err="1"/>
+              <a:t>mtavilda</a:t>
+            </a:r>
+            <a:r>
+              <a:rPr lang="en-US" dirty="0"/>
+              <a:t>)</a:t>
             </a:r>
             <a:endParaRPr lang="en-IN" dirty="0"/>
           </a:p>
@@ -14698,15 +14727,15 @@
         </p:nvSpPr>
         <p:spPr/>
         <p:txBody>
-          <a:bodyPr/>
+          <a:bodyPr>
+            <a:normAutofit lnSpcReduction="10000"/>
+          </a:bodyPr>
           <a:lstStyle/>
           <a:p>
-            <a:r>
-              <a:rPr lang="en-US" dirty="0"/>
-              <a:t>Will be working on Bitcoin Data</a:t>
-            </a:r>
-          </a:p>
-          <a:p>
+            <a:pPr marL="342900" indent="-342900">
+              <a:buFont typeface="Arial" panose="020B0604020202020204" pitchFamily="34" charset="0"/>
+              <a:buChar char="•"/>
+            </a:pPr>
             <a:r>
               <a:rPr lang="en-US" dirty="0"/>
               <a:t>Why bitcoin Data?</a:t>
@@ -14719,17 +14748,13 @@
             </a:r>
           </a:p>
           <a:p>
+            <a:pPr marL="342900" indent="-342900">
+              <a:buFont typeface="Arial" panose="020B0604020202020204" pitchFamily="34" charset="0"/>
+              <a:buChar char="•"/>
+            </a:pPr>
             <a:r>
               <a:rPr lang="en-US" dirty="0"/>
-              <a:t>Why cryptocurrency than </a:t>
-            </a:r>
-            <a:r>
-              <a:rPr lang="en-US" dirty="0" err="1"/>
-              <a:t>than</a:t>
-            </a:r>
-            <a:r>
-              <a:rPr lang="en-US" dirty="0"/>
-              <a:t> traditional stock market(Bitcoin Vs Tesla)</a:t>
+              <a:t>Why cryptocurrency than traditional stock market(Bitcoin Vs Tesla)</a:t>
             </a:r>
           </a:p>
           <a:p>
@@ -14739,6 +14764,10 @@
             </a:r>
           </a:p>
           <a:p>
+            <a:pPr marL="342900" indent="-342900">
+              <a:buFont typeface="Arial" panose="020B0604020202020204" pitchFamily="34" charset="0"/>
+              <a:buChar char="•"/>
+            </a:pPr>
             <a:r>
               <a:rPr lang="en-US" dirty="0"/>
               <a:t>Will use </a:t>
@@ -14749,7 +14778,13 @@
             </a:r>
             <a:r>
               <a:rPr lang="en-US" dirty="0"/>
-              <a:t> historical API to collect the data.</a:t>
+              <a:t> historical API to collect the data</a:t>
+            </a:r>
+          </a:p>
+          <a:p>
+            <a:r>
+              <a:rPr lang="en-US" dirty="0"/>
+              <a:t>The data has features such as open time, open prices, close time, close prices, high, low for hourly, daily and weekly data records.</a:t>
             </a:r>
           </a:p>
           <a:p>
@@ -14850,6 +14885,8 @@
               <a:rPr lang="en-US" dirty="0"/>
               <a:t>Use the hypothesis testing to benchmark the algorithm.</a:t>
             </a:r>
+          </a:p>
+          <a:p>
             <a:endParaRPr lang="en-IN" dirty="0"/>
           </a:p>
         </p:txBody>
@@ -14858,6 +14895,7942 @@
     <p:extLst>
       <p:ext uri="{BB962C8B-B14F-4D97-AF65-F5344CB8AC3E}">
         <p14:creationId xmlns:p14="http://schemas.microsoft.com/office/powerpoint/2010/main" val="1529673892"/>
+      </p:ext>
+    </p:extLst>
+  </p:cSld>
+  <p:clrMapOvr>
+    <a:masterClrMapping/>
+  </p:clrMapOvr>
+</p:sld>
+</file>
+
+<file path=ppt/slides/slide4.xml><?xml version="1.0" encoding="utf-8"?>
+<p:sld xmlns:a="http://schemas.openxmlformats.org/drawingml/2006/main" xmlns:r="http://schemas.openxmlformats.org/officeDocument/2006/relationships" xmlns:p="http://schemas.openxmlformats.org/presentationml/2006/main">
+  <p:cSld>
+    <p:spTree>
+      <p:nvGrpSpPr>
+        <p:cNvPr id="1" name=""/>
+        <p:cNvGrpSpPr/>
+        <p:nvPr/>
+      </p:nvGrpSpPr>
+      <p:grpSpPr>
+        <a:xfrm>
+          <a:off x="0" y="0"/>
+          <a:ext cx="0" cy="0"/>
+          <a:chOff x="0" y="0"/>
+          <a:chExt cx="0" cy="0"/>
+        </a:xfrm>
+      </p:grpSpPr>
+      <p:sp>
+        <p:nvSpPr>
+          <p:cNvPr id="2" name="Title 1">
+            <a:extLst>
+              <a:ext uri="{FF2B5EF4-FFF2-40B4-BE49-F238E27FC236}">
+                <a16:creationId xmlns:a16="http://schemas.microsoft.com/office/drawing/2014/main" id="{A9BF587D-5887-AA47-9B32-ACF626F82E4A}"/>
+              </a:ext>
+            </a:extLst>
+          </p:cNvPr>
+          <p:cNvSpPr>
+            <a:spLocks noGrp="1"/>
+          </p:cNvSpPr>
+          <p:nvPr>
+            <p:ph type="title"/>
+          </p:nvPr>
+        </p:nvSpPr>
+        <p:spPr/>
+        <p:txBody>
+          <a:bodyPr/>
+          <a:lstStyle/>
+          <a:p>
+            <a:r>
+              <a:rPr lang="en-US" dirty="0"/>
+              <a:t>Processing on bitcoin data:</a:t>
+            </a:r>
+          </a:p>
+        </p:txBody>
+      </p:sp>
+      <p:sp>
+        <p:nvSpPr>
+          <p:cNvPr id="3" name="Content Placeholder 2">
+            <a:extLst>
+              <a:ext uri="{FF2B5EF4-FFF2-40B4-BE49-F238E27FC236}">
+                <a16:creationId xmlns:a16="http://schemas.microsoft.com/office/drawing/2014/main" id="{062EEEC1-A90A-4A44-8D06-CE37B5F0B61D}"/>
+              </a:ext>
+            </a:extLst>
+          </p:cNvPr>
+          <p:cNvSpPr>
+            <a:spLocks noGrp="1"/>
+          </p:cNvSpPr>
+          <p:nvPr>
+            <p:ph idx="1"/>
+          </p:nvPr>
+        </p:nvSpPr>
+        <p:spPr/>
+        <p:txBody>
+          <a:bodyPr/>
+          <a:lstStyle/>
+          <a:p>
+            <a:pPr marL="457200" indent="-457200">
+              <a:buAutoNum type="arabicPeriod"/>
+            </a:pPr>
+            <a:r>
+              <a:rPr lang="en-US" dirty="0"/>
+              <a:t>Exploratory data analysis on the bitcoin data</a:t>
+            </a:r>
+          </a:p>
+          <a:p>
+            <a:pPr marL="457200" indent="-457200">
+              <a:buAutoNum type="arabicPeriod"/>
+            </a:pPr>
+            <a:r>
+              <a:rPr lang="en-US" dirty="0"/>
+              <a:t>Predicting gain using basic classification models</a:t>
+            </a:r>
+          </a:p>
+          <a:p>
+            <a:pPr marL="457200" indent="-457200">
+              <a:buAutoNum type="arabicPeriod"/>
+            </a:pPr>
+            <a:r>
+              <a:rPr lang="en-US" dirty="0"/>
+              <a:t>Analyzing and predicting trend using Prophet by Facebook</a:t>
+            </a:r>
+          </a:p>
+          <a:p>
+            <a:pPr marL="457200" indent="-457200">
+              <a:buAutoNum type="arabicPeriod"/>
+            </a:pPr>
+            <a:r>
+              <a:rPr lang="en-US" dirty="0"/>
+              <a:t>Google trend analysis over bitcoin searches.</a:t>
+            </a:r>
+          </a:p>
+          <a:p>
+            <a:pPr marL="457200" indent="-457200">
+              <a:buAutoNum type="arabicPeriod"/>
+            </a:pPr>
+            <a:endParaRPr lang="en-US" dirty="0"/>
+          </a:p>
+        </p:txBody>
+      </p:sp>
+    </p:spTree>
+    <p:extLst>
+      <p:ext uri="{BB962C8B-B14F-4D97-AF65-F5344CB8AC3E}">
+        <p14:creationId xmlns:p14="http://schemas.microsoft.com/office/powerpoint/2010/main" val="2686583551"/>
+      </p:ext>
+    </p:extLst>
+  </p:cSld>
+  <p:clrMapOvr>
+    <a:masterClrMapping/>
+  </p:clrMapOvr>
+</p:sld>
+</file>
+
+<file path=ppt/slides/slide5.xml><?xml version="1.0" encoding="utf-8"?>
+<p:sld xmlns:a="http://schemas.openxmlformats.org/drawingml/2006/main" xmlns:r="http://schemas.openxmlformats.org/officeDocument/2006/relationships" xmlns:p="http://schemas.openxmlformats.org/presentationml/2006/main">
+  <p:cSld>
+    <p:bg>
+      <p:bgPr>
+        <a:solidFill>
+          <a:schemeClr val="bg2"/>
+        </a:solidFill>
+        <a:effectLst/>
+      </p:bgPr>
+    </p:bg>
+    <p:spTree>
+      <p:nvGrpSpPr>
+        <p:cNvPr id="1" name=""/>
+        <p:cNvGrpSpPr/>
+        <p:nvPr/>
+      </p:nvGrpSpPr>
+      <p:grpSpPr>
+        <a:xfrm>
+          <a:off x="0" y="0"/>
+          <a:ext cx="0" cy="0"/>
+          <a:chOff x="0" y="0"/>
+          <a:chExt cx="0" cy="0"/>
+        </a:xfrm>
+      </p:grpSpPr>
+      <p:sp useBgFill="1">
+        <p:nvSpPr>
+          <p:cNvPr id="52" name="Rectangle 11">
+            <a:extLst>
+              <a:ext uri="{FF2B5EF4-FFF2-40B4-BE49-F238E27FC236}">
+                <a16:creationId xmlns:a16="http://schemas.microsoft.com/office/drawing/2014/main" id="{142D98E1-37D2-4470-BF74-845E897954C6}"/>
+              </a:ext>
+              <a:ext uri="{C183D7F6-B498-43B3-948B-1728B52AA6E4}">
+                <adec:decorative xmlns:adec="http://schemas.microsoft.com/office/drawing/2017/decorative" val="1"/>
+              </a:ext>
+            </a:extLst>
+          </p:cNvPr>
+          <p:cNvSpPr>
+            <a:spLocks noGrp="1" noRot="1" noChangeAspect="1" noMove="1" noResize="1" noEditPoints="1" noAdjustHandles="1" noChangeArrowheads="1" noChangeShapeType="1" noTextEdit="1"/>
+          </p:cNvSpPr>
+          <p:nvPr>
+            <p:extLst>
+              <p:ext uri="{386F3935-93C4-4BCD-93E2-E3B085C9AB24}">
+                <p16:designElem xmlns:p16="http://schemas.microsoft.com/office/powerpoint/2015/main" val="1"/>
+              </p:ext>
+            </p:extLst>
+          </p:nvPr>
+        </p:nvSpPr>
+        <p:spPr>
+          <a:xfrm>
+            <a:off x="0" y="0"/>
+            <a:ext cx="12192000" cy="6858000"/>
+          </a:xfrm>
+          <a:prstGeom prst="rect">
+            <a:avLst/>
+          </a:prstGeom>
+          <a:ln w="12700" cap="flat" cmpd="sng" algn="ctr">
+            <a:noFill/>
+            <a:prstDash val="solid"/>
+            <a:miter lim="800000"/>
+          </a:ln>
+          <a:effectLst/>
+          <a:extLst>
+            <a:ext uri="{91240B29-F687-4F45-9708-019B960494DF}">
+              <a14:hiddenLine xmlns:a14="http://schemas.microsoft.com/office/drawing/2010/main" w="12700" cap="flat" cmpd="sng" algn="ctr">
+                <a:solidFill>
+                  <a:schemeClr val="accent1">
+                    <a:shade val="50000"/>
+                  </a:schemeClr>
+                </a:solidFill>
+                <a:prstDash val="solid"/>
+                <a:miter lim="800000"/>
+              </a14:hiddenLine>
+            </a:ext>
+          </a:extLst>
+        </p:spPr>
+        <p:style>
+          <a:lnRef idx="2">
+            <a:schemeClr val="accent1">
+              <a:shade val="50000"/>
+            </a:schemeClr>
+          </a:lnRef>
+          <a:fillRef idx="1">
+            <a:schemeClr val="accent1"/>
+          </a:fillRef>
+          <a:effectRef idx="0">
+            <a:schemeClr val="accent1"/>
+          </a:effectRef>
+          <a:fontRef idx="minor">
+            <a:schemeClr val="lt1"/>
+          </a:fontRef>
+        </p:style>
+        <p:txBody>
+          <a:bodyPr rtlCol="0" anchor="ctr"/>
+          <a:lstStyle/>
+          <a:p>
+            <a:endParaRPr lang="en-US" dirty="0"/>
+          </a:p>
+        </p:txBody>
+      </p:sp>
+      <p:sp>
+        <p:nvSpPr>
+          <p:cNvPr id="2" name="Title 1">
+            <a:extLst>
+              <a:ext uri="{FF2B5EF4-FFF2-40B4-BE49-F238E27FC236}">
+                <a16:creationId xmlns:a16="http://schemas.microsoft.com/office/drawing/2014/main" id="{19CBBE0B-C545-0340-A6F4-0E00E095B36C}"/>
+              </a:ext>
+            </a:extLst>
+          </p:cNvPr>
+          <p:cNvSpPr>
+            <a:spLocks noGrp="1"/>
+          </p:cNvSpPr>
+          <p:nvPr>
+            <p:ph type="title"/>
+          </p:nvPr>
+        </p:nvSpPr>
+        <p:spPr>
+          <a:xfrm>
+            <a:off x="525718" y="440905"/>
+            <a:ext cx="5512288" cy="850831"/>
+          </a:xfrm>
+        </p:spPr>
+        <p:txBody>
+          <a:bodyPr anchor="t">
+            <a:normAutofit fontScale="90000"/>
+          </a:bodyPr>
+          <a:lstStyle/>
+          <a:p>
+            <a:r>
+              <a:rPr lang="en-US" dirty="0"/>
+              <a:t>Exploratory data analysis </a:t>
+            </a:r>
+          </a:p>
+        </p:txBody>
+      </p:sp>
+      <p:grpSp>
+        <p:nvGrpSpPr>
+          <p:cNvPr id="53" name="Graphic 78">
+            <a:extLst>
+              <a:ext uri="{FF2B5EF4-FFF2-40B4-BE49-F238E27FC236}">
+                <a16:creationId xmlns:a16="http://schemas.microsoft.com/office/drawing/2014/main" id="{2EDC2578-BDB0-4118-975D-CFCE02823D48}"/>
+              </a:ext>
+              <a:ext uri="{C183D7F6-B498-43B3-948B-1728B52AA6E4}">
+                <adec:decorative xmlns:adec="http://schemas.microsoft.com/office/drawing/2017/decorative" val="1"/>
+              </a:ext>
+            </a:extLst>
+          </p:cNvPr>
+          <p:cNvGrpSpPr>
+            <a:grpSpLocks noGrp="1" noUngrp="1" noRot="1" noChangeAspect="1" noMove="1" noResize="1"/>
+          </p:cNvGrpSpPr>
+          <p:nvPr>
+            <p:extLst>
+              <p:ext uri="{386F3935-93C4-4BCD-93E2-E3B085C9AB24}">
+                <p16:designElem xmlns:p16="http://schemas.microsoft.com/office/powerpoint/2015/main" val="1"/>
+              </p:ext>
+            </p:extLst>
+          </p:nvPr>
+        </p:nvGrpSpPr>
+        <p:grpSpPr>
+          <a:xfrm>
+            <a:off x="6563724" y="776109"/>
+            <a:ext cx="972241" cy="45718"/>
+            <a:chOff x="4886325" y="3371754"/>
+            <a:chExt cx="2418492" cy="113728"/>
+          </a:xfrm>
+          <a:solidFill>
+            <a:schemeClr val="accent1"/>
+          </a:solidFill>
+        </p:grpSpPr>
+        <p:sp>
+          <p:nvSpPr>
+            <p:cNvPr id="54" name="Graphic 78">
+              <a:extLst>
+                <a:ext uri="{FF2B5EF4-FFF2-40B4-BE49-F238E27FC236}">
+                  <a16:creationId xmlns:a16="http://schemas.microsoft.com/office/drawing/2014/main" id="{FB6536F0-4A9C-46C9-96E9-22CBB33E6126}"/>
+                </a:ext>
+                <a:ext uri="{C183D7F6-B498-43B3-948B-1728B52AA6E4}">
+                  <adec:decorative xmlns:adec="http://schemas.microsoft.com/office/drawing/2017/decorative" val="1"/>
+                </a:ext>
+              </a:extLst>
+            </p:cNvPr>
+            <p:cNvSpPr/>
+            <p:nvPr>
+              <p:extLst>
+                <p:ext uri="{386F3935-93C4-4BCD-93E2-E3B085C9AB24}">
+                  <p16:designElem xmlns:p16="http://schemas.microsoft.com/office/powerpoint/2015/main" val="1"/>
+                </p:ext>
+              </p:extLst>
+            </p:nvPr>
+          </p:nvSpPr>
+          <p:spPr>
+            <a:xfrm>
+              <a:off x="4886325" y="3428428"/>
+              <a:ext cx="2418302" cy="9525"/>
+            </a:xfrm>
+            <a:custGeom>
+              <a:avLst/>
+              <a:gdLst>
+                <a:gd name="connsiteX0" fmla="*/ 0 w 2418302"/>
+                <a:gd name="connsiteY0" fmla="*/ 0 h 9525"/>
+                <a:gd name="connsiteX1" fmla="*/ 2418302 w 2418302"/>
+                <a:gd name="connsiteY1" fmla="*/ 0 h 9525"/>
+              </a:gdLst>
+              <a:ahLst/>
+              <a:cxnLst>
+                <a:cxn ang="0">
+                  <a:pos x="connsiteX0" y="connsiteY0"/>
+                </a:cxn>
+                <a:cxn ang="0">
+                  <a:pos x="connsiteX1" y="connsiteY1"/>
+                </a:cxn>
+              </a:cxnLst>
+              <a:rect l="l" t="t" r="r" b="b"/>
+              <a:pathLst>
+                <a:path w="2418302" h="9525">
+                  <a:moveTo>
+                    <a:pt x="0" y="0"/>
+                  </a:moveTo>
+                  <a:lnTo>
+                    <a:pt x="2418302" y="0"/>
+                  </a:lnTo>
+                </a:path>
+              </a:pathLst>
+            </a:custGeom>
+            <a:grpFill/>
+            <a:ln w="9525" cap="flat">
+              <a:noFill/>
+              <a:prstDash val="solid"/>
+              <a:miter/>
+            </a:ln>
+          </p:spPr>
+          <p:txBody>
+            <a:bodyPr rtlCol="0" anchor="ctr"/>
+            <a:lstStyle/>
+            <a:p>
+              <a:pPr algn="ctr"/>
+              <a:endParaRPr lang="en-US"/>
+            </a:p>
+          </p:txBody>
+        </p:sp>
+        <p:grpSp>
+          <p:nvGrpSpPr>
+            <p:cNvPr id="55" name="Graphic 78">
+              <a:extLst>
+                <a:ext uri="{FF2B5EF4-FFF2-40B4-BE49-F238E27FC236}">
+                  <a16:creationId xmlns:a16="http://schemas.microsoft.com/office/drawing/2014/main" id="{DFD6A33A-F889-42D7-ADC2-DD9B88DF060D}"/>
+                </a:ext>
+                <a:ext uri="{C183D7F6-B498-43B3-948B-1728B52AA6E4}">
+                  <adec:decorative xmlns:adec="http://schemas.microsoft.com/office/drawing/2017/decorative" val="1"/>
+                </a:ext>
+              </a:extLst>
+            </p:cNvPr>
+            <p:cNvGrpSpPr/>
+            <p:nvPr>
+              <p:extLst>
+                <p:ext uri="{386F3935-93C4-4BCD-93E2-E3B085C9AB24}">
+                  <p16:designElem xmlns:p16="http://schemas.microsoft.com/office/powerpoint/2015/main" val="1"/>
+                </p:ext>
+              </p:extLst>
+            </p:nvPr>
+          </p:nvGrpSpPr>
+          <p:grpSpPr>
+            <a:xfrm>
+              <a:off x="4886709" y="3371754"/>
+              <a:ext cx="2418108" cy="113728"/>
+              <a:chOff x="4886709" y="3371754"/>
+              <a:chExt cx="2418108" cy="113728"/>
+            </a:xfrm>
+            <a:grpFill/>
+          </p:grpSpPr>
+          <p:sp>
+            <p:nvSpPr>
+              <p:cNvPr id="56" name="Graphic 78">
+                <a:extLst>
+                  <a:ext uri="{FF2B5EF4-FFF2-40B4-BE49-F238E27FC236}">
+                    <a16:creationId xmlns:a16="http://schemas.microsoft.com/office/drawing/2014/main" id="{C375AFD7-9E86-4D19-B86E-C936D33B0D40}"/>
+                  </a:ext>
+                  <a:ext uri="{C183D7F6-B498-43B3-948B-1728B52AA6E4}">
+                    <adec:decorative xmlns:adec="http://schemas.microsoft.com/office/drawing/2017/decorative" val="1"/>
+                  </a:ext>
+                </a:extLst>
+              </p:cNvPr>
+              <p:cNvSpPr/>
+              <p:nvPr>
+                <p:extLst>
+                  <p:ext uri="{386F3935-93C4-4BCD-93E2-E3B085C9AB24}">
+                    <p16:designElem xmlns:p16="http://schemas.microsoft.com/office/powerpoint/2015/main" val="1"/>
+                  </p:ext>
+                </p:extLst>
+              </p:nvPr>
+            </p:nvSpPr>
+            <p:spPr>
+              <a:xfrm>
+                <a:off x="4895088" y="3474384"/>
+                <a:ext cx="32575" cy="2906"/>
+              </a:xfrm>
+              <a:custGeom>
+                <a:avLst/>
+                <a:gdLst>
+                  <a:gd name="connsiteX0" fmla="*/ 0 w 32575"/>
+                  <a:gd name="connsiteY0" fmla="*/ 49 h 2906"/>
+                  <a:gd name="connsiteX1" fmla="*/ 32576 w 32575"/>
+                  <a:gd name="connsiteY1" fmla="*/ 2907 h 2906"/>
+                  <a:gd name="connsiteX2" fmla="*/ 0 w 32575"/>
+                  <a:gd name="connsiteY2" fmla="*/ 49 h 2906"/>
+                </a:gdLst>
+                <a:ahLst/>
+                <a:cxnLst>
+                  <a:cxn ang="0">
+                    <a:pos x="connsiteX0" y="connsiteY0"/>
+                  </a:cxn>
+                  <a:cxn ang="0">
+                    <a:pos x="connsiteX1" y="connsiteY1"/>
+                  </a:cxn>
+                  <a:cxn ang="0">
+                    <a:pos x="connsiteX2" y="connsiteY2"/>
+                  </a:cxn>
+                </a:cxnLst>
+                <a:rect l="l" t="t" r="r" b="b"/>
+                <a:pathLst>
+                  <a:path w="32575" h="2906">
+                    <a:moveTo>
+                      <a:pt x="0" y="49"/>
+                    </a:moveTo>
+                    <a:cubicBezTo>
+                      <a:pt x="7430" y="2335"/>
+                      <a:pt x="20384" y="2526"/>
+                      <a:pt x="32576" y="2907"/>
+                    </a:cubicBezTo>
+                    <a:cubicBezTo>
+                      <a:pt x="23146" y="716"/>
+                      <a:pt x="13240" y="-236"/>
+                      <a:pt x="0" y="49"/>
+                    </a:cubicBezTo>
+                    <a:close/>
+                  </a:path>
+                </a:pathLst>
+              </a:custGeom>
+              <a:grpFill/>
+              <a:ln w="9525" cap="flat">
+                <a:noFill/>
+                <a:prstDash val="solid"/>
+                <a:miter/>
+              </a:ln>
+            </p:spPr>
+            <p:txBody>
+              <a:bodyPr rtlCol="0" anchor="ctr"/>
+              <a:lstStyle/>
+              <a:p>
+                <a:pPr algn="ctr"/>
+                <a:endParaRPr lang="en-US"/>
+              </a:p>
+            </p:txBody>
+          </p:sp>
+          <p:sp>
+            <p:nvSpPr>
+              <p:cNvPr id="57" name="Graphic 78">
+                <a:extLst>
+                  <a:ext uri="{FF2B5EF4-FFF2-40B4-BE49-F238E27FC236}">
+                    <a16:creationId xmlns:a16="http://schemas.microsoft.com/office/drawing/2014/main" id="{4102C78E-31A2-4DB3-8790-415EB0B48A75}"/>
+                  </a:ext>
+                  <a:ext uri="{C183D7F6-B498-43B3-948B-1728B52AA6E4}">
+                    <adec:decorative xmlns:adec="http://schemas.microsoft.com/office/drawing/2017/decorative" val="1"/>
+                  </a:ext>
+                </a:extLst>
+              </p:cNvPr>
+              <p:cNvSpPr/>
+              <p:nvPr>
+                <p:extLst>
+                  <p:ext uri="{386F3935-93C4-4BCD-93E2-E3B085C9AB24}">
+                    <p16:designElem xmlns:p16="http://schemas.microsoft.com/office/powerpoint/2015/main" val="1"/>
+                  </p:ext>
+                </p:extLst>
+              </p:nvPr>
+            </p:nvSpPr>
+            <p:spPr>
+              <a:xfrm>
+                <a:off x="4927758" y="3477344"/>
+                <a:ext cx="380" cy="42"/>
+              </a:xfrm>
+              <a:custGeom>
+                <a:avLst/>
+                <a:gdLst>
+                  <a:gd name="connsiteX0" fmla="*/ 190 w 380"/>
+                  <a:gd name="connsiteY0" fmla="*/ 42 h 42"/>
+                  <a:gd name="connsiteX1" fmla="*/ 381 w 380"/>
+                  <a:gd name="connsiteY1" fmla="*/ 42 h 42"/>
+                  <a:gd name="connsiteX2" fmla="*/ 0 w 380"/>
+                  <a:gd name="connsiteY2" fmla="*/ 42 h 42"/>
+                  <a:gd name="connsiteX3" fmla="*/ 190 w 380"/>
+                  <a:gd name="connsiteY3" fmla="*/ 42 h 42"/>
+                </a:gdLst>
+                <a:ahLst/>
+                <a:cxnLst>
+                  <a:cxn ang="0">
+                    <a:pos x="connsiteX0" y="connsiteY0"/>
+                  </a:cxn>
+                  <a:cxn ang="0">
+                    <a:pos x="connsiteX1" y="connsiteY1"/>
+                  </a:cxn>
+                  <a:cxn ang="0">
+                    <a:pos x="connsiteX2" y="connsiteY2"/>
+                  </a:cxn>
+                  <a:cxn ang="0">
+                    <a:pos x="connsiteX3" y="connsiteY3"/>
+                  </a:cxn>
+                </a:cxnLst>
+                <a:rect l="l" t="t" r="r" b="b"/>
+                <a:pathLst>
+                  <a:path w="380" h="42">
+                    <a:moveTo>
+                      <a:pt x="190" y="42"/>
+                    </a:moveTo>
+                    <a:cubicBezTo>
+                      <a:pt x="190" y="42"/>
+                      <a:pt x="286" y="42"/>
+                      <a:pt x="381" y="42"/>
+                    </a:cubicBezTo>
+                    <a:cubicBezTo>
+                      <a:pt x="190" y="42"/>
+                      <a:pt x="95" y="42"/>
+                      <a:pt x="0" y="42"/>
+                    </a:cubicBezTo>
+                    <a:cubicBezTo>
+                      <a:pt x="0" y="-53"/>
+                      <a:pt x="95" y="42"/>
+                      <a:pt x="190" y="42"/>
+                    </a:cubicBezTo>
+                    <a:close/>
+                  </a:path>
+                </a:pathLst>
+              </a:custGeom>
+              <a:grpFill/>
+              <a:ln w="9525" cap="flat">
+                <a:noFill/>
+                <a:prstDash val="solid"/>
+                <a:miter/>
+              </a:ln>
+            </p:spPr>
+            <p:txBody>
+              <a:bodyPr rtlCol="0" anchor="ctr"/>
+              <a:lstStyle/>
+              <a:p>
+                <a:pPr algn="ctr"/>
+                <a:endParaRPr lang="en-US"/>
+              </a:p>
+            </p:txBody>
+          </p:sp>
+          <p:sp>
+            <p:nvSpPr>
+              <p:cNvPr id="58" name="Graphic 78">
+                <a:extLst>
+                  <a:ext uri="{FF2B5EF4-FFF2-40B4-BE49-F238E27FC236}">
+                    <a16:creationId xmlns:a16="http://schemas.microsoft.com/office/drawing/2014/main" id="{4F3E144D-8167-438A-B67F-50F5D9C0C3D4}"/>
+                  </a:ext>
+                  <a:ext uri="{C183D7F6-B498-43B3-948B-1728B52AA6E4}">
+                    <adec:decorative xmlns:adec="http://schemas.microsoft.com/office/drawing/2017/decorative" val="1"/>
+                  </a:ext>
+                </a:extLst>
+              </p:cNvPr>
+              <p:cNvSpPr/>
+              <p:nvPr>
+                <p:extLst>
+                  <p:ext uri="{386F3935-93C4-4BCD-93E2-E3B085C9AB24}">
+                    <p16:designElem xmlns:p16="http://schemas.microsoft.com/office/powerpoint/2015/main" val="1"/>
+                  </p:ext>
+                </p:extLst>
+              </p:nvPr>
+            </p:nvSpPr>
+            <p:spPr>
+              <a:xfrm>
+                <a:off x="7285577" y="3374517"/>
+                <a:ext cx="10001" cy="190"/>
+              </a:xfrm>
+              <a:custGeom>
+                <a:avLst/>
+                <a:gdLst>
+                  <a:gd name="connsiteX0" fmla="*/ 10001 w 10001"/>
+                  <a:gd name="connsiteY0" fmla="*/ 0 h 190"/>
+                  <a:gd name="connsiteX1" fmla="*/ 0 w 10001"/>
+                  <a:gd name="connsiteY1" fmla="*/ 191 h 190"/>
+                  <a:gd name="connsiteX2" fmla="*/ 10001 w 10001"/>
+                  <a:gd name="connsiteY2" fmla="*/ 0 h 190"/>
+                </a:gdLst>
+                <a:ahLst/>
+                <a:cxnLst>
+                  <a:cxn ang="0">
+                    <a:pos x="connsiteX0" y="connsiteY0"/>
+                  </a:cxn>
+                  <a:cxn ang="0">
+                    <a:pos x="connsiteX1" y="connsiteY1"/>
+                  </a:cxn>
+                  <a:cxn ang="0">
+                    <a:pos x="connsiteX2" y="connsiteY2"/>
+                  </a:cxn>
+                </a:cxnLst>
+                <a:rect l="l" t="t" r="r" b="b"/>
+                <a:pathLst>
+                  <a:path w="10001" h="190">
+                    <a:moveTo>
+                      <a:pt x="10001" y="0"/>
+                    </a:moveTo>
+                    <a:cubicBezTo>
+                      <a:pt x="6953" y="0"/>
+                      <a:pt x="3524" y="95"/>
+                      <a:pt x="0" y="191"/>
+                    </a:cubicBezTo>
+                    <a:cubicBezTo>
+                      <a:pt x="3334" y="191"/>
+                      <a:pt x="6763" y="191"/>
+                      <a:pt x="10001" y="0"/>
+                    </a:cubicBezTo>
+                    <a:close/>
+                  </a:path>
+                </a:pathLst>
+              </a:custGeom>
+              <a:grpFill/>
+              <a:ln w="9525" cap="flat">
+                <a:noFill/>
+                <a:prstDash val="solid"/>
+                <a:miter/>
+              </a:ln>
+            </p:spPr>
+            <p:txBody>
+              <a:bodyPr rtlCol="0" anchor="ctr"/>
+              <a:lstStyle/>
+              <a:p>
+                <a:pPr algn="ctr"/>
+                <a:endParaRPr lang="en-US"/>
+              </a:p>
+            </p:txBody>
+          </p:sp>
+          <p:sp>
+            <p:nvSpPr>
+              <p:cNvPr id="20" name="Graphic 78">
+                <a:extLst>
+                  <a:ext uri="{FF2B5EF4-FFF2-40B4-BE49-F238E27FC236}">
+                    <a16:creationId xmlns:a16="http://schemas.microsoft.com/office/drawing/2014/main" id="{4BE2135F-02C1-449F-B195-232E9AFDD6CB}"/>
+                  </a:ext>
+                  <a:ext uri="{C183D7F6-B498-43B3-948B-1728B52AA6E4}">
+                    <adec:decorative xmlns:adec="http://schemas.microsoft.com/office/drawing/2017/decorative" val="1"/>
+                  </a:ext>
+                </a:extLst>
+              </p:cNvPr>
+              <p:cNvSpPr/>
+              <p:nvPr>
+                <p:extLst>
+                  <p:ext uri="{386F3935-93C4-4BCD-93E2-E3B085C9AB24}">
+                    <p16:designElem xmlns:p16="http://schemas.microsoft.com/office/powerpoint/2015/main" val="1"/>
+                  </p:ext>
+                </p:extLst>
+              </p:nvPr>
+            </p:nvSpPr>
+            <p:spPr>
+              <a:xfrm>
+                <a:off x="4886709" y="3371754"/>
+                <a:ext cx="2418108" cy="113728"/>
+              </a:xfrm>
+              <a:custGeom>
+                <a:avLst/>
+                <a:gdLst>
+                  <a:gd name="connsiteX0" fmla="*/ 632266 w 2418108"/>
+                  <a:gd name="connsiteY0" fmla="*/ 112205 h 113728"/>
+                  <a:gd name="connsiteX1" fmla="*/ 723039 w 2418108"/>
+                  <a:gd name="connsiteY1" fmla="*/ 109538 h 113728"/>
+                  <a:gd name="connsiteX2" fmla="*/ 735136 w 2418108"/>
+                  <a:gd name="connsiteY2" fmla="*/ 111823 h 113728"/>
+                  <a:gd name="connsiteX3" fmla="*/ 752471 w 2418108"/>
+                  <a:gd name="connsiteY3" fmla="*/ 108680 h 113728"/>
+                  <a:gd name="connsiteX4" fmla="*/ 772569 w 2418108"/>
+                  <a:gd name="connsiteY4" fmla="*/ 110585 h 113728"/>
+                  <a:gd name="connsiteX5" fmla="*/ 1112993 w 2418108"/>
+                  <a:gd name="connsiteY5" fmla="*/ 112967 h 113728"/>
+                  <a:gd name="connsiteX6" fmla="*/ 1083465 w 2418108"/>
+                  <a:gd name="connsiteY6" fmla="*/ 108776 h 113728"/>
+                  <a:gd name="connsiteX7" fmla="*/ 1296825 w 2418108"/>
+                  <a:gd name="connsiteY7" fmla="*/ 108966 h 113728"/>
+                  <a:gd name="connsiteX8" fmla="*/ 1346736 w 2418108"/>
+                  <a:gd name="connsiteY8" fmla="*/ 103632 h 113728"/>
+                  <a:gd name="connsiteX9" fmla="*/ 1360643 w 2418108"/>
+                  <a:gd name="connsiteY9" fmla="*/ 107633 h 113728"/>
+                  <a:gd name="connsiteX10" fmla="*/ 1381788 w 2418108"/>
+                  <a:gd name="connsiteY10" fmla="*/ 107442 h 113728"/>
+                  <a:gd name="connsiteX11" fmla="*/ 1371692 w 2418108"/>
+                  <a:gd name="connsiteY11" fmla="*/ 106490 h 113728"/>
+                  <a:gd name="connsiteX12" fmla="*/ 1430080 w 2418108"/>
+                  <a:gd name="connsiteY12" fmla="*/ 105537 h 113728"/>
+                  <a:gd name="connsiteX13" fmla="*/ 1420269 w 2418108"/>
+                  <a:gd name="connsiteY13" fmla="*/ 104108 h 113728"/>
+                  <a:gd name="connsiteX14" fmla="*/ 1455702 w 2418108"/>
+                  <a:gd name="connsiteY14" fmla="*/ 107061 h 113728"/>
+                  <a:gd name="connsiteX15" fmla="*/ 1439414 w 2418108"/>
+                  <a:gd name="connsiteY15" fmla="*/ 108109 h 113728"/>
+                  <a:gd name="connsiteX16" fmla="*/ 1503613 w 2418108"/>
+                  <a:gd name="connsiteY16" fmla="*/ 105918 h 113728"/>
+                  <a:gd name="connsiteX17" fmla="*/ 1495802 w 2418108"/>
+                  <a:gd name="connsiteY17" fmla="*/ 105823 h 113728"/>
+                  <a:gd name="connsiteX18" fmla="*/ 1695923 w 2418108"/>
+                  <a:gd name="connsiteY18" fmla="*/ 95155 h 113728"/>
+                  <a:gd name="connsiteX19" fmla="*/ 1684016 w 2418108"/>
+                  <a:gd name="connsiteY19" fmla="*/ 92488 h 113728"/>
+                  <a:gd name="connsiteX20" fmla="*/ 1706210 w 2418108"/>
+                  <a:gd name="connsiteY20" fmla="*/ 90202 h 113728"/>
+                  <a:gd name="connsiteX21" fmla="*/ 1693351 w 2418108"/>
+                  <a:gd name="connsiteY21" fmla="*/ 98108 h 113728"/>
+                  <a:gd name="connsiteX22" fmla="*/ 2058539 w 2418108"/>
+                  <a:gd name="connsiteY22" fmla="*/ 102203 h 113728"/>
+                  <a:gd name="connsiteX23" fmla="*/ 2064540 w 2418108"/>
+                  <a:gd name="connsiteY23" fmla="*/ 95060 h 113728"/>
+                  <a:gd name="connsiteX24" fmla="*/ 2227132 w 2418108"/>
+                  <a:gd name="connsiteY24" fmla="*/ 96203 h 113728"/>
+                  <a:gd name="connsiteX25" fmla="*/ 2245229 w 2418108"/>
+                  <a:gd name="connsiteY25" fmla="*/ 96869 h 113728"/>
+                  <a:gd name="connsiteX26" fmla="*/ 2254278 w 2418108"/>
+                  <a:gd name="connsiteY26" fmla="*/ 94393 h 113728"/>
+                  <a:gd name="connsiteX27" fmla="*/ 2418108 w 2418108"/>
+                  <a:gd name="connsiteY27" fmla="*/ 5810 h 113728"/>
+                  <a:gd name="connsiteX28" fmla="*/ 2399058 w 2418108"/>
+                  <a:gd name="connsiteY28" fmla="*/ 2858 h 113728"/>
+                  <a:gd name="connsiteX29" fmla="*/ 2241039 w 2418108"/>
+                  <a:gd name="connsiteY29" fmla="*/ 1905 h 113728"/>
+                  <a:gd name="connsiteX30" fmla="*/ 2243991 w 2418108"/>
+                  <a:gd name="connsiteY30" fmla="*/ 1048 h 113728"/>
+                  <a:gd name="connsiteX31" fmla="*/ 2197128 w 2418108"/>
+                  <a:gd name="connsiteY31" fmla="*/ 0 h 113728"/>
+                  <a:gd name="connsiteX32" fmla="*/ 1710591 w 2418108"/>
+                  <a:gd name="connsiteY32" fmla="*/ 6287 h 113728"/>
+                  <a:gd name="connsiteX33" fmla="*/ 1713353 w 2418108"/>
+                  <a:gd name="connsiteY33" fmla="*/ 5906 h 113728"/>
+                  <a:gd name="connsiteX34" fmla="*/ 1210814 w 2418108"/>
+                  <a:gd name="connsiteY34" fmla="*/ 7715 h 113728"/>
+                  <a:gd name="connsiteX35" fmla="*/ 684463 w 2418108"/>
+                  <a:gd name="connsiteY35" fmla="*/ 13716 h 113728"/>
+                  <a:gd name="connsiteX36" fmla="*/ 687511 w 2418108"/>
+                  <a:gd name="connsiteY36" fmla="*/ 12859 h 113728"/>
+                  <a:gd name="connsiteX37" fmla="*/ 435670 w 2418108"/>
+                  <a:gd name="connsiteY37" fmla="*/ 12192 h 113728"/>
+                  <a:gd name="connsiteX38" fmla="*/ 440718 w 2418108"/>
+                  <a:gd name="connsiteY38" fmla="*/ 12668 h 113728"/>
+                  <a:gd name="connsiteX39" fmla="*/ 386807 w 2418108"/>
+                  <a:gd name="connsiteY39" fmla="*/ 9906 h 113728"/>
+                  <a:gd name="connsiteX40" fmla="*/ 16856 w 2418108"/>
+                  <a:gd name="connsiteY40" fmla="*/ 12192 h 113728"/>
+                  <a:gd name="connsiteX41" fmla="*/ 63528 w 2418108"/>
+                  <a:gd name="connsiteY41" fmla="*/ 102870 h 113728"/>
+                  <a:gd name="connsiteX42" fmla="*/ 42668 w 2418108"/>
+                  <a:gd name="connsiteY42" fmla="*/ 102584 h 113728"/>
+                  <a:gd name="connsiteX43" fmla="*/ 41430 w 2418108"/>
+                  <a:gd name="connsiteY43" fmla="*/ 105537 h 113728"/>
+                  <a:gd name="connsiteX44" fmla="*/ 54575 w 2418108"/>
+                  <a:gd name="connsiteY44" fmla="*/ 105347 h 113728"/>
+                  <a:gd name="connsiteX45" fmla="*/ 388140 w 2418108"/>
+                  <a:gd name="connsiteY45" fmla="*/ 112109 h 113728"/>
+                  <a:gd name="connsiteX46" fmla="*/ 482152 w 2418108"/>
+                  <a:gd name="connsiteY46" fmla="*/ 113729 h 113728"/>
+                  <a:gd name="connsiteX47" fmla="*/ 632266 w 2418108"/>
+                  <a:gd name="connsiteY47" fmla="*/ 112205 h 113728"/>
+                </a:gdLst>
+                <a:ahLst/>
+                <a:cxnLst>
+                  <a:cxn ang="0">
+                    <a:pos x="connsiteX0" y="connsiteY0"/>
+                  </a:cxn>
+                  <a:cxn ang="0">
+                    <a:pos x="connsiteX1" y="connsiteY1"/>
+                  </a:cxn>
+                  <a:cxn ang="0">
+                    <a:pos x="connsiteX2" y="connsiteY2"/>
+                  </a:cxn>
+                  <a:cxn ang="0">
+                    <a:pos x="connsiteX3" y="connsiteY3"/>
+                  </a:cxn>
+                  <a:cxn ang="0">
+                    <a:pos x="connsiteX4" y="connsiteY4"/>
+                  </a:cxn>
+                  <a:cxn ang="0">
+                    <a:pos x="connsiteX5" y="connsiteY5"/>
+                  </a:cxn>
+                  <a:cxn ang="0">
+                    <a:pos x="connsiteX6" y="connsiteY6"/>
+                  </a:cxn>
+                  <a:cxn ang="0">
+                    <a:pos x="connsiteX7" y="connsiteY7"/>
+                  </a:cxn>
+                  <a:cxn ang="0">
+                    <a:pos x="connsiteX8" y="connsiteY8"/>
+                  </a:cxn>
+                  <a:cxn ang="0">
+                    <a:pos x="connsiteX9" y="connsiteY9"/>
+                  </a:cxn>
+                  <a:cxn ang="0">
+                    <a:pos x="connsiteX10" y="connsiteY10"/>
+                  </a:cxn>
+                  <a:cxn ang="0">
+                    <a:pos x="connsiteX11" y="connsiteY11"/>
+                  </a:cxn>
+                  <a:cxn ang="0">
+                    <a:pos x="connsiteX12" y="connsiteY12"/>
+                  </a:cxn>
+                  <a:cxn ang="0">
+                    <a:pos x="connsiteX13" y="connsiteY13"/>
+                  </a:cxn>
+                  <a:cxn ang="0">
+                    <a:pos x="connsiteX14" y="connsiteY14"/>
+                  </a:cxn>
+                  <a:cxn ang="0">
+                    <a:pos x="connsiteX15" y="connsiteY15"/>
+                  </a:cxn>
+                  <a:cxn ang="0">
+                    <a:pos x="connsiteX16" y="connsiteY16"/>
+                  </a:cxn>
+                  <a:cxn ang="0">
+                    <a:pos x="connsiteX17" y="connsiteY17"/>
+                  </a:cxn>
+                  <a:cxn ang="0">
+                    <a:pos x="connsiteX18" y="connsiteY18"/>
+                  </a:cxn>
+                  <a:cxn ang="0">
+                    <a:pos x="connsiteX19" y="connsiteY19"/>
+                  </a:cxn>
+                  <a:cxn ang="0">
+                    <a:pos x="connsiteX20" y="connsiteY20"/>
+                  </a:cxn>
+                  <a:cxn ang="0">
+                    <a:pos x="connsiteX21" y="connsiteY21"/>
+                  </a:cxn>
+                  <a:cxn ang="0">
+                    <a:pos x="connsiteX22" y="connsiteY22"/>
+                  </a:cxn>
+                  <a:cxn ang="0">
+                    <a:pos x="connsiteX23" y="connsiteY23"/>
+                  </a:cxn>
+                  <a:cxn ang="0">
+                    <a:pos x="connsiteX24" y="connsiteY24"/>
+                  </a:cxn>
+                  <a:cxn ang="0">
+                    <a:pos x="connsiteX25" y="connsiteY25"/>
+                  </a:cxn>
+                  <a:cxn ang="0">
+                    <a:pos x="connsiteX26" y="connsiteY26"/>
+                  </a:cxn>
+                  <a:cxn ang="0">
+                    <a:pos x="connsiteX27" y="connsiteY27"/>
+                  </a:cxn>
+                  <a:cxn ang="0">
+                    <a:pos x="connsiteX28" y="connsiteY28"/>
+                  </a:cxn>
+                  <a:cxn ang="0">
+                    <a:pos x="connsiteX29" y="connsiteY29"/>
+                  </a:cxn>
+                  <a:cxn ang="0">
+                    <a:pos x="connsiteX30" y="connsiteY30"/>
+                  </a:cxn>
+                  <a:cxn ang="0">
+                    <a:pos x="connsiteX31" y="connsiteY31"/>
+                  </a:cxn>
+                  <a:cxn ang="0">
+                    <a:pos x="connsiteX32" y="connsiteY32"/>
+                  </a:cxn>
+                  <a:cxn ang="0">
+                    <a:pos x="connsiteX33" y="connsiteY33"/>
+                  </a:cxn>
+                  <a:cxn ang="0">
+                    <a:pos x="connsiteX34" y="connsiteY34"/>
+                  </a:cxn>
+                  <a:cxn ang="0">
+                    <a:pos x="connsiteX35" y="connsiteY35"/>
+                  </a:cxn>
+                  <a:cxn ang="0">
+                    <a:pos x="connsiteX36" y="connsiteY36"/>
+                  </a:cxn>
+                  <a:cxn ang="0">
+                    <a:pos x="connsiteX37" y="connsiteY37"/>
+                  </a:cxn>
+                  <a:cxn ang="0">
+                    <a:pos x="connsiteX38" y="connsiteY38"/>
+                  </a:cxn>
+                  <a:cxn ang="0">
+                    <a:pos x="connsiteX39" y="connsiteY39"/>
+                  </a:cxn>
+                  <a:cxn ang="0">
+                    <a:pos x="connsiteX40" y="connsiteY40"/>
+                  </a:cxn>
+                  <a:cxn ang="0">
+                    <a:pos x="connsiteX41" y="connsiteY41"/>
+                  </a:cxn>
+                  <a:cxn ang="0">
+                    <a:pos x="connsiteX42" y="connsiteY42"/>
+                  </a:cxn>
+                  <a:cxn ang="0">
+                    <a:pos x="connsiteX43" y="connsiteY43"/>
+                  </a:cxn>
+                  <a:cxn ang="0">
+                    <a:pos x="connsiteX44" y="connsiteY44"/>
+                  </a:cxn>
+                  <a:cxn ang="0">
+                    <a:pos x="connsiteX45" y="connsiteY45"/>
+                  </a:cxn>
+                  <a:cxn ang="0">
+                    <a:pos x="connsiteX46" y="connsiteY46"/>
+                  </a:cxn>
+                  <a:cxn ang="0">
+                    <a:pos x="connsiteX47" y="connsiteY47"/>
+                  </a:cxn>
+                </a:cxnLst>
+                <a:rect l="l" t="t" r="r" b="b"/>
+                <a:pathLst>
+                  <a:path w="2418108" h="113728">
+                    <a:moveTo>
+                      <a:pt x="632266" y="112205"/>
+                    </a:moveTo>
+                    <a:cubicBezTo>
+                      <a:pt x="656364" y="104680"/>
+                      <a:pt x="694940" y="114110"/>
+                      <a:pt x="723039" y="109538"/>
+                    </a:cubicBezTo>
+                    <a:cubicBezTo>
+                      <a:pt x="722849" y="109919"/>
+                      <a:pt x="735898" y="110109"/>
+                      <a:pt x="735136" y="111823"/>
+                    </a:cubicBezTo>
+                    <a:cubicBezTo>
+                      <a:pt x="735041" y="108776"/>
+                      <a:pt x="767616" y="112300"/>
+                      <a:pt x="752471" y="108680"/>
+                    </a:cubicBezTo>
+                    <a:cubicBezTo>
+                      <a:pt x="754757" y="107633"/>
+                      <a:pt x="790571" y="107633"/>
+                      <a:pt x="772569" y="110585"/>
+                    </a:cubicBezTo>
+                    <a:cubicBezTo>
+                      <a:pt x="822099" y="111633"/>
+                      <a:pt x="1059653" y="114395"/>
+                      <a:pt x="1112993" y="112967"/>
+                    </a:cubicBezTo>
+                    <a:cubicBezTo>
+                      <a:pt x="1106135" y="110776"/>
+                      <a:pt x="1089656" y="112205"/>
+                      <a:pt x="1083465" y="108776"/>
+                    </a:cubicBezTo>
+                    <a:cubicBezTo>
+                      <a:pt x="1153950" y="111728"/>
+                      <a:pt x="1230626" y="113157"/>
+                      <a:pt x="1296825" y="108966"/>
+                    </a:cubicBezTo>
+                    <a:cubicBezTo>
+                      <a:pt x="1277680" y="103251"/>
+                      <a:pt x="1356071" y="110966"/>
+                      <a:pt x="1346736" y="103632"/>
+                    </a:cubicBezTo>
+                    <a:cubicBezTo>
+                      <a:pt x="1351213" y="105347"/>
+                      <a:pt x="1374454" y="106109"/>
+                      <a:pt x="1360643" y="107633"/>
+                    </a:cubicBezTo>
+                    <a:cubicBezTo>
+                      <a:pt x="1368548" y="107728"/>
+                      <a:pt x="1376168" y="108299"/>
+                      <a:pt x="1381788" y="107442"/>
+                    </a:cubicBezTo>
+                    <a:lnTo>
+                      <a:pt x="1371692" y="106490"/>
+                    </a:lnTo>
+                    <a:cubicBezTo>
+                      <a:pt x="1398266" y="106013"/>
+                      <a:pt x="1412744" y="108680"/>
+                      <a:pt x="1430080" y="105537"/>
+                    </a:cubicBezTo>
+                    <a:lnTo>
+                      <a:pt x="1420269" y="104108"/>
+                    </a:lnTo>
+                    <a:cubicBezTo>
+                      <a:pt x="1436176" y="103918"/>
+                      <a:pt x="1449416" y="103632"/>
+                      <a:pt x="1455702" y="107061"/>
+                    </a:cubicBezTo>
+                    <a:lnTo>
+                      <a:pt x="1439414" y="108109"/>
+                    </a:lnTo>
+                    <a:cubicBezTo>
+                      <a:pt x="1465799" y="108014"/>
+                      <a:pt x="1481610" y="107823"/>
+                      <a:pt x="1503613" y="105918"/>
+                    </a:cubicBezTo>
+                    <a:lnTo>
+                      <a:pt x="1495802" y="105823"/>
+                    </a:lnTo>
+                    <a:cubicBezTo>
+                      <a:pt x="1523806" y="102394"/>
+                      <a:pt x="1670110" y="99441"/>
+                      <a:pt x="1695923" y="95155"/>
+                    </a:cubicBezTo>
+                    <a:lnTo>
+                      <a:pt x="1684016" y="92488"/>
+                    </a:lnTo>
+                    <a:lnTo>
+                      <a:pt x="1706210" y="90202"/>
+                    </a:lnTo>
+                    <a:cubicBezTo>
+                      <a:pt x="1703543" y="90202"/>
+                      <a:pt x="1695542" y="98965"/>
+                      <a:pt x="1693351" y="98108"/>
+                    </a:cubicBezTo>
+                    <a:cubicBezTo>
+                      <a:pt x="1757549" y="99441"/>
+                      <a:pt x="2045109" y="91345"/>
+                      <a:pt x="2058539" y="102203"/>
+                    </a:cubicBezTo>
+                    <a:cubicBezTo>
+                      <a:pt x="2079780" y="101917"/>
+                      <a:pt x="2071303" y="103918"/>
+                      <a:pt x="2064540" y="95060"/>
+                    </a:cubicBezTo>
+                    <a:cubicBezTo>
+                      <a:pt x="2086638" y="95441"/>
+                      <a:pt x="2259707" y="88773"/>
+                      <a:pt x="2227132" y="96203"/>
+                    </a:cubicBezTo>
+                    <a:cubicBezTo>
+                      <a:pt x="2232371" y="96298"/>
+                      <a:pt x="2240372" y="95917"/>
+                      <a:pt x="2245229" y="96869"/>
+                    </a:cubicBezTo>
+                    <a:cubicBezTo>
+                      <a:pt x="2235704" y="94583"/>
+                      <a:pt x="2261708" y="95345"/>
+                      <a:pt x="2254278" y="94393"/>
+                    </a:cubicBezTo>
+                    <a:cubicBezTo>
+                      <a:pt x="2395724" y="108776"/>
+                      <a:pt x="2341527" y="36576"/>
+                      <a:pt x="2418108" y="5810"/>
+                    </a:cubicBezTo>
+                    <a:cubicBezTo>
+                      <a:pt x="2398772" y="4763"/>
+                      <a:pt x="2335717" y="7239"/>
+                      <a:pt x="2399058" y="2858"/>
+                    </a:cubicBezTo>
+                    <a:cubicBezTo>
+                      <a:pt x="2343527" y="-572"/>
+                      <a:pt x="2296283" y="1238"/>
+                      <a:pt x="2241039" y="1905"/>
+                    </a:cubicBezTo>
+                    <a:lnTo>
+                      <a:pt x="2243991" y="1048"/>
+                    </a:lnTo>
+                    <a:cubicBezTo>
+                      <a:pt x="2234181" y="-381"/>
+                      <a:pt x="2214845" y="1524"/>
+                      <a:pt x="2197128" y="0"/>
+                    </a:cubicBezTo>
+                    <a:cubicBezTo>
+                      <a:pt x="2115880" y="6096"/>
+                      <a:pt x="1816128" y="3524"/>
+                      <a:pt x="1710591" y="6287"/>
+                    </a:cubicBezTo>
+                    <a:lnTo>
+                      <a:pt x="1713353" y="5906"/>
+                    </a:lnTo>
+                    <a:cubicBezTo>
+                      <a:pt x="1577146" y="5429"/>
+                      <a:pt x="1349308" y="11240"/>
+                      <a:pt x="1210814" y="7715"/>
+                    </a:cubicBezTo>
+                    <a:cubicBezTo>
+                      <a:pt x="1095848" y="23717"/>
+                      <a:pt x="819051" y="5429"/>
+                      <a:pt x="684463" y="13716"/>
+                    </a:cubicBezTo>
+                    <a:lnTo>
+                      <a:pt x="687511" y="12859"/>
+                    </a:lnTo>
+                    <a:cubicBezTo>
+                      <a:pt x="655316" y="14192"/>
+                      <a:pt x="473008" y="10954"/>
+                      <a:pt x="435670" y="12192"/>
+                    </a:cubicBezTo>
+                    <a:lnTo>
+                      <a:pt x="440718" y="12668"/>
+                    </a:lnTo>
+                    <a:cubicBezTo>
+                      <a:pt x="408047" y="14764"/>
+                      <a:pt x="412524" y="11049"/>
+                      <a:pt x="386807" y="9906"/>
+                    </a:cubicBezTo>
+                    <a:cubicBezTo>
+                      <a:pt x="275174" y="28004"/>
+                      <a:pt x="142395" y="18764"/>
+                      <a:pt x="16856" y="12192"/>
+                    </a:cubicBezTo>
+                    <a:cubicBezTo>
+                      <a:pt x="-6195" y="35528"/>
+                      <a:pt x="-17434" y="114395"/>
+                      <a:pt x="63528" y="102870"/>
+                    </a:cubicBezTo>
+                    <a:cubicBezTo>
+                      <a:pt x="63528" y="102870"/>
+                      <a:pt x="42668" y="102584"/>
+                      <a:pt x="42668" y="102584"/>
+                    </a:cubicBezTo>
+                    <a:cubicBezTo>
+                      <a:pt x="58004" y="103156"/>
+                      <a:pt x="47336" y="104299"/>
+                      <a:pt x="41430" y="105537"/>
+                    </a:cubicBezTo>
+                    <a:cubicBezTo>
+                      <a:pt x="46764" y="105537"/>
+                      <a:pt x="68386" y="107442"/>
+                      <a:pt x="54575" y="105347"/>
+                    </a:cubicBezTo>
+                    <a:cubicBezTo>
+                      <a:pt x="158588" y="108109"/>
+                      <a:pt x="297462" y="110109"/>
+                      <a:pt x="388140" y="112109"/>
+                    </a:cubicBezTo>
+                    <a:cubicBezTo>
+                      <a:pt x="420525" y="113348"/>
+                      <a:pt x="453577" y="106680"/>
+                      <a:pt x="482152" y="113729"/>
+                    </a:cubicBezTo>
+                    <a:cubicBezTo>
+                      <a:pt x="477580" y="111919"/>
+                      <a:pt x="629885" y="111728"/>
+                      <a:pt x="632266" y="112205"/>
+                    </a:cubicBezTo>
+                    <a:close/>
+                  </a:path>
+                </a:pathLst>
+              </a:custGeom>
+              <a:grpFill/>
+              <a:ln w="9525" cap="flat">
+                <a:noFill/>
+                <a:prstDash val="solid"/>
+                <a:miter/>
+              </a:ln>
+            </p:spPr>
+            <p:txBody>
+              <a:bodyPr rtlCol="0" anchor="ctr"/>
+              <a:lstStyle/>
+              <a:p>
+                <a:pPr algn="ctr"/>
+                <a:endParaRPr lang="en-US"/>
+              </a:p>
+            </p:txBody>
+          </p:sp>
+        </p:grpSp>
+      </p:grpSp>
+      <p:pic>
+        <p:nvPicPr>
+          <p:cNvPr id="5" name="Content Placeholder 4" descr="Chart, line chart, histogram&#10;&#10;Description automatically generated">
+            <a:extLst>
+              <a:ext uri="{FF2B5EF4-FFF2-40B4-BE49-F238E27FC236}">
+                <a16:creationId xmlns:a16="http://schemas.microsoft.com/office/drawing/2014/main" id="{368026C3-87ED-DD47-8B70-CBB4034384BA}"/>
+              </a:ext>
+            </a:extLst>
+          </p:cNvPr>
+          <p:cNvPicPr>
+            <a:picLocks noChangeAspect="1"/>
+          </p:cNvPicPr>
+          <p:nvPr/>
+        </p:nvPicPr>
+        <p:blipFill>
+          <a:blip r:embed="rId2">
+            <a:extLst>
+              <a:ext uri="{28A0092B-C50C-407E-A947-70E740481C1C}">
+                <a14:useLocalDpi xmlns:a14="http://schemas.microsoft.com/office/drawing/2010/main" val="0"/>
+              </a:ext>
+            </a:extLst>
+          </a:blip>
+          <a:stretch>
+            <a:fillRect/>
+          </a:stretch>
+        </p:blipFill>
+        <p:spPr>
+          <a:xfrm>
+            <a:off x="525718" y="1516069"/>
+            <a:ext cx="5020679" cy="2466466"/>
+          </a:xfrm>
+          <a:prstGeom prst="rect">
+            <a:avLst/>
+          </a:prstGeom>
+        </p:spPr>
+      </p:pic>
+      <p:sp>
+        <p:nvSpPr>
+          <p:cNvPr id="9" name="Content Placeholder 8">
+            <a:extLst>
+              <a:ext uri="{FF2B5EF4-FFF2-40B4-BE49-F238E27FC236}">
+                <a16:creationId xmlns:a16="http://schemas.microsoft.com/office/drawing/2014/main" id="{5BAEA829-DAFD-4C4A-A32C-212CA450A562}"/>
+              </a:ext>
+            </a:extLst>
+          </p:cNvPr>
+          <p:cNvSpPr>
+            <a:spLocks noGrp="1"/>
+          </p:cNvSpPr>
+          <p:nvPr>
+            <p:ph idx="1"/>
+          </p:nvPr>
+        </p:nvSpPr>
+        <p:spPr>
+          <a:xfrm>
+            <a:off x="6444040" y="1114691"/>
+            <a:ext cx="4159233" cy="5144455"/>
+          </a:xfrm>
+        </p:spPr>
+        <p:txBody>
+          <a:bodyPr>
+            <a:normAutofit/>
+          </a:bodyPr>
+          <a:lstStyle/>
+          <a:p>
+            <a:r>
+              <a:rPr lang="en-US" dirty="0"/>
+              <a:t>Following are the results based on single-day records:</a:t>
+            </a:r>
+          </a:p>
+          <a:p>
+            <a:pPr marL="342900" indent="-342900">
+              <a:buFont typeface="Arial" panose="020B0604020202020204" pitchFamily="34" charset="0"/>
+              <a:buChar char="•"/>
+            </a:pPr>
+            <a:r>
+              <a:rPr lang="en-US" dirty="0"/>
+              <a:t>The lines overlap. ﻿We could use either open or close prices for further predictions.</a:t>
+            </a:r>
+          </a:p>
+          <a:p>
+            <a:pPr marL="342900" indent="-342900">
+              <a:buFont typeface="Arial" panose="020B0604020202020204" pitchFamily="34" charset="0"/>
+              <a:buChar char="•"/>
+            </a:pPr>
+            <a:r>
+              <a:rPr lang="en-US" dirty="0"/>
+              <a:t>About 53% of the records have closed at a higher price than opening price.</a:t>
+            </a:r>
+          </a:p>
+          <a:p>
+            <a:pPr marL="342900" lvl="1" indent="-342900"/>
+            <a:r>
+              <a:rPr lang="en-US" dirty="0"/>
+              <a:t>The max difference from opening price to the highest price was 7998 and lowest was 0. </a:t>
+            </a:r>
+          </a:p>
+        </p:txBody>
+      </p:sp>
+      <p:sp>
+        <p:nvSpPr>
+          <p:cNvPr id="22" name="Freeform: Shape 21">
+            <a:extLst>
+              <a:ext uri="{FF2B5EF4-FFF2-40B4-BE49-F238E27FC236}">
+                <a16:creationId xmlns:a16="http://schemas.microsoft.com/office/drawing/2014/main" id="{E1BEDD21-8CC9-4E04-B8CF-CE59786DFB3A}"/>
+              </a:ext>
+              <a:ext uri="{C183D7F6-B498-43B3-948B-1728B52AA6E4}">
+                <adec:decorative xmlns:adec="http://schemas.microsoft.com/office/drawing/2017/decorative" val="1"/>
+              </a:ext>
+            </a:extLst>
+          </p:cNvPr>
+          <p:cNvSpPr>
+            <a:spLocks noGrp="1" noRot="1" noChangeAspect="1" noMove="1" noResize="1" noEditPoints="1" noAdjustHandles="1" noChangeArrowheads="1" noChangeShapeType="1" noTextEdit="1"/>
+          </p:cNvSpPr>
+          <p:nvPr>
+            <p:extLst>
+              <p:ext uri="{386F3935-93C4-4BCD-93E2-E3B085C9AB24}">
+                <p16:designElem xmlns:p16="http://schemas.microsoft.com/office/powerpoint/2015/main" val="1"/>
+              </p:ext>
+            </p:extLst>
+          </p:nvPr>
+        </p:nvSpPr>
+        <p:spPr>
+          <a:xfrm>
+            <a:off x="9766006" y="5516668"/>
+            <a:ext cx="2438970" cy="1341332"/>
+          </a:xfrm>
+          <a:custGeom>
+            <a:avLst/>
+            <a:gdLst>
+              <a:gd name="connsiteX0" fmla="*/ 2025355 w 2438970"/>
+              <a:gd name="connsiteY0" fmla="*/ 235 h 1341332"/>
+              <a:gd name="connsiteX1" fmla="*/ 2381960 w 2438970"/>
+              <a:gd name="connsiteY1" fmla="*/ 44517 h 1341332"/>
+              <a:gd name="connsiteX2" fmla="*/ 2438970 w 2438970"/>
+              <a:gd name="connsiteY2" fmla="*/ 58872 h 1341332"/>
+              <a:gd name="connsiteX3" fmla="*/ 2438970 w 2438970"/>
+              <a:gd name="connsiteY3" fmla="*/ 1341332 h 1341332"/>
+              <a:gd name="connsiteX4" fmla="*/ 0 w 2438970"/>
+              <a:gd name="connsiteY4" fmla="*/ 1341332 h 1341332"/>
+              <a:gd name="connsiteX5" fmla="*/ 13333 w 2438970"/>
+              <a:gd name="connsiteY5" fmla="*/ 1328018 h 1341332"/>
+              <a:gd name="connsiteX6" fmla="*/ 936262 w 2438970"/>
+              <a:gd name="connsiteY6" fmla="*/ 459947 h 1341332"/>
+              <a:gd name="connsiteX7" fmla="*/ 1554028 w 2438970"/>
+              <a:gd name="connsiteY7" fmla="*/ 71153 h 1341332"/>
+              <a:gd name="connsiteX8" fmla="*/ 2025355 w 2438970"/>
+              <a:gd name="connsiteY8" fmla="*/ 235 h 1341332"/>
+            </a:gdLst>
+            <a:ahLst/>
+            <a:cxnLst>
+              <a:cxn ang="0">
+                <a:pos x="connsiteX0" y="connsiteY0"/>
+              </a:cxn>
+              <a:cxn ang="0">
+                <a:pos x="connsiteX1" y="connsiteY1"/>
+              </a:cxn>
+              <a:cxn ang="0">
+                <a:pos x="connsiteX2" y="connsiteY2"/>
+              </a:cxn>
+              <a:cxn ang="0">
+                <a:pos x="connsiteX3" y="connsiteY3"/>
+              </a:cxn>
+              <a:cxn ang="0">
+                <a:pos x="connsiteX4" y="connsiteY4"/>
+              </a:cxn>
+              <a:cxn ang="0">
+                <a:pos x="connsiteX5" y="connsiteY5"/>
+              </a:cxn>
+              <a:cxn ang="0">
+                <a:pos x="connsiteX6" y="connsiteY6"/>
+              </a:cxn>
+              <a:cxn ang="0">
+                <a:pos x="connsiteX7" y="connsiteY7"/>
+              </a:cxn>
+              <a:cxn ang="0">
+                <a:pos x="connsiteX8" y="connsiteY8"/>
+              </a:cxn>
+            </a:cxnLst>
+            <a:rect l="l" t="t" r="r" b="b"/>
+            <a:pathLst>
+              <a:path w="2438970" h="1341332">
+                <a:moveTo>
+                  <a:pt x="2025355" y="235"/>
+                </a:moveTo>
+                <a:cubicBezTo>
+                  <a:pt x="2143847" y="2306"/>
+                  <a:pt x="2262766" y="17993"/>
+                  <a:pt x="2381960" y="44517"/>
+                </a:cubicBezTo>
+                <a:lnTo>
+                  <a:pt x="2438970" y="58872"/>
+                </a:lnTo>
+                <a:lnTo>
+                  <a:pt x="2438970" y="1341332"/>
+                </a:lnTo>
+                <a:lnTo>
+                  <a:pt x="0" y="1341332"/>
+                </a:lnTo>
+                <a:lnTo>
+                  <a:pt x="13333" y="1328018"/>
+                </a:lnTo>
+                <a:cubicBezTo>
+                  <a:pt x="324723" y="1028950"/>
+                  <a:pt x="645390" y="738459"/>
+                  <a:pt x="936262" y="459947"/>
+                </a:cubicBezTo>
+                <a:cubicBezTo>
+                  <a:pt x="1139660" y="265152"/>
+                  <a:pt x="1345794" y="140817"/>
+                  <a:pt x="1554028" y="71153"/>
+                </a:cubicBezTo>
+                <a:cubicBezTo>
+                  <a:pt x="1710136" y="18918"/>
+                  <a:pt x="1867365" y="-2526"/>
+                  <a:pt x="2025355" y="235"/>
+                </a:cubicBezTo>
+                <a:close/>
+              </a:path>
+            </a:pathLst>
+          </a:custGeom>
+          <a:solidFill>
+            <a:schemeClr val="accent2">
+              <a:lumMod val="40000"/>
+              <a:lumOff val="60000"/>
+            </a:schemeClr>
+          </a:solidFill>
+          <a:ln>
+            <a:noFill/>
+          </a:ln>
+        </p:spPr>
+        <p:style>
+          <a:lnRef idx="2">
+            <a:schemeClr val="accent1">
+              <a:shade val="50000"/>
+            </a:schemeClr>
+          </a:lnRef>
+          <a:fillRef idx="1">
+            <a:schemeClr val="accent1"/>
+          </a:fillRef>
+          <a:effectRef idx="0">
+            <a:schemeClr val="accent1"/>
+          </a:effectRef>
+          <a:fontRef idx="minor">
+            <a:schemeClr val="lt1"/>
+          </a:fontRef>
+        </p:style>
+        <p:txBody>
+          <a:bodyPr wrap="square" rtlCol="0" anchor="ctr">
+            <a:noAutofit/>
+          </a:bodyPr>
+          <a:lstStyle/>
+          <a:p>
+            <a:pPr algn="ctr"/>
+            <a:endParaRPr lang="en-US" dirty="0"/>
+          </a:p>
+        </p:txBody>
+      </p:sp>
+      <p:grpSp>
+        <p:nvGrpSpPr>
+          <p:cNvPr id="59" name="Group 23">
+            <a:extLst>
+              <a:ext uri="{FF2B5EF4-FFF2-40B4-BE49-F238E27FC236}">
+                <a16:creationId xmlns:a16="http://schemas.microsoft.com/office/drawing/2014/main" id="{A6DA475A-533E-4A16-A83E-0171FFB6D8BA}"/>
+              </a:ext>
+              <a:ext uri="{C183D7F6-B498-43B3-948B-1728B52AA6E4}">
+                <adec:decorative xmlns:adec="http://schemas.microsoft.com/office/drawing/2017/decorative" val="1"/>
+              </a:ext>
+            </a:extLst>
+          </p:cNvPr>
+          <p:cNvGrpSpPr>
+            <a:grpSpLocks noGrp="1" noUngrp="1" noRot="1" noChangeAspect="1" noMove="1" noResize="1"/>
+          </p:cNvGrpSpPr>
+          <p:nvPr>
+            <p:extLst>
+              <p:ext uri="{386F3935-93C4-4BCD-93E2-E3B085C9AB24}">
+                <p16:designElem xmlns:p16="http://schemas.microsoft.com/office/powerpoint/2015/main" val="1"/>
+              </p:ext>
+            </p:extLst>
+          </p:nvPr>
+        </p:nvGrpSpPr>
+        <p:grpSpPr>
+          <a:xfrm flipV="1">
+            <a:off x="10732601" y="5351135"/>
+            <a:ext cx="886141" cy="802496"/>
+            <a:chOff x="10948005" y="3272152"/>
+            <a:chExt cx="868640" cy="786648"/>
+          </a:xfrm>
+          <a:solidFill>
+            <a:schemeClr val="accent1"/>
+          </a:solidFill>
+        </p:grpSpPr>
+        <p:sp>
+          <p:nvSpPr>
+            <p:cNvPr id="25" name="Freeform: Shape 24">
+              <a:extLst>
+                <a:ext uri="{FF2B5EF4-FFF2-40B4-BE49-F238E27FC236}">
+                  <a16:creationId xmlns:a16="http://schemas.microsoft.com/office/drawing/2014/main" id="{9EB076CD-5E1A-4B4E-8434-EB36C96CD9DC}"/>
+                </a:ext>
+                <a:ext uri="{C183D7F6-B498-43B3-948B-1728B52AA6E4}">
+                  <adec:decorative xmlns:adec="http://schemas.microsoft.com/office/drawing/2017/decorative" val="1"/>
+                </a:ext>
+              </a:extLst>
+            </p:cNvPr>
+            <p:cNvSpPr/>
+            <p:nvPr>
+              <p:extLst>
+                <p:ext uri="{386F3935-93C4-4BCD-93E2-E3B085C9AB24}">
+                  <p16:designElem xmlns:p16="http://schemas.microsoft.com/office/powerpoint/2015/main" val="1"/>
+                </p:ext>
+              </p:extLst>
+            </p:nvPr>
+          </p:nvSpPr>
+          <p:spPr>
+            <a:xfrm>
+              <a:off x="11194317" y="3944888"/>
+              <a:ext cx="128449" cy="113912"/>
+            </a:xfrm>
+            <a:custGeom>
+              <a:avLst/>
+              <a:gdLst>
+                <a:gd name="connsiteX0" fmla="*/ 237621 w 453152"/>
+                <a:gd name="connsiteY0" fmla="*/ 965 h 401867"/>
+                <a:gd name="connsiteX1" fmla="*/ 370246 w 453152"/>
+                <a:gd name="connsiteY1" fmla="*/ 23666 h 401867"/>
+                <a:gd name="connsiteX2" fmla="*/ 437392 w 453152"/>
+                <a:gd name="connsiteY2" fmla="*/ 198545 h 401867"/>
+                <a:gd name="connsiteX3" fmla="*/ 67745 w 453152"/>
+                <a:gd name="connsiteY3" fmla="*/ 392003 h 401867"/>
+                <a:gd name="connsiteX4" fmla="*/ 911 w 453152"/>
+                <a:gd name="connsiteY4" fmla="*/ 254095 h 401867"/>
+                <a:gd name="connsiteX5" fmla="*/ 115564 w 453152"/>
+                <a:gd name="connsiteY5" fmla="*/ 51160 h 401867"/>
+                <a:gd name="connsiteX6" fmla="*/ 237621 w 453152"/>
+                <a:gd name="connsiteY6" fmla="*/ 965 h 401867"/>
+              </a:gdLst>
+              <a:ahLst/>
+              <a:cxnLst>
+                <a:cxn ang="0">
+                  <a:pos x="connsiteX0" y="connsiteY0"/>
+                </a:cxn>
+                <a:cxn ang="0">
+                  <a:pos x="connsiteX1" y="connsiteY1"/>
+                </a:cxn>
+                <a:cxn ang="0">
+                  <a:pos x="connsiteX2" y="connsiteY2"/>
+                </a:cxn>
+                <a:cxn ang="0">
+                  <a:pos x="connsiteX3" y="connsiteY3"/>
+                </a:cxn>
+                <a:cxn ang="0">
+                  <a:pos x="connsiteX4" y="connsiteY4"/>
+                </a:cxn>
+                <a:cxn ang="0">
+                  <a:pos x="connsiteX5" y="connsiteY5"/>
+                </a:cxn>
+                <a:cxn ang="0">
+                  <a:pos x="connsiteX6" y="connsiteY6"/>
+                </a:cxn>
+              </a:cxnLst>
+              <a:rect l="l" t="t" r="r" b="b"/>
+              <a:pathLst>
+                <a:path w="453152" h="401867">
+                  <a:moveTo>
+                    <a:pt x="237621" y="965"/>
+                  </a:moveTo>
+                  <a:cubicBezTo>
+                    <a:pt x="283632" y="-2971"/>
+                    <a:pt x="331405" y="5243"/>
+                    <a:pt x="370246" y="23666"/>
+                  </a:cubicBezTo>
+                  <a:cubicBezTo>
+                    <a:pt x="436830" y="55275"/>
+                    <a:pt x="477168" y="116810"/>
+                    <a:pt x="437392" y="198545"/>
+                  </a:cubicBezTo>
+                  <a:cubicBezTo>
+                    <a:pt x="391568" y="292624"/>
+                    <a:pt x="176850" y="441630"/>
+                    <a:pt x="67745" y="392003"/>
+                  </a:cubicBezTo>
+                  <a:cubicBezTo>
+                    <a:pt x="18056" y="369372"/>
+                    <a:pt x="-5012" y="308398"/>
+                    <a:pt x="911" y="254095"/>
+                  </a:cubicBezTo>
+                  <a:cubicBezTo>
+                    <a:pt x="9203" y="178033"/>
+                    <a:pt x="61012" y="103094"/>
+                    <a:pt x="115564" y="51160"/>
+                  </a:cubicBezTo>
+                  <a:cubicBezTo>
+                    <a:pt x="147361" y="20985"/>
+                    <a:pt x="191610" y="4900"/>
+                    <a:pt x="237621" y="965"/>
+                  </a:cubicBezTo>
+                  <a:close/>
+                </a:path>
+              </a:pathLst>
+            </a:custGeom>
+            <a:grpFill/>
+            <a:ln>
+              <a:noFill/>
+            </a:ln>
+          </p:spPr>
+          <p:style>
+            <a:lnRef idx="2">
+              <a:schemeClr val="accent1">
+                <a:shade val="50000"/>
+              </a:schemeClr>
+            </a:lnRef>
+            <a:fillRef idx="1">
+              <a:schemeClr val="accent1"/>
+            </a:fillRef>
+            <a:effectRef idx="0">
+              <a:schemeClr val="accent1"/>
+            </a:effectRef>
+            <a:fontRef idx="minor">
+              <a:schemeClr val="lt1"/>
+            </a:fontRef>
+          </p:style>
+          <p:txBody>
+            <a:bodyPr rtlCol="0" anchor="ctr"/>
+            <a:lstStyle/>
+            <a:p>
+              <a:pPr marL="0" marR="0" lvl="0" indent="0" algn="ctr" defTabSz="914400" rtl="0" eaLnBrk="1" fontAlgn="auto" latinLnBrk="0" hangingPunct="1">
+                <a:lnSpc>
+                  <a:spcPct val="100000"/>
+                </a:lnSpc>
+                <a:spcBef>
+                  <a:spcPts val="0"/>
+                </a:spcBef>
+                <a:spcAft>
+                  <a:spcPts val="0"/>
+                </a:spcAft>
+                <a:buClrTx/>
+                <a:buSzTx/>
+                <a:buFontTx/>
+                <a:buNone/>
+                <a:tabLst/>
+                <a:defRPr/>
+              </a:pPr>
+              <a:endParaRPr kumimoji="0" lang="en-US" sz="1800" b="0" i="0" u="none" strike="noStrike" kern="1200" cap="none" spc="0" normalizeH="0" baseline="0" noProof="0">
+                <a:ln>
+                  <a:noFill/>
+                </a:ln>
+                <a:solidFill>
+                  <a:prstClr val="white"/>
+                </a:solidFill>
+                <a:effectLst/>
+                <a:uLnTx/>
+                <a:uFillTx/>
+                <a:latin typeface="Avenir Next LT Pro Light"/>
+                <a:ea typeface="+mn-ea"/>
+                <a:cs typeface="+mn-cs"/>
+              </a:endParaRPr>
+            </a:p>
+          </p:txBody>
+        </p:sp>
+        <p:sp>
+          <p:nvSpPr>
+            <p:cNvPr id="60" name="Freeform: Shape 25">
+              <a:extLst>
+                <a:ext uri="{FF2B5EF4-FFF2-40B4-BE49-F238E27FC236}">
+                  <a16:creationId xmlns:a16="http://schemas.microsoft.com/office/drawing/2014/main" id="{F6EB8026-10C9-4869-9F11-AD4C064F96D9}"/>
+                </a:ext>
+                <a:ext uri="{C183D7F6-B498-43B3-948B-1728B52AA6E4}">
+                  <adec:decorative xmlns:adec="http://schemas.microsoft.com/office/drawing/2017/decorative" val="1"/>
+                </a:ext>
+              </a:extLst>
+            </p:cNvPr>
+            <p:cNvSpPr/>
+            <p:nvPr>
+              <p:extLst>
+                <p:ext uri="{386F3935-93C4-4BCD-93E2-E3B085C9AB24}">
+                  <p16:designElem xmlns:p16="http://schemas.microsoft.com/office/powerpoint/2015/main" val="1"/>
+                </p:ext>
+              </p:extLst>
+            </p:nvPr>
+          </p:nvSpPr>
+          <p:spPr>
+            <a:xfrm>
+              <a:off x="10953045" y="3808430"/>
+              <a:ext cx="144912" cy="193414"/>
+            </a:xfrm>
+            <a:custGeom>
+              <a:avLst/>
+              <a:gdLst>
+                <a:gd name="connsiteX0" fmla="*/ 390625 w 511232"/>
+                <a:gd name="connsiteY0" fmla="*/ 1621 h 682341"/>
+                <a:gd name="connsiteX1" fmla="*/ 508142 w 511232"/>
+                <a:gd name="connsiteY1" fmla="*/ 64038 h 682341"/>
+                <a:gd name="connsiteX2" fmla="*/ 508453 w 511232"/>
+                <a:gd name="connsiteY2" fmla="*/ 121832 h 682341"/>
+                <a:gd name="connsiteX3" fmla="*/ 316492 w 511232"/>
+                <a:gd name="connsiteY3" fmla="*/ 567602 h 682341"/>
+                <a:gd name="connsiteX4" fmla="*/ 80265 w 511232"/>
+                <a:gd name="connsiteY4" fmla="*/ 640359 h 682341"/>
+                <a:gd name="connsiteX5" fmla="*/ 13306 w 511232"/>
+                <a:gd name="connsiteY5" fmla="*/ 274828 h 682341"/>
+                <a:gd name="connsiteX6" fmla="*/ 140989 w 511232"/>
+                <a:gd name="connsiteY6" fmla="*/ 107181 h 682341"/>
+                <a:gd name="connsiteX7" fmla="*/ 390625 w 511232"/>
+                <a:gd name="connsiteY7" fmla="*/ 1621 h 682341"/>
+              </a:gdLst>
+              <a:ahLst/>
+              <a:cxnLst>
+                <a:cxn ang="0">
+                  <a:pos x="connsiteX0" y="connsiteY0"/>
+                </a:cxn>
+                <a:cxn ang="0">
+                  <a:pos x="connsiteX1" y="connsiteY1"/>
+                </a:cxn>
+                <a:cxn ang="0">
+                  <a:pos x="connsiteX2" y="connsiteY2"/>
+                </a:cxn>
+                <a:cxn ang="0">
+                  <a:pos x="connsiteX3" y="connsiteY3"/>
+                </a:cxn>
+                <a:cxn ang="0">
+                  <a:pos x="connsiteX4" y="connsiteY4"/>
+                </a:cxn>
+                <a:cxn ang="0">
+                  <a:pos x="connsiteX5" y="connsiteY5"/>
+                </a:cxn>
+                <a:cxn ang="0">
+                  <a:pos x="connsiteX6" y="connsiteY6"/>
+                </a:cxn>
+                <a:cxn ang="0">
+                  <a:pos x="connsiteX7" y="connsiteY7"/>
+                </a:cxn>
+              </a:cxnLst>
+              <a:rect l="l" t="t" r="r" b="b"/>
+              <a:pathLst>
+                <a:path w="511232" h="682341">
+                  <a:moveTo>
+                    <a:pt x="390625" y="1621"/>
+                  </a:moveTo>
+                  <a:cubicBezTo>
+                    <a:pt x="446543" y="-5212"/>
+                    <a:pt x="493343" y="8441"/>
+                    <a:pt x="508142" y="64038"/>
+                  </a:cubicBezTo>
+                  <a:cubicBezTo>
+                    <a:pt x="513192" y="82866"/>
+                    <a:pt x="511134" y="102754"/>
+                    <a:pt x="508453" y="121832"/>
+                  </a:cubicBezTo>
+                  <a:cubicBezTo>
+                    <a:pt x="485324" y="287796"/>
+                    <a:pt x="417242" y="443971"/>
+                    <a:pt x="316492" y="567602"/>
+                  </a:cubicBezTo>
+                  <a:cubicBezTo>
+                    <a:pt x="253024" y="645534"/>
+                    <a:pt x="165055" y="737743"/>
+                    <a:pt x="80265" y="640359"/>
+                  </a:cubicBezTo>
+                  <a:cubicBezTo>
+                    <a:pt x="5014" y="553948"/>
+                    <a:pt x="-17368" y="383621"/>
+                    <a:pt x="13306" y="274828"/>
+                  </a:cubicBezTo>
+                  <a:cubicBezTo>
+                    <a:pt x="33443" y="203318"/>
+                    <a:pt x="83382" y="146521"/>
+                    <a:pt x="140989" y="107181"/>
+                  </a:cubicBezTo>
+                  <a:cubicBezTo>
+                    <a:pt x="178904" y="81308"/>
+                    <a:pt x="297428" y="13010"/>
+                    <a:pt x="390625" y="1621"/>
+                  </a:cubicBezTo>
+                  <a:close/>
+                </a:path>
+              </a:pathLst>
+            </a:custGeom>
+            <a:grpFill/>
+            <a:ln>
+              <a:noFill/>
+            </a:ln>
+          </p:spPr>
+          <p:style>
+            <a:lnRef idx="2">
+              <a:schemeClr val="accent1">
+                <a:shade val="50000"/>
+              </a:schemeClr>
+            </a:lnRef>
+            <a:fillRef idx="1">
+              <a:schemeClr val="accent1"/>
+            </a:fillRef>
+            <a:effectRef idx="0">
+              <a:schemeClr val="accent1"/>
+            </a:effectRef>
+            <a:fontRef idx="minor">
+              <a:schemeClr val="lt1"/>
+            </a:fontRef>
+          </p:style>
+          <p:txBody>
+            <a:bodyPr rtlCol="0" anchor="ctr"/>
+            <a:lstStyle/>
+            <a:p>
+              <a:pPr marL="0" marR="0" lvl="0" indent="0" algn="ctr" defTabSz="914400" rtl="0" eaLnBrk="1" fontAlgn="auto" latinLnBrk="0" hangingPunct="1">
+                <a:lnSpc>
+                  <a:spcPct val="100000"/>
+                </a:lnSpc>
+                <a:spcBef>
+                  <a:spcPts val="0"/>
+                </a:spcBef>
+                <a:spcAft>
+                  <a:spcPts val="0"/>
+                </a:spcAft>
+                <a:buClrTx/>
+                <a:buSzTx/>
+                <a:buFontTx/>
+                <a:buNone/>
+                <a:tabLst/>
+                <a:defRPr/>
+              </a:pPr>
+              <a:endParaRPr kumimoji="0" lang="en-US" sz="1800" b="0" i="0" u="none" strike="noStrike" kern="1200" cap="none" spc="0" normalizeH="0" baseline="0" noProof="0">
+                <a:ln>
+                  <a:noFill/>
+                </a:ln>
+                <a:solidFill>
+                  <a:prstClr val="white"/>
+                </a:solidFill>
+                <a:effectLst/>
+                <a:uLnTx/>
+                <a:uFillTx/>
+                <a:latin typeface="Avenir Next LT Pro Light"/>
+                <a:ea typeface="+mn-ea"/>
+                <a:cs typeface="+mn-cs"/>
+              </a:endParaRPr>
+            </a:p>
+          </p:txBody>
+        </p:sp>
+        <p:sp>
+          <p:nvSpPr>
+            <p:cNvPr id="61" name="Freeform: Shape 26">
+              <a:extLst>
+                <a:ext uri="{FF2B5EF4-FFF2-40B4-BE49-F238E27FC236}">
+                  <a16:creationId xmlns:a16="http://schemas.microsoft.com/office/drawing/2014/main" id="{C49D45E4-020D-4F13-BA0F-A5307EA2A320}"/>
+                </a:ext>
+                <a:ext uri="{C183D7F6-B498-43B3-948B-1728B52AA6E4}">
+                  <adec:decorative xmlns:adec="http://schemas.microsoft.com/office/drawing/2017/decorative" val="1"/>
+                </a:ext>
+              </a:extLst>
+            </p:cNvPr>
+            <p:cNvSpPr/>
+            <p:nvPr>
+              <p:extLst>
+                <p:ext uri="{386F3935-93C4-4BCD-93E2-E3B085C9AB24}">
+                  <p16:designElem xmlns:p16="http://schemas.microsoft.com/office/powerpoint/2015/main" val="1"/>
+                </p:ext>
+              </p:extLst>
+            </p:nvPr>
+          </p:nvSpPr>
+          <p:spPr>
+            <a:xfrm>
+              <a:off x="11684524" y="3907536"/>
+              <a:ext cx="132121" cy="93006"/>
+            </a:xfrm>
+            <a:custGeom>
+              <a:avLst/>
+              <a:gdLst>
+                <a:gd name="connsiteX0" fmla="*/ 252822 w 466107"/>
+                <a:gd name="connsiteY0" fmla="*/ 1539 h 328114"/>
+                <a:gd name="connsiteX1" fmla="*/ 451641 w 466107"/>
+                <a:gd name="connsiteY1" fmla="*/ 122177 h 328114"/>
+                <a:gd name="connsiteX2" fmla="*/ 391790 w 466107"/>
+                <a:gd name="connsiteY2" fmla="*/ 297430 h 328114"/>
+                <a:gd name="connsiteX3" fmla="*/ 8614 w 466107"/>
+                <a:gd name="connsiteY3" fmla="*/ 243252 h 328114"/>
+                <a:gd name="connsiteX4" fmla="*/ 45897 w 466107"/>
+                <a:gd name="connsiteY4" fmla="*/ 97302 h 328114"/>
+                <a:gd name="connsiteX5" fmla="*/ 252822 w 466107"/>
+                <a:gd name="connsiteY5" fmla="*/ 1539 h 328114"/>
+              </a:gdLst>
+              <a:ahLst/>
+              <a:cxnLst>
+                <a:cxn ang="0">
+                  <a:pos x="connsiteX0" y="connsiteY0"/>
+                </a:cxn>
+                <a:cxn ang="0">
+                  <a:pos x="connsiteX1" y="connsiteY1"/>
+                </a:cxn>
+                <a:cxn ang="0">
+                  <a:pos x="connsiteX2" y="connsiteY2"/>
+                </a:cxn>
+                <a:cxn ang="0">
+                  <a:pos x="connsiteX3" y="connsiteY3"/>
+                </a:cxn>
+                <a:cxn ang="0">
+                  <a:pos x="connsiteX4" y="connsiteY4"/>
+                </a:cxn>
+                <a:cxn ang="0">
+                  <a:pos x="connsiteX5" y="connsiteY5"/>
+                </a:cxn>
+              </a:cxnLst>
+              <a:rect l="l" t="t" r="r" b="b"/>
+              <a:pathLst>
+                <a:path w="466107" h="328114">
+                  <a:moveTo>
+                    <a:pt x="252822" y="1539"/>
+                  </a:moveTo>
+                  <a:cubicBezTo>
+                    <a:pt x="335429" y="-10494"/>
+                    <a:pt x="418848" y="49794"/>
+                    <a:pt x="451641" y="122177"/>
+                  </a:cubicBezTo>
+                  <a:cubicBezTo>
+                    <a:pt x="479697" y="184273"/>
+                    <a:pt x="470594" y="255285"/>
+                    <a:pt x="391790" y="297430"/>
+                  </a:cubicBezTo>
+                  <a:cubicBezTo>
+                    <a:pt x="301077" y="345935"/>
+                    <a:pt x="55935" y="343254"/>
+                    <a:pt x="8614" y="243252"/>
+                  </a:cubicBezTo>
+                  <a:cubicBezTo>
+                    <a:pt x="-12895" y="197678"/>
+                    <a:pt x="8240" y="136766"/>
+                    <a:pt x="45897" y="97302"/>
+                  </a:cubicBezTo>
+                  <a:cubicBezTo>
+                    <a:pt x="98704" y="42064"/>
+                    <a:pt x="181872" y="11950"/>
+                    <a:pt x="252822" y="1539"/>
+                  </a:cubicBezTo>
+                  <a:close/>
+                </a:path>
+              </a:pathLst>
+            </a:custGeom>
+            <a:grpFill/>
+            <a:ln>
+              <a:noFill/>
+            </a:ln>
+          </p:spPr>
+          <p:style>
+            <a:lnRef idx="2">
+              <a:schemeClr val="accent1">
+                <a:shade val="50000"/>
+              </a:schemeClr>
+            </a:lnRef>
+            <a:fillRef idx="1">
+              <a:schemeClr val="accent1"/>
+            </a:fillRef>
+            <a:effectRef idx="0">
+              <a:schemeClr val="accent1"/>
+            </a:effectRef>
+            <a:fontRef idx="minor">
+              <a:schemeClr val="lt1"/>
+            </a:fontRef>
+          </p:style>
+          <p:txBody>
+            <a:bodyPr rtlCol="0" anchor="ctr"/>
+            <a:lstStyle/>
+            <a:p>
+              <a:pPr marL="0" marR="0" lvl="0" indent="0" algn="ctr" defTabSz="914400" rtl="0" eaLnBrk="1" fontAlgn="auto" latinLnBrk="0" hangingPunct="1">
+                <a:lnSpc>
+                  <a:spcPct val="100000"/>
+                </a:lnSpc>
+                <a:spcBef>
+                  <a:spcPts val="0"/>
+                </a:spcBef>
+                <a:spcAft>
+                  <a:spcPts val="0"/>
+                </a:spcAft>
+                <a:buClrTx/>
+                <a:buSzTx/>
+                <a:buFontTx/>
+                <a:buNone/>
+                <a:tabLst/>
+                <a:defRPr/>
+              </a:pPr>
+              <a:endParaRPr kumimoji="0" lang="en-US" sz="1800" b="0" i="0" u="none" strike="noStrike" kern="1200" cap="none" spc="0" normalizeH="0" baseline="0" noProof="0">
+                <a:ln>
+                  <a:noFill/>
+                </a:ln>
+                <a:solidFill>
+                  <a:prstClr val="white"/>
+                </a:solidFill>
+                <a:effectLst/>
+                <a:uLnTx/>
+                <a:uFillTx/>
+                <a:latin typeface="Avenir Next LT Pro Light"/>
+                <a:ea typeface="+mn-ea"/>
+                <a:cs typeface="+mn-cs"/>
+              </a:endParaRPr>
+            </a:p>
+          </p:txBody>
+        </p:sp>
+        <p:sp>
+          <p:nvSpPr>
+            <p:cNvPr id="62" name="Graphic 12">
+              <a:extLst>
+                <a:ext uri="{FF2B5EF4-FFF2-40B4-BE49-F238E27FC236}">
+                  <a16:creationId xmlns:a16="http://schemas.microsoft.com/office/drawing/2014/main" id="{9C88C3FA-F709-4D00-9E6D-882DB1E28561}"/>
+                </a:ext>
+                <a:ext uri="{C183D7F6-B498-43B3-948B-1728B52AA6E4}">
+                  <adec:decorative xmlns:adec="http://schemas.microsoft.com/office/drawing/2017/decorative" val="1"/>
+                </a:ext>
+              </a:extLst>
+            </p:cNvPr>
+            <p:cNvSpPr/>
+            <p:nvPr>
+              <p:extLst>
+                <p:ext uri="{386F3935-93C4-4BCD-93E2-E3B085C9AB24}">
+                  <p16:designElem xmlns:p16="http://schemas.microsoft.com/office/powerpoint/2015/main" val="1"/>
+                </p:ext>
+              </p:extLst>
+            </p:nvPr>
+          </p:nvSpPr>
+          <p:spPr>
+            <a:xfrm>
+              <a:off x="11142141" y="3272152"/>
+              <a:ext cx="180625" cy="158824"/>
+            </a:xfrm>
+            <a:custGeom>
+              <a:avLst/>
+              <a:gdLst>
+                <a:gd name="connsiteX0" fmla="*/ 63289 w 3341477"/>
+                <a:gd name="connsiteY0" fmla="*/ 1933384 h 2938167"/>
+                <a:gd name="connsiteX1" fmla="*/ 263314 w 3341477"/>
+                <a:gd name="connsiteY1" fmla="*/ 514159 h 2938167"/>
+                <a:gd name="connsiteX2" fmla="*/ 1098276 w 3341477"/>
+                <a:gd name="connsiteY2" fmla="*/ 952 h 2938167"/>
+                <a:gd name="connsiteX3" fmla="*/ 2654089 w 3341477"/>
+                <a:gd name="connsiteY3" fmla="*/ 371284 h 2938167"/>
+                <a:gd name="connsiteX4" fmla="*/ 3219398 w 3341477"/>
+                <a:gd name="connsiteY4" fmla="*/ 2080926 h 2938167"/>
+                <a:gd name="connsiteX5" fmla="*/ 2044489 w 3341477"/>
+                <a:gd name="connsiteY5" fmla="*/ 2933509 h 2938167"/>
+                <a:gd name="connsiteX6" fmla="*/ 453814 w 3341477"/>
+                <a:gd name="connsiteY6" fmla="*/ 2495359 h 2938167"/>
+                <a:gd name="connsiteX7" fmla="*/ 63289 w 3341477"/>
+                <a:gd name="connsiteY7" fmla="*/ 1933384 h 2938167"/>
+              </a:gdLst>
+              <a:ahLst/>
+              <a:cxnLst>
+                <a:cxn ang="0">
+                  <a:pos x="connsiteX0" y="connsiteY0"/>
+                </a:cxn>
+                <a:cxn ang="0">
+                  <a:pos x="connsiteX1" y="connsiteY1"/>
+                </a:cxn>
+                <a:cxn ang="0">
+                  <a:pos x="connsiteX2" y="connsiteY2"/>
+                </a:cxn>
+                <a:cxn ang="0">
+                  <a:pos x="connsiteX3" y="connsiteY3"/>
+                </a:cxn>
+                <a:cxn ang="0">
+                  <a:pos x="connsiteX4" y="connsiteY4"/>
+                </a:cxn>
+                <a:cxn ang="0">
+                  <a:pos x="connsiteX5" y="connsiteY5"/>
+                </a:cxn>
+                <a:cxn ang="0">
+                  <a:pos x="connsiteX6" y="connsiteY6"/>
+                </a:cxn>
+                <a:cxn ang="0">
+                  <a:pos x="connsiteX7" y="connsiteY7"/>
+                </a:cxn>
+              </a:cxnLst>
+              <a:rect l="l" t="t" r="r" b="b"/>
+              <a:pathLst>
+                <a:path w="3341477" h="2938167">
+                  <a:moveTo>
+                    <a:pt x="63289" y="1933384"/>
+                  </a:moveTo>
+                  <a:cubicBezTo>
+                    <a:pt x="56717" y="1895856"/>
+                    <a:pt x="-165311" y="914209"/>
+                    <a:pt x="263314" y="514159"/>
+                  </a:cubicBezTo>
+                  <a:cubicBezTo>
+                    <a:pt x="691939" y="114109"/>
+                    <a:pt x="609262" y="11620"/>
+                    <a:pt x="1098276" y="952"/>
+                  </a:cubicBezTo>
+                  <a:cubicBezTo>
+                    <a:pt x="1587289" y="-9716"/>
+                    <a:pt x="2320714" y="66484"/>
+                    <a:pt x="2654089" y="371284"/>
+                  </a:cubicBezTo>
+                  <a:cubicBezTo>
+                    <a:pt x="2987464" y="676084"/>
+                    <a:pt x="3603732" y="1514094"/>
+                    <a:pt x="3219398" y="2080926"/>
+                  </a:cubicBezTo>
+                  <a:cubicBezTo>
+                    <a:pt x="2835064" y="2647759"/>
+                    <a:pt x="2558839" y="2895409"/>
+                    <a:pt x="2044489" y="2933509"/>
+                  </a:cubicBezTo>
+                  <a:cubicBezTo>
+                    <a:pt x="1530139" y="2971609"/>
+                    <a:pt x="701464" y="2771584"/>
+                    <a:pt x="453814" y="2495359"/>
+                  </a:cubicBezTo>
+                  <a:cubicBezTo>
+                    <a:pt x="206164" y="2219134"/>
+                    <a:pt x="101389" y="2152459"/>
+                    <a:pt x="63289" y="1933384"/>
+                  </a:cubicBezTo>
+                  <a:close/>
+                </a:path>
+              </a:pathLst>
+            </a:custGeom>
+            <a:grpFill/>
+            <a:ln w="9525" cap="flat">
+              <a:noFill/>
+              <a:prstDash val="solid"/>
+              <a:miter/>
+            </a:ln>
+          </p:spPr>
+          <p:txBody>
+            <a:bodyPr rtlCol="0" anchor="ctr"/>
+            <a:lstStyle/>
+            <a:p>
+              <a:endParaRPr lang="en-US"/>
+            </a:p>
+          </p:txBody>
+        </p:sp>
+        <p:sp>
+          <p:nvSpPr>
+            <p:cNvPr id="63" name="Graphic 15">
+              <a:extLst>
+                <a:ext uri="{FF2B5EF4-FFF2-40B4-BE49-F238E27FC236}">
+                  <a16:creationId xmlns:a16="http://schemas.microsoft.com/office/drawing/2014/main" id="{7EDA809C-8B77-4778-9050-82BA4997613E}"/>
+                </a:ext>
+                <a:ext uri="{C183D7F6-B498-43B3-948B-1728B52AA6E4}">
+                  <adec:decorative xmlns:adec="http://schemas.microsoft.com/office/drawing/2017/decorative" val="1"/>
+                </a:ext>
+              </a:extLst>
+            </p:cNvPr>
+            <p:cNvSpPr/>
+            <p:nvPr>
+              <p:extLst>
+                <p:ext uri="{386F3935-93C4-4BCD-93E2-E3B085C9AB24}">
+                  <p16:designElem xmlns:p16="http://schemas.microsoft.com/office/powerpoint/2015/main" val="1"/>
+                </p:ext>
+              </p:extLst>
+            </p:nvPr>
+          </p:nvSpPr>
+          <p:spPr>
+            <a:xfrm>
+              <a:off x="11602136" y="3379098"/>
+              <a:ext cx="82388" cy="75292"/>
+            </a:xfrm>
+            <a:custGeom>
+              <a:avLst/>
+              <a:gdLst>
+                <a:gd name="connsiteX0" fmla="*/ 17664 w 5240764"/>
+                <a:gd name="connsiteY0" fmla="*/ 2947947 h 4789394"/>
+                <a:gd name="connsiteX1" fmla="*/ 903489 w 5240764"/>
+                <a:gd name="connsiteY1" fmla="*/ 195222 h 4789394"/>
+                <a:gd name="connsiteX2" fmla="*/ 3560964 w 5240764"/>
+                <a:gd name="connsiteY2" fmla="*/ 357147 h 4789394"/>
+                <a:gd name="connsiteX3" fmla="*/ 5240602 w 5240764"/>
+                <a:gd name="connsiteY3" fmla="*/ 2076409 h 4789394"/>
+                <a:gd name="connsiteX4" fmla="*/ 4568328 w 5240764"/>
+                <a:gd name="connsiteY4" fmla="*/ 3879397 h 4789394"/>
+                <a:gd name="connsiteX5" fmla="*/ 3284739 w 5240764"/>
+                <a:gd name="connsiteY5" fmla="*/ 4605297 h 4789394"/>
+                <a:gd name="connsiteX6" fmla="*/ 1074939 w 5240764"/>
+                <a:gd name="connsiteY6" fmla="*/ 4357647 h 4789394"/>
+                <a:gd name="connsiteX7" fmla="*/ 15187 w 5240764"/>
+                <a:gd name="connsiteY7" fmla="*/ 2830313 h 4789394"/>
+              </a:gdLst>
+              <a:ahLst/>
+              <a:cxnLst>
+                <a:cxn ang="0">
+                  <a:pos x="connsiteX0" y="connsiteY0"/>
+                </a:cxn>
+                <a:cxn ang="0">
+                  <a:pos x="connsiteX1" y="connsiteY1"/>
+                </a:cxn>
+                <a:cxn ang="0">
+                  <a:pos x="connsiteX2" y="connsiteY2"/>
+                </a:cxn>
+                <a:cxn ang="0">
+                  <a:pos x="connsiteX3" y="connsiteY3"/>
+                </a:cxn>
+                <a:cxn ang="0">
+                  <a:pos x="connsiteX4" y="connsiteY4"/>
+                </a:cxn>
+                <a:cxn ang="0">
+                  <a:pos x="connsiteX5" y="connsiteY5"/>
+                </a:cxn>
+                <a:cxn ang="0">
+                  <a:pos x="connsiteX6" y="connsiteY6"/>
+                </a:cxn>
+                <a:cxn ang="0">
+                  <a:pos x="connsiteX7" y="connsiteY7"/>
+                </a:cxn>
+              </a:cxnLst>
+              <a:rect l="l" t="t" r="r" b="b"/>
+              <a:pathLst>
+                <a:path w="5240764" h="4789394">
+                  <a:moveTo>
+                    <a:pt x="17664" y="2947947"/>
+                  </a:moveTo>
+                  <a:cubicBezTo>
+                    <a:pt x="17664" y="2900322"/>
+                    <a:pt x="-201411" y="490497"/>
+                    <a:pt x="903489" y="195222"/>
+                  </a:cubicBezTo>
+                  <a:cubicBezTo>
+                    <a:pt x="2008389" y="-100053"/>
+                    <a:pt x="2598939" y="-71478"/>
+                    <a:pt x="3560964" y="357147"/>
+                  </a:cubicBezTo>
+                  <a:cubicBezTo>
+                    <a:pt x="4522989" y="785772"/>
+                    <a:pt x="5253271" y="1338222"/>
+                    <a:pt x="5240602" y="2076409"/>
+                  </a:cubicBezTo>
+                  <a:cubicBezTo>
+                    <a:pt x="5227934" y="2814597"/>
+                    <a:pt x="4842267" y="3677276"/>
+                    <a:pt x="4568328" y="3879397"/>
+                  </a:cubicBezTo>
+                  <a:cubicBezTo>
+                    <a:pt x="4294389" y="4081422"/>
+                    <a:pt x="4065789" y="4548147"/>
+                    <a:pt x="3284739" y="4605297"/>
+                  </a:cubicBezTo>
+                  <a:cubicBezTo>
+                    <a:pt x="2503689" y="4662447"/>
+                    <a:pt x="1579764" y="5110122"/>
+                    <a:pt x="1074939" y="4357647"/>
+                  </a:cubicBezTo>
+                  <a:cubicBezTo>
+                    <a:pt x="570114" y="3605172"/>
+                    <a:pt x="12615" y="3617554"/>
+                    <a:pt x="15187" y="2830313"/>
+                  </a:cubicBezTo>
+                </a:path>
+              </a:pathLst>
+            </a:custGeom>
+            <a:grpFill/>
+            <a:ln w="9525" cap="flat">
+              <a:noFill/>
+              <a:prstDash val="solid"/>
+              <a:miter/>
+            </a:ln>
+          </p:spPr>
+          <p:txBody>
+            <a:bodyPr rtlCol="0" anchor="ctr"/>
+            <a:lstStyle/>
+            <a:p>
+              <a:endParaRPr lang="en-US"/>
+            </a:p>
+          </p:txBody>
+        </p:sp>
+        <p:sp>
+          <p:nvSpPr>
+            <p:cNvPr id="30" name="Graphic 15">
+              <a:extLst>
+                <a:ext uri="{FF2B5EF4-FFF2-40B4-BE49-F238E27FC236}">
+                  <a16:creationId xmlns:a16="http://schemas.microsoft.com/office/drawing/2014/main" id="{592CBFFA-9E14-4482-8D59-A989BAD45004}"/>
+                </a:ext>
+                <a:ext uri="{C183D7F6-B498-43B3-948B-1728B52AA6E4}">
+                  <adec:decorative xmlns:adec="http://schemas.microsoft.com/office/drawing/2017/decorative" val="1"/>
+                </a:ext>
+              </a:extLst>
+            </p:cNvPr>
+            <p:cNvSpPr/>
+            <p:nvPr>
+              <p:extLst>
+                <p:ext uri="{386F3935-93C4-4BCD-93E2-E3B085C9AB24}">
+                  <p16:designElem xmlns:p16="http://schemas.microsoft.com/office/powerpoint/2015/main" val="1"/>
+                </p:ext>
+              </p:extLst>
+            </p:nvPr>
+          </p:nvSpPr>
+          <p:spPr>
+            <a:xfrm>
+              <a:off x="10948005" y="3504095"/>
+              <a:ext cx="82388" cy="75292"/>
+            </a:xfrm>
+            <a:custGeom>
+              <a:avLst/>
+              <a:gdLst>
+                <a:gd name="connsiteX0" fmla="*/ 17664 w 5240764"/>
+                <a:gd name="connsiteY0" fmla="*/ 2947947 h 4789394"/>
+                <a:gd name="connsiteX1" fmla="*/ 903489 w 5240764"/>
+                <a:gd name="connsiteY1" fmla="*/ 195222 h 4789394"/>
+                <a:gd name="connsiteX2" fmla="*/ 3560964 w 5240764"/>
+                <a:gd name="connsiteY2" fmla="*/ 357147 h 4789394"/>
+                <a:gd name="connsiteX3" fmla="*/ 5240602 w 5240764"/>
+                <a:gd name="connsiteY3" fmla="*/ 2076409 h 4789394"/>
+                <a:gd name="connsiteX4" fmla="*/ 4568328 w 5240764"/>
+                <a:gd name="connsiteY4" fmla="*/ 3879397 h 4789394"/>
+                <a:gd name="connsiteX5" fmla="*/ 3284739 w 5240764"/>
+                <a:gd name="connsiteY5" fmla="*/ 4605297 h 4789394"/>
+                <a:gd name="connsiteX6" fmla="*/ 1074939 w 5240764"/>
+                <a:gd name="connsiteY6" fmla="*/ 4357647 h 4789394"/>
+                <a:gd name="connsiteX7" fmla="*/ 15187 w 5240764"/>
+                <a:gd name="connsiteY7" fmla="*/ 2830313 h 4789394"/>
+              </a:gdLst>
+              <a:ahLst/>
+              <a:cxnLst>
+                <a:cxn ang="0">
+                  <a:pos x="connsiteX0" y="connsiteY0"/>
+                </a:cxn>
+                <a:cxn ang="0">
+                  <a:pos x="connsiteX1" y="connsiteY1"/>
+                </a:cxn>
+                <a:cxn ang="0">
+                  <a:pos x="connsiteX2" y="connsiteY2"/>
+                </a:cxn>
+                <a:cxn ang="0">
+                  <a:pos x="connsiteX3" y="connsiteY3"/>
+                </a:cxn>
+                <a:cxn ang="0">
+                  <a:pos x="connsiteX4" y="connsiteY4"/>
+                </a:cxn>
+                <a:cxn ang="0">
+                  <a:pos x="connsiteX5" y="connsiteY5"/>
+                </a:cxn>
+                <a:cxn ang="0">
+                  <a:pos x="connsiteX6" y="connsiteY6"/>
+                </a:cxn>
+                <a:cxn ang="0">
+                  <a:pos x="connsiteX7" y="connsiteY7"/>
+                </a:cxn>
+              </a:cxnLst>
+              <a:rect l="l" t="t" r="r" b="b"/>
+              <a:pathLst>
+                <a:path w="5240764" h="4789394">
+                  <a:moveTo>
+                    <a:pt x="17664" y="2947947"/>
+                  </a:moveTo>
+                  <a:cubicBezTo>
+                    <a:pt x="17664" y="2900322"/>
+                    <a:pt x="-201411" y="490497"/>
+                    <a:pt x="903489" y="195222"/>
+                  </a:cubicBezTo>
+                  <a:cubicBezTo>
+                    <a:pt x="2008389" y="-100053"/>
+                    <a:pt x="2598939" y="-71478"/>
+                    <a:pt x="3560964" y="357147"/>
+                  </a:cubicBezTo>
+                  <a:cubicBezTo>
+                    <a:pt x="4522989" y="785772"/>
+                    <a:pt x="5253271" y="1338222"/>
+                    <a:pt x="5240602" y="2076409"/>
+                  </a:cubicBezTo>
+                  <a:cubicBezTo>
+                    <a:pt x="5227934" y="2814597"/>
+                    <a:pt x="4842267" y="3677276"/>
+                    <a:pt x="4568328" y="3879397"/>
+                  </a:cubicBezTo>
+                  <a:cubicBezTo>
+                    <a:pt x="4294389" y="4081422"/>
+                    <a:pt x="4065789" y="4548147"/>
+                    <a:pt x="3284739" y="4605297"/>
+                  </a:cubicBezTo>
+                  <a:cubicBezTo>
+                    <a:pt x="2503689" y="4662447"/>
+                    <a:pt x="1579764" y="5110122"/>
+                    <a:pt x="1074939" y="4357647"/>
+                  </a:cubicBezTo>
+                  <a:cubicBezTo>
+                    <a:pt x="570114" y="3605172"/>
+                    <a:pt x="12615" y="3617554"/>
+                    <a:pt x="15187" y="2830313"/>
+                  </a:cubicBezTo>
+                </a:path>
+              </a:pathLst>
+            </a:custGeom>
+            <a:grpFill/>
+            <a:ln w="9525" cap="flat">
+              <a:noFill/>
+              <a:prstDash val="solid"/>
+              <a:miter/>
+            </a:ln>
+          </p:spPr>
+          <p:txBody>
+            <a:bodyPr rtlCol="0" anchor="ctr"/>
+            <a:lstStyle/>
+            <a:p>
+              <a:endParaRPr lang="en-US"/>
+            </a:p>
+          </p:txBody>
+        </p:sp>
+        <p:sp>
+          <p:nvSpPr>
+            <p:cNvPr id="64" name="Freeform: Shape 30">
+              <a:extLst>
+                <a:ext uri="{FF2B5EF4-FFF2-40B4-BE49-F238E27FC236}">
+                  <a16:creationId xmlns:a16="http://schemas.microsoft.com/office/drawing/2014/main" id="{D801BD80-BE9E-4AFB-BEF4-435B40BD2E48}"/>
+                </a:ext>
+                <a:ext uri="{C183D7F6-B498-43B3-948B-1728B52AA6E4}">
+                  <adec:decorative xmlns:adec="http://schemas.microsoft.com/office/drawing/2017/decorative" val="1"/>
+                </a:ext>
+              </a:extLst>
+            </p:cNvPr>
+            <p:cNvSpPr/>
+            <p:nvPr>
+              <p:extLst>
+                <p:ext uri="{386F3935-93C4-4BCD-93E2-E3B085C9AB24}">
+                  <p16:designElem xmlns:p16="http://schemas.microsoft.com/office/powerpoint/2015/main" val="1"/>
+                </p:ext>
+              </p:extLst>
+            </p:nvPr>
+          </p:nvSpPr>
+          <p:spPr>
+            <a:xfrm>
+              <a:off x="11343727" y="3666564"/>
+              <a:ext cx="173527" cy="138496"/>
+            </a:xfrm>
+            <a:custGeom>
+              <a:avLst/>
+              <a:gdLst>
+                <a:gd name="connsiteX0" fmla="*/ 237392 w 789043"/>
+                <a:gd name="connsiteY0" fmla="*/ 81 h 629754"/>
+                <a:gd name="connsiteX1" fmla="*/ 758692 w 789043"/>
+                <a:gd name="connsiteY1" fmla="*/ 233550 h 629754"/>
+                <a:gd name="connsiteX2" fmla="*/ 650647 w 789043"/>
+                <a:gd name="connsiteY2" fmla="*/ 335111 h 629754"/>
+                <a:gd name="connsiteX3" fmla="*/ 315041 w 789043"/>
+                <a:gd name="connsiteY3" fmla="*/ 584992 h 629754"/>
+                <a:gd name="connsiteX4" fmla="*/ 192159 w 789043"/>
+                <a:gd name="connsiteY4" fmla="*/ 625953 h 629754"/>
+                <a:gd name="connsiteX5" fmla="*/ 124264 w 789043"/>
+                <a:gd name="connsiteY5" fmla="*/ 552260 h 629754"/>
+                <a:gd name="connsiteX6" fmla="*/ 1631 w 789043"/>
+                <a:gd name="connsiteY6" fmla="*/ 133735 h 629754"/>
+                <a:gd name="connsiteX7" fmla="*/ 35422 w 789043"/>
+                <a:gd name="connsiteY7" fmla="*/ 14157 h 629754"/>
+                <a:gd name="connsiteX8" fmla="*/ 113728 w 789043"/>
+                <a:gd name="connsiteY8" fmla="*/ 378 h 629754"/>
+                <a:gd name="connsiteX9" fmla="*/ 237392 w 789043"/>
+                <a:gd name="connsiteY9" fmla="*/ 81 h 629754"/>
+              </a:gdLst>
+              <a:ahLst/>
+              <a:cxnLst>
+                <a:cxn ang="0">
+                  <a:pos x="connsiteX0" y="connsiteY0"/>
+                </a:cxn>
+                <a:cxn ang="0">
+                  <a:pos x="connsiteX1" y="connsiteY1"/>
+                </a:cxn>
+                <a:cxn ang="0">
+                  <a:pos x="connsiteX2" y="connsiteY2"/>
+                </a:cxn>
+                <a:cxn ang="0">
+                  <a:pos x="connsiteX3" y="connsiteY3"/>
+                </a:cxn>
+                <a:cxn ang="0">
+                  <a:pos x="connsiteX4" y="connsiteY4"/>
+                </a:cxn>
+                <a:cxn ang="0">
+                  <a:pos x="connsiteX5" y="connsiteY5"/>
+                </a:cxn>
+                <a:cxn ang="0">
+                  <a:pos x="connsiteX6" y="connsiteY6"/>
+                </a:cxn>
+                <a:cxn ang="0">
+                  <a:pos x="connsiteX7" y="connsiteY7"/>
+                </a:cxn>
+                <a:cxn ang="0">
+                  <a:pos x="connsiteX8" y="connsiteY8"/>
+                </a:cxn>
+                <a:cxn ang="0">
+                  <a:pos x="connsiteX9" y="connsiteY9"/>
+                </a:cxn>
+              </a:cxnLst>
+              <a:rect l="l" t="t" r="r" b="b"/>
+              <a:pathLst>
+                <a:path w="789043" h="629754">
+                  <a:moveTo>
+                    <a:pt x="237392" y="81"/>
+                  </a:moveTo>
+                  <a:cubicBezTo>
+                    <a:pt x="474795" y="-992"/>
+                    <a:pt x="907215" y="10463"/>
+                    <a:pt x="758692" y="233550"/>
+                  </a:cubicBezTo>
+                  <a:cubicBezTo>
+                    <a:pt x="731135" y="274948"/>
+                    <a:pt x="690486" y="305435"/>
+                    <a:pt x="650647" y="335111"/>
+                  </a:cubicBezTo>
+                  <a:cubicBezTo>
+                    <a:pt x="538737" y="418405"/>
+                    <a:pt x="426889" y="501698"/>
+                    <a:pt x="315041" y="584992"/>
+                  </a:cubicBezTo>
+                  <a:cubicBezTo>
+                    <a:pt x="278943" y="611863"/>
+                    <a:pt x="234865" y="640167"/>
+                    <a:pt x="192159" y="625953"/>
+                  </a:cubicBezTo>
+                  <a:cubicBezTo>
+                    <a:pt x="159614" y="615105"/>
+                    <a:pt x="139851" y="582810"/>
+                    <a:pt x="124264" y="552260"/>
+                  </a:cubicBezTo>
+                  <a:cubicBezTo>
+                    <a:pt x="57742" y="422021"/>
+                    <a:pt x="15908" y="279250"/>
+                    <a:pt x="1631" y="133735"/>
+                  </a:cubicBezTo>
+                  <a:cubicBezTo>
+                    <a:pt x="-2671" y="90343"/>
+                    <a:pt x="-676" y="38596"/>
+                    <a:pt x="35422" y="14157"/>
+                  </a:cubicBezTo>
+                  <a:cubicBezTo>
+                    <a:pt x="57804" y="-931"/>
+                    <a:pt x="86795" y="-557"/>
+                    <a:pt x="113728" y="378"/>
+                  </a:cubicBezTo>
+                  <a:cubicBezTo>
+                    <a:pt x="138207" y="1243"/>
+                    <a:pt x="182606" y="328"/>
+                    <a:pt x="237392" y="81"/>
+                  </a:cubicBezTo>
+                  <a:close/>
+                </a:path>
+              </a:pathLst>
+            </a:custGeom>
+            <a:grpFill/>
+            <a:ln>
+              <a:noFill/>
+            </a:ln>
+          </p:spPr>
+          <p:style>
+            <a:lnRef idx="2">
+              <a:schemeClr val="accent1">
+                <a:shade val="50000"/>
+              </a:schemeClr>
+            </a:lnRef>
+            <a:fillRef idx="1">
+              <a:schemeClr val="accent1"/>
+            </a:fillRef>
+            <a:effectRef idx="0">
+              <a:schemeClr val="accent1"/>
+            </a:effectRef>
+            <a:fontRef idx="minor">
+              <a:schemeClr val="lt1"/>
+            </a:fontRef>
+          </p:style>
+          <p:txBody>
+            <a:bodyPr rtlCol="0" anchor="ctr"/>
+            <a:lstStyle/>
+            <a:p>
+              <a:pPr algn="ctr"/>
+              <a:endParaRPr lang="en-US" dirty="0"/>
+            </a:p>
+          </p:txBody>
+        </p:sp>
+      </p:grpSp>
+      <p:sp>
+        <p:nvSpPr>
+          <p:cNvPr id="6" name="TextBox 5">
+            <a:extLst>
+              <a:ext uri="{FF2B5EF4-FFF2-40B4-BE49-F238E27FC236}">
+                <a16:creationId xmlns:a16="http://schemas.microsoft.com/office/drawing/2014/main" id="{E0B08B75-2ED0-FE4D-B5DA-177733DF6D2C}"/>
+              </a:ext>
+            </a:extLst>
+          </p:cNvPr>
+          <p:cNvSpPr txBox="1"/>
+          <p:nvPr/>
+        </p:nvSpPr>
+        <p:spPr>
+          <a:xfrm>
+            <a:off x="525718" y="1107070"/>
+            <a:ext cx="3414532" cy="369332"/>
+          </a:xfrm>
+          <a:prstGeom prst="rect">
+            <a:avLst/>
+          </a:prstGeom>
+          <a:noFill/>
+        </p:spPr>
+        <p:txBody>
+          <a:bodyPr wrap="square" rtlCol="0">
+            <a:spAutoFit/>
+          </a:bodyPr>
+          <a:lstStyle/>
+          <a:p>
+            <a:r>
+              <a:rPr lang="en-US" dirty="0"/>
+              <a:t>Open prices vs Close prices</a:t>
+            </a:r>
+          </a:p>
+        </p:txBody>
+      </p:sp>
+      <p:pic>
+        <p:nvPicPr>
+          <p:cNvPr id="8" name="Picture 7" descr="Chart, histogram&#10;&#10;Description automatically generated">
+            <a:extLst>
+              <a:ext uri="{FF2B5EF4-FFF2-40B4-BE49-F238E27FC236}">
+                <a16:creationId xmlns:a16="http://schemas.microsoft.com/office/drawing/2014/main" id="{5CC862E7-7D06-3447-81FA-2CCA2150484D}"/>
+              </a:ext>
+            </a:extLst>
+          </p:cNvPr>
+          <p:cNvPicPr>
+            <a:picLocks noChangeAspect="1"/>
+          </p:cNvPicPr>
+          <p:nvPr/>
+        </p:nvPicPr>
+        <p:blipFill>
+          <a:blip r:embed="rId3">
+            <a:extLst>
+              <a:ext uri="{28A0092B-C50C-407E-A947-70E740481C1C}">
+                <a14:useLocalDpi xmlns:a14="http://schemas.microsoft.com/office/drawing/2010/main" val="0"/>
+              </a:ext>
+            </a:extLst>
+          </a:blip>
+          <a:stretch>
+            <a:fillRect/>
+          </a:stretch>
+        </p:blipFill>
+        <p:spPr>
+          <a:xfrm>
+            <a:off x="553207" y="4515887"/>
+            <a:ext cx="4965700" cy="2181323"/>
+          </a:xfrm>
+          <a:prstGeom prst="rect">
+            <a:avLst/>
+          </a:prstGeom>
+        </p:spPr>
+      </p:pic>
+      <p:sp>
+        <p:nvSpPr>
+          <p:cNvPr id="65" name="TextBox 64">
+            <a:extLst>
+              <a:ext uri="{FF2B5EF4-FFF2-40B4-BE49-F238E27FC236}">
+                <a16:creationId xmlns:a16="http://schemas.microsoft.com/office/drawing/2014/main" id="{01C2DFE0-A6EA-DC43-8469-1867CA48C8C2}"/>
+              </a:ext>
+            </a:extLst>
+          </p:cNvPr>
+          <p:cNvSpPr txBox="1"/>
+          <p:nvPr/>
+        </p:nvSpPr>
+        <p:spPr>
+          <a:xfrm>
+            <a:off x="497091" y="4071376"/>
+            <a:ext cx="3414532" cy="369332"/>
+          </a:xfrm>
+          <a:prstGeom prst="rect">
+            <a:avLst/>
+          </a:prstGeom>
+          <a:noFill/>
+        </p:spPr>
+        <p:txBody>
+          <a:bodyPr wrap="square" rtlCol="0">
+            <a:spAutoFit/>
+          </a:bodyPr>
+          <a:lstStyle/>
+          <a:p>
+            <a:r>
+              <a:rPr lang="en-US" dirty="0"/>
+              <a:t>Open prices vs high prices</a:t>
+            </a:r>
+          </a:p>
+        </p:txBody>
+      </p:sp>
+    </p:spTree>
+    <p:extLst>
+      <p:ext uri="{BB962C8B-B14F-4D97-AF65-F5344CB8AC3E}">
+        <p14:creationId xmlns:p14="http://schemas.microsoft.com/office/powerpoint/2010/main" val="922905190"/>
+      </p:ext>
+    </p:extLst>
+  </p:cSld>
+  <p:clrMapOvr>
+    <a:masterClrMapping/>
+  </p:clrMapOvr>
+</p:sld>
+</file>
+
+<file path=ppt/slides/slide6.xml><?xml version="1.0" encoding="utf-8"?>
+<p:sld xmlns:a="http://schemas.openxmlformats.org/drawingml/2006/main" xmlns:r="http://schemas.openxmlformats.org/officeDocument/2006/relationships" xmlns:p="http://schemas.openxmlformats.org/presentationml/2006/main">
+  <p:cSld>
+    <p:spTree>
+      <p:nvGrpSpPr>
+        <p:cNvPr id="1" name=""/>
+        <p:cNvGrpSpPr/>
+        <p:nvPr/>
+      </p:nvGrpSpPr>
+      <p:grpSpPr>
+        <a:xfrm>
+          <a:off x="0" y="0"/>
+          <a:ext cx="0" cy="0"/>
+          <a:chOff x="0" y="0"/>
+          <a:chExt cx="0" cy="0"/>
+        </a:xfrm>
+      </p:grpSpPr>
+      <p:sp>
+        <p:nvSpPr>
+          <p:cNvPr id="2" name="Title 1">
+            <a:extLst>
+              <a:ext uri="{FF2B5EF4-FFF2-40B4-BE49-F238E27FC236}">
+                <a16:creationId xmlns:a16="http://schemas.microsoft.com/office/drawing/2014/main" id="{F099A2F7-6F71-2D47-BB22-E5C2F3479DD4}"/>
+              </a:ext>
+            </a:extLst>
+          </p:cNvPr>
+          <p:cNvSpPr>
+            <a:spLocks noGrp="1"/>
+          </p:cNvSpPr>
+          <p:nvPr>
+            <p:ph type="title"/>
+          </p:nvPr>
+        </p:nvSpPr>
+        <p:spPr/>
+        <p:txBody>
+          <a:bodyPr>
+            <a:normAutofit fontScale="90000"/>
+          </a:bodyPr>
+          <a:lstStyle/>
+          <a:p>
+            <a:r>
+              <a:rPr lang="en-US" dirty="0"/>
+              <a:t>Predicting gain using basic classification models</a:t>
+            </a:r>
+            <a:br>
+              <a:rPr lang="en-US" dirty="0"/>
+            </a:br>
+            <a:endParaRPr lang="en-US" dirty="0"/>
+          </a:p>
+        </p:txBody>
+      </p:sp>
+      <p:sp>
+        <p:nvSpPr>
+          <p:cNvPr id="3" name="Content Placeholder 2">
+            <a:extLst>
+              <a:ext uri="{FF2B5EF4-FFF2-40B4-BE49-F238E27FC236}">
+                <a16:creationId xmlns:a16="http://schemas.microsoft.com/office/drawing/2014/main" id="{957D1C6E-716C-C642-9C05-D1FF96969A36}"/>
+              </a:ext>
+            </a:extLst>
+          </p:cNvPr>
+          <p:cNvSpPr>
+            <a:spLocks noGrp="1"/>
+          </p:cNvSpPr>
+          <p:nvPr>
+            <p:ph idx="1"/>
+          </p:nvPr>
+        </p:nvSpPr>
+        <p:spPr/>
+        <p:txBody>
+          <a:bodyPr>
+            <a:normAutofit/>
+          </a:bodyPr>
+          <a:lstStyle/>
+          <a:p>
+            <a:r>
+              <a:rPr lang="en-US" sz="1800" dirty="0"/>
+              <a:t> Predicting gain at closing for single day records:</a:t>
+            </a:r>
+          </a:p>
+          <a:p>
+            <a:pPr marL="342900" indent="-342900">
+              <a:buFont typeface="Arial" panose="020B0604020202020204" pitchFamily="34" charset="0"/>
+              <a:buChar char="•"/>
+            </a:pPr>
+            <a:r>
+              <a:rPr lang="en-US" sz="1800" i="1" dirty="0"/>
+              <a:t>Based on the following features</a:t>
+            </a:r>
+            <a:r>
+              <a:rPr lang="en-US" sz="1800" dirty="0"/>
+              <a:t>:</a:t>
+            </a:r>
+          </a:p>
+          <a:p>
+            <a:pPr marL="514350" indent="-514350">
+              <a:buFont typeface="+mj-lt"/>
+              <a:buAutoNum type="romanLcPeriod"/>
+            </a:pPr>
+            <a:r>
+              <a:rPr lang="en-US" sz="1800" dirty="0"/>
+              <a:t>Open price</a:t>
+            </a:r>
+          </a:p>
+          <a:p>
+            <a:pPr marL="514350" indent="-514350">
+              <a:buFont typeface="+mj-lt"/>
+              <a:buAutoNum type="romanLcPeriod"/>
+            </a:pPr>
+            <a:r>
+              <a:rPr lang="en-US" sz="1800" dirty="0"/>
+              <a:t>Highest price of the day</a:t>
+            </a:r>
+          </a:p>
+          <a:p>
+            <a:pPr marL="514350" indent="-514350">
+              <a:buFont typeface="+mj-lt"/>
+              <a:buAutoNum type="romanLcPeriod"/>
+            </a:pPr>
+            <a:r>
+              <a:rPr lang="en-US" sz="1800" dirty="0"/>
+              <a:t>Lowest price of the day</a:t>
+            </a:r>
+          </a:p>
+          <a:p>
+            <a:endParaRPr lang="en-US" sz="1800" dirty="0"/>
+          </a:p>
+        </p:txBody>
+      </p:sp>
+      <p:sp>
+        <p:nvSpPr>
+          <p:cNvPr id="4" name="TextBox 3">
+            <a:extLst>
+              <a:ext uri="{FF2B5EF4-FFF2-40B4-BE49-F238E27FC236}">
+                <a16:creationId xmlns:a16="http://schemas.microsoft.com/office/drawing/2014/main" id="{1647EE86-DDE2-3743-B96C-15A27969AE79}"/>
+              </a:ext>
+            </a:extLst>
+          </p:cNvPr>
+          <p:cNvSpPr txBox="1"/>
+          <p:nvPr/>
+        </p:nvSpPr>
+        <p:spPr>
+          <a:xfrm>
+            <a:off x="5879939" y="3096078"/>
+            <a:ext cx="4502952" cy="1231106"/>
+          </a:xfrm>
+          <a:prstGeom prst="rect">
+            <a:avLst/>
+          </a:prstGeom>
+          <a:noFill/>
+        </p:spPr>
+        <p:txBody>
+          <a:bodyPr wrap="square" rtlCol="0">
+            <a:spAutoFit/>
+          </a:bodyPr>
+          <a:lstStyle/>
+          <a:p>
+            <a:pPr marL="514350" indent="-514350">
+              <a:buFont typeface="Arial" panose="020B0604020202020204" pitchFamily="34" charset="0"/>
+              <a:buChar char="•"/>
+            </a:pPr>
+            <a:r>
+              <a:rPr lang="en-US" i="1" dirty="0"/>
+              <a:t>Prediction accuracies</a:t>
+            </a:r>
+            <a:r>
+              <a:rPr lang="en-US" dirty="0"/>
+              <a:t>:</a:t>
+            </a:r>
+          </a:p>
+          <a:p>
+            <a:pPr marL="514350" indent="-514350">
+              <a:buFont typeface="+mj-lt"/>
+              <a:buAutoNum type="romanLcPeriod"/>
+            </a:pPr>
+            <a:r>
+              <a:rPr lang="en-US" dirty="0"/>
+              <a:t>Logistic Regression : 87%</a:t>
+            </a:r>
+          </a:p>
+          <a:p>
+            <a:pPr marL="514350" indent="-514350">
+              <a:buFont typeface="+mj-lt"/>
+              <a:buAutoNum type="romanLcPeriod"/>
+            </a:pPr>
+            <a:r>
+              <a:rPr lang="en-US" dirty="0" err="1"/>
+              <a:t>KNeighbours</a:t>
+            </a:r>
+            <a:r>
+              <a:rPr lang="en-US" dirty="0"/>
+              <a:t> classifier : 71%</a:t>
+            </a:r>
+          </a:p>
+          <a:p>
+            <a:endParaRPr lang="en-US" dirty="0"/>
+          </a:p>
+        </p:txBody>
+      </p:sp>
+    </p:spTree>
+    <p:extLst>
+      <p:ext uri="{BB962C8B-B14F-4D97-AF65-F5344CB8AC3E}">
+        <p14:creationId xmlns:p14="http://schemas.microsoft.com/office/powerpoint/2010/main" val="1569750426"/>
+      </p:ext>
+    </p:extLst>
+  </p:cSld>
+  <p:clrMapOvr>
+    <a:masterClrMapping/>
+  </p:clrMapOvr>
+</p:sld>
+</file>
+
+<file path=ppt/slides/slide7.xml><?xml version="1.0" encoding="utf-8"?>
+<p:sld xmlns:a="http://schemas.openxmlformats.org/drawingml/2006/main" xmlns:r="http://schemas.openxmlformats.org/officeDocument/2006/relationships" xmlns:p="http://schemas.openxmlformats.org/presentationml/2006/main">
+  <p:cSld>
+    <p:bg>
+      <p:bgPr>
+        <a:solidFill>
+          <a:schemeClr val="bg2"/>
+        </a:solidFill>
+        <a:effectLst/>
+      </p:bgPr>
+    </p:bg>
+    <p:spTree>
+      <p:nvGrpSpPr>
+        <p:cNvPr id="1" name=""/>
+        <p:cNvGrpSpPr/>
+        <p:nvPr/>
+      </p:nvGrpSpPr>
+      <p:grpSpPr>
+        <a:xfrm>
+          <a:off x="0" y="0"/>
+          <a:ext cx="0" cy="0"/>
+          <a:chOff x="0" y="0"/>
+          <a:chExt cx="0" cy="0"/>
+        </a:xfrm>
+      </p:grpSpPr>
+      <p:sp>
+        <p:nvSpPr>
+          <p:cNvPr id="76" name="Freeform: Shape 75">
+            <a:extLst>
+              <a:ext uri="{FF2B5EF4-FFF2-40B4-BE49-F238E27FC236}">
+                <a16:creationId xmlns:a16="http://schemas.microsoft.com/office/drawing/2014/main" id="{435959F4-53DA-47FF-BC24-1E5B75C69876}"/>
+              </a:ext>
+              <a:ext uri="{C183D7F6-B498-43B3-948B-1728B52AA6E4}">
+                <adec:decorative xmlns:adec="http://schemas.microsoft.com/office/drawing/2017/decorative" val="1"/>
+              </a:ext>
+            </a:extLst>
+          </p:cNvPr>
+          <p:cNvSpPr>
+            <a:spLocks noGrp="1" noRot="1" noChangeAspect="1" noMove="1" noResize="1" noEditPoints="1" noAdjustHandles="1" noChangeArrowheads="1" noChangeShapeType="1" noTextEdit="1"/>
+          </p:cNvSpPr>
+          <p:nvPr>
+            <p:extLst>
+              <p:ext uri="{386F3935-93C4-4BCD-93E2-E3B085C9AB24}">
+                <p16:designElem xmlns:p16="http://schemas.microsoft.com/office/powerpoint/2015/main" val="1"/>
+              </p:ext>
+            </p:extLst>
+          </p:nvPr>
+        </p:nvSpPr>
+        <p:spPr>
+          <a:xfrm>
+            <a:off x="9753030" y="5516668"/>
+            <a:ext cx="2438970" cy="1341332"/>
+          </a:xfrm>
+          <a:custGeom>
+            <a:avLst/>
+            <a:gdLst>
+              <a:gd name="connsiteX0" fmla="*/ 2025355 w 2438970"/>
+              <a:gd name="connsiteY0" fmla="*/ 235 h 1341332"/>
+              <a:gd name="connsiteX1" fmla="*/ 2381960 w 2438970"/>
+              <a:gd name="connsiteY1" fmla="*/ 44517 h 1341332"/>
+              <a:gd name="connsiteX2" fmla="*/ 2438970 w 2438970"/>
+              <a:gd name="connsiteY2" fmla="*/ 58872 h 1341332"/>
+              <a:gd name="connsiteX3" fmla="*/ 2438970 w 2438970"/>
+              <a:gd name="connsiteY3" fmla="*/ 1341332 h 1341332"/>
+              <a:gd name="connsiteX4" fmla="*/ 0 w 2438970"/>
+              <a:gd name="connsiteY4" fmla="*/ 1341332 h 1341332"/>
+              <a:gd name="connsiteX5" fmla="*/ 13333 w 2438970"/>
+              <a:gd name="connsiteY5" fmla="*/ 1328018 h 1341332"/>
+              <a:gd name="connsiteX6" fmla="*/ 936262 w 2438970"/>
+              <a:gd name="connsiteY6" fmla="*/ 459947 h 1341332"/>
+              <a:gd name="connsiteX7" fmla="*/ 1554028 w 2438970"/>
+              <a:gd name="connsiteY7" fmla="*/ 71153 h 1341332"/>
+              <a:gd name="connsiteX8" fmla="*/ 2025355 w 2438970"/>
+              <a:gd name="connsiteY8" fmla="*/ 235 h 1341332"/>
+            </a:gdLst>
+            <a:ahLst/>
+            <a:cxnLst>
+              <a:cxn ang="0">
+                <a:pos x="connsiteX0" y="connsiteY0"/>
+              </a:cxn>
+              <a:cxn ang="0">
+                <a:pos x="connsiteX1" y="connsiteY1"/>
+              </a:cxn>
+              <a:cxn ang="0">
+                <a:pos x="connsiteX2" y="connsiteY2"/>
+              </a:cxn>
+              <a:cxn ang="0">
+                <a:pos x="connsiteX3" y="connsiteY3"/>
+              </a:cxn>
+              <a:cxn ang="0">
+                <a:pos x="connsiteX4" y="connsiteY4"/>
+              </a:cxn>
+              <a:cxn ang="0">
+                <a:pos x="connsiteX5" y="connsiteY5"/>
+              </a:cxn>
+              <a:cxn ang="0">
+                <a:pos x="connsiteX6" y="connsiteY6"/>
+              </a:cxn>
+              <a:cxn ang="0">
+                <a:pos x="connsiteX7" y="connsiteY7"/>
+              </a:cxn>
+              <a:cxn ang="0">
+                <a:pos x="connsiteX8" y="connsiteY8"/>
+              </a:cxn>
+            </a:cxnLst>
+            <a:rect l="l" t="t" r="r" b="b"/>
+            <a:pathLst>
+              <a:path w="2438970" h="1341332">
+                <a:moveTo>
+                  <a:pt x="2025355" y="235"/>
+                </a:moveTo>
+                <a:cubicBezTo>
+                  <a:pt x="2143847" y="2306"/>
+                  <a:pt x="2262766" y="17993"/>
+                  <a:pt x="2381960" y="44517"/>
+                </a:cubicBezTo>
+                <a:lnTo>
+                  <a:pt x="2438970" y="58872"/>
+                </a:lnTo>
+                <a:lnTo>
+                  <a:pt x="2438970" y="1341332"/>
+                </a:lnTo>
+                <a:lnTo>
+                  <a:pt x="0" y="1341332"/>
+                </a:lnTo>
+                <a:lnTo>
+                  <a:pt x="13333" y="1328018"/>
+                </a:lnTo>
+                <a:cubicBezTo>
+                  <a:pt x="324723" y="1028950"/>
+                  <a:pt x="645390" y="738459"/>
+                  <a:pt x="936262" y="459947"/>
+                </a:cubicBezTo>
+                <a:cubicBezTo>
+                  <a:pt x="1139660" y="265152"/>
+                  <a:pt x="1345794" y="140817"/>
+                  <a:pt x="1554028" y="71153"/>
+                </a:cubicBezTo>
+                <a:cubicBezTo>
+                  <a:pt x="1710136" y="18918"/>
+                  <a:pt x="1867365" y="-2526"/>
+                  <a:pt x="2025355" y="235"/>
+                </a:cubicBezTo>
+                <a:close/>
+              </a:path>
+            </a:pathLst>
+          </a:custGeom>
+          <a:solidFill>
+            <a:schemeClr val="accent2">
+              <a:lumMod val="60000"/>
+              <a:lumOff val="40000"/>
+              <a:alpha val="50000"/>
+            </a:schemeClr>
+          </a:solidFill>
+          <a:ln>
+            <a:noFill/>
+          </a:ln>
+        </p:spPr>
+        <p:style>
+          <a:lnRef idx="2">
+            <a:schemeClr val="accent1">
+              <a:shade val="50000"/>
+            </a:schemeClr>
+          </a:lnRef>
+          <a:fillRef idx="1">
+            <a:schemeClr val="accent1"/>
+          </a:fillRef>
+          <a:effectRef idx="0">
+            <a:schemeClr val="accent1"/>
+          </a:effectRef>
+          <a:fontRef idx="minor">
+            <a:schemeClr val="lt1"/>
+          </a:fontRef>
+        </p:style>
+        <p:txBody>
+          <a:bodyPr wrap="square" rtlCol="0" anchor="ctr">
+            <a:noAutofit/>
+          </a:bodyPr>
+          <a:lstStyle/>
+          <a:p>
+            <a:pPr algn="ctr"/>
+            <a:endParaRPr lang="en-US" dirty="0"/>
+          </a:p>
+        </p:txBody>
+      </p:sp>
+      <p:grpSp>
+        <p:nvGrpSpPr>
+          <p:cNvPr id="78" name="Group 77">
+            <a:extLst>
+              <a:ext uri="{FF2B5EF4-FFF2-40B4-BE49-F238E27FC236}">
+                <a16:creationId xmlns:a16="http://schemas.microsoft.com/office/drawing/2014/main" id="{A7CF83E8-F6F0-41E3-B580-7412A04DDFB5}"/>
+              </a:ext>
+              <a:ext uri="{C183D7F6-B498-43B3-948B-1728B52AA6E4}">
+                <adec:decorative xmlns:adec="http://schemas.microsoft.com/office/drawing/2017/decorative" val="1"/>
+              </a:ext>
+            </a:extLst>
+          </p:cNvPr>
+          <p:cNvGrpSpPr>
+            <a:grpSpLocks noGrp="1" noUngrp="1" noRot="1" noChangeAspect="1" noMove="1" noResize="1"/>
+          </p:cNvGrpSpPr>
+          <p:nvPr>
+            <p:extLst>
+              <p:ext uri="{386F3935-93C4-4BCD-93E2-E3B085C9AB24}">
+                <p16:designElem xmlns:p16="http://schemas.microsoft.com/office/powerpoint/2015/main" val="1"/>
+              </p:ext>
+            </p:extLst>
+          </p:nvPr>
+        </p:nvGrpSpPr>
+        <p:grpSpPr>
+          <a:xfrm>
+            <a:off x="10776050" y="5204025"/>
+            <a:ext cx="886141" cy="802496"/>
+            <a:chOff x="10948005" y="3272152"/>
+            <a:chExt cx="868640" cy="786648"/>
+          </a:xfrm>
+          <a:solidFill>
+            <a:schemeClr val="accent1"/>
+          </a:solidFill>
+        </p:grpSpPr>
+        <p:sp>
+          <p:nvSpPr>
+            <p:cNvPr id="79" name="Freeform: Shape 78">
+              <a:extLst>
+                <a:ext uri="{FF2B5EF4-FFF2-40B4-BE49-F238E27FC236}">
+                  <a16:creationId xmlns:a16="http://schemas.microsoft.com/office/drawing/2014/main" id="{1A0B6DBB-705D-48D0-842C-F9DFA7684D19}"/>
+                </a:ext>
+                <a:ext uri="{C183D7F6-B498-43B3-948B-1728B52AA6E4}">
+                  <adec:decorative xmlns:adec="http://schemas.microsoft.com/office/drawing/2017/decorative" val="1"/>
+                </a:ext>
+              </a:extLst>
+            </p:cNvPr>
+            <p:cNvSpPr/>
+            <p:nvPr>
+              <p:extLst>
+                <p:ext uri="{386F3935-93C4-4BCD-93E2-E3B085C9AB24}">
+                  <p16:designElem xmlns:p16="http://schemas.microsoft.com/office/powerpoint/2015/main" val="1"/>
+                </p:ext>
+              </p:extLst>
+            </p:nvPr>
+          </p:nvSpPr>
+          <p:spPr>
+            <a:xfrm>
+              <a:off x="11194317" y="3944888"/>
+              <a:ext cx="128449" cy="113912"/>
+            </a:xfrm>
+            <a:custGeom>
+              <a:avLst/>
+              <a:gdLst>
+                <a:gd name="connsiteX0" fmla="*/ 237621 w 453152"/>
+                <a:gd name="connsiteY0" fmla="*/ 965 h 401867"/>
+                <a:gd name="connsiteX1" fmla="*/ 370246 w 453152"/>
+                <a:gd name="connsiteY1" fmla="*/ 23666 h 401867"/>
+                <a:gd name="connsiteX2" fmla="*/ 437392 w 453152"/>
+                <a:gd name="connsiteY2" fmla="*/ 198545 h 401867"/>
+                <a:gd name="connsiteX3" fmla="*/ 67745 w 453152"/>
+                <a:gd name="connsiteY3" fmla="*/ 392003 h 401867"/>
+                <a:gd name="connsiteX4" fmla="*/ 911 w 453152"/>
+                <a:gd name="connsiteY4" fmla="*/ 254095 h 401867"/>
+                <a:gd name="connsiteX5" fmla="*/ 115564 w 453152"/>
+                <a:gd name="connsiteY5" fmla="*/ 51160 h 401867"/>
+                <a:gd name="connsiteX6" fmla="*/ 237621 w 453152"/>
+                <a:gd name="connsiteY6" fmla="*/ 965 h 401867"/>
+              </a:gdLst>
+              <a:ahLst/>
+              <a:cxnLst>
+                <a:cxn ang="0">
+                  <a:pos x="connsiteX0" y="connsiteY0"/>
+                </a:cxn>
+                <a:cxn ang="0">
+                  <a:pos x="connsiteX1" y="connsiteY1"/>
+                </a:cxn>
+                <a:cxn ang="0">
+                  <a:pos x="connsiteX2" y="connsiteY2"/>
+                </a:cxn>
+                <a:cxn ang="0">
+                  <a:pos x="connsiteX3" y="connsiteY3"/>
+                </a:cxn>
+                <a:cxn ang="0">
+                  <a:pos x="connsiteX4" y="connsiteY4"/>
+                </a:cxn>
+                <a:cxn ang="0">
+                  <a:pos x="connsiteX5" y="connsiteY5"/>
+                </a:cxn>
+                <a:cxn ang="0">
+                  <a:pos x="connsiteX6" y="connsiteY6"/>
+                </a:cxn>
+              </a:cxnLst>
+              <a:rect l="l" t="t" r="r" b="b"/>
+              <a:pathLst>
+                <a:path w="453152" h="401867">
+                  <a:moveTo>
+                    <a:pt x="237621" y="965"/>
+                  </a:moveTo>
+                  <a:cubicBezTo>
+                    <a:pt x="283632" y="-2971"/>
+                    <a:pt x="331405" y="5243"/>
+                    <a:pt x="370246" y="23666"/>
+                  </a:cubicBezTo>
+                  <a:cubicBezTo>
+                    <a:pt x="436830" y="55275"/>
+                    <a:pt x="477168" y="116810"/>
+                    <a:pt x="437392" y="198545"/>
+                  </a:cubicBezTo>
+                  <a:cubicBezTo>
+                    <a:pt x="391568" y="292624"/>
+                    <a:pt x="176850" y="441630"/>
+                    <a:pt x="67745" y="392003"/>
+                  </a:cubicBezTo>
+                  <a:cubicBezTo>
+                    <a:pt x="18056" y="369372"/>
+                    <a:pt x="-5012" y="308398"/>
+                    <a:pt x="911" y="254095"/>
+                  </a:cubicBezTo>
+                  <a:cubicBezTo>
+                    <a:pt x="9203" y="178033"/>
+                    <a:pt x="61012" y="103094"/>
+                    <a:pt x="115564" y="51160"/>
+                  </a:cubicBezTo>
+                  <a:cubicBezTo>
+                    <a:pt x="147361" y="20985"/>
+                    <a:pt x="191610" y="4900"/>
+                    <a:pt x="237621" y="965"/>
+                  </a:cubicBezTo>
+                  <a:close/>
+                </a:path>
+              </a:pathLst>
+            </a:custGeom>
+            <a:grpFill/>
+            <a:ln>
+              <a:noFill/>
+            </a:ln>
+          </p:spPr>
+          <p:style>
+            <a:lnRef idx="2">
+              <a:schemeClr val="accent1">
+                <a:shade val="50000"/>
+              </a:schemeClr>
+            </a:lnRef>
+            <a:fillRef idx="1">
+              <a:schemeClr val="accent1"/>
+            </a:fillRef>
+            <a:effectRef idx="0">
+              <a:schemeClr val="accent1"/>
+            </a:effectRef>
+            <a:fontRef idx="minor">
+              <a:schemeClr val="lt1"/>
+            </a:fontRef>
+          </p:style>
+          <p:txBody>
+            <a:bodyPr rtlCol="0" anchor="ctr"/>
+            <a:lstStyle/>
+            <a:p>
+              <a:pPr marL="0" marR="0" lvl="0" indent="0" algn="ctr" defTabSz="914400" rtl="0" eaLnBrk="1" fontAlgn="auto" latinLnBrk="0" hangingPunct="1">
+                <a:lnSpc>
+                  <a:spcPct val="100000"/>
+                </a:lnSpc>
+                <a:spcBef>
+                  <a:spcPts val="0"/>
+                </a:spcBef>
+                <a:spcAft>
+                  <a:spcPts val="0"/>
+                </a:spcAft>
+                <a:buClrTx/>
+                <a:buSzTx/>
+                <a:buFontTx/>
+                <a:buNone/>
+                <a:tabLst/>
+                <a:defRPr/>
+              </a:pPr>
+              <a:endParaRPr kumimoji="0" lang="en-US" sz="1800" b="0" i="0" u="none" strike="noStrike" kern="1200" cap="none" spc="0" normalizeH="0" baseline="0" noProof="0">
+                <a:ln>
+                  <a:noFill/>
+                </a:ln>
+                <a:solidFill>
+                  <a:prstClr val="white"/>
+                </a:solidFill>
+                <a:effectLst/>
+                <a:uLnTx/>
+                <a:uFillTx/>
+                <a:latin typeface="Avenir Next LT Pro Light"/>
+                <a:ea typeface="+mn-ea"/>
+                <a:cs typeface="+mn-cs"/>
+              </a:endParaRPr>
+            </a:p>
+          </p:txBody>
+        </p:sp>
+        <p:sp>
+          <p:nvSpPr>
+            <p:cNvPr id="80" name="Freeform: Shape 79">
+              <a:extLst>
+                <a:ext uri="{FF2B5EF4-FFF2-40B4-BE49-F238E27FC236}">
+                  <a16:creationId xmlns:a16="http://schemas.microsoft.com/office/drawing/2014/main" id="{C194A764-16E1-4D0D-9357-76F80E6086C0}"/>
+                </a:ext>
+                <a:ext uri="{C183D7F6-B498-43B3-948B-1728B52AA6E4}">
+                  <adec:decorative xmlns:adec="http://schemas.microsoft.com/office/drawing/2017/decorative" val="1"/>
+                </a:ext>
+              </a:extLst>
+            </p:cNvPr>
+            <p:cNvSpPr/>
+            <p:nvPr>
+              <p:extLst>
+                <p:ext uri="{386F3935-93C4-4BCD-93E2-E3B085C9AB24}">
+                  <p16:designElem xmlns:p16="http://schemas.microsoft.com/office/powerpoint/2015/main" val="1"/>
+                </p:ext>
+              </p:extLst>
+            </p:nvPr>
+          </p:nvSpPr>
+          <p:spPr>
+            <a:xfrm>
+              <a:off x="10953045" y="3808430"/>
+              <a:ext cx="144912" cy="193414"/>
+            </a:xfrm>
+            <a:custGeom>
+              <a:avLst/>
+              <a:gdLst>
+                <a:gd name="connsiteX0" fmla="*/ 390625 w 511232"/>
+                <a:gd name="connsiteY0" fmla="*/ 1621 h 682341"/>
+                <a:gd name="connsiteX1" fmla="*/ 508142 w 511232"/>
+                <a:gd name="connsiteY1" fmla="*/ 64038 h 682341"/>
+                <a:gd name="connsiteX2" fmla="*/ 508453 w 511232"/>
+                <a:gd name="connsiteY2" fmla="*/ 121832 h 682341"/>
+                <a:gd name="connsiteX3" fmla="*/ 316492 w 511232"/>
+                <a:gd name="connsiteY3" fmla="*/ 567602 h 682341"/>
+                <a:gd name="connsiteX4" fmla="*/ 80265 w 511232"/>
+                <a:gd name="connsiteY4" fmla="*/ 640359 h 682341"/>
+                <a:gd name="connsiteX5" fmla="*/ 13306 w 511232"/>
+                <a:gd name="connsiteY5" fmla="*/ 274828 h 682341"/>
+                <a:gd name="connsiteX6" fmla="*/ 140989 w 511232"/>
+                <a:gd name="connsiteY6" fmla="*/ 107181 h 682341"/>
+                <a:gd name="connsiteX7" fmla="*/ 390625 w 511232"/>
+                <a:gd name="connsiteY7" fmla="*/ 1621 h 682341"/>
+              </a:gdLst>
+              <a:ahLst/>
+              <a:cxnLst>
+                <a:cxn ang="0">
+                  <a:pos x="connsiteX0" y="connsiteY0"/>
+                </a:cxn>
+                <a:cxn ang="0">
+                  <a:pos x="connsiteX1" y="connsiteY1"/>
+                </a:cxn>
+                <a:cxn ang="0">
+                  <a:pos x="connsiteX2" y="connsiteY2"/>
+                </a:cxn>
+                <a:cxn ang="0">
+                  <a:pos x="connsiteX3" y="connsiteY3"/>
+                </a:cxn>
+                <a:cxn ang="0">
+                  <a:pos x="connsiteX4" y="connsiteY4"/>
+                </a:cxn>
+                <a:cxn ang="0">
+                  <a:pos x="connsiteX5" y="connsiteY5"/>
+                </a:cxn>
+                <a:cxn ang="0">
+                  <a:pos x="connsiteX6" y="connsiteY6"/>
+                </a:cxn>
+                <a:cxn ang="0">
+                  <a:pos x="connsiteX7" y="connsiteY7"/>
+                </a:cxn>
+              </a:cxnLst>
+              <a:rect l="l" t="t" r="r" b="b"/>
+              <a:pathLst>
+                <a:path w="511232" h="682341">
+                  <a:moveTo>
+                    <a:pt x="390625" y="1621"/>
+                  </a:moveTo>
+                  <a:cubicBezTo>
+                    <a:pt x="446543" y="-5212"/>
+                    <a:pt x="493343" y="8441"/>
+                    <a:pt x="508142" y="64038"/>
+                  </a:cubicBezTo>
+                  <a:cubicBezTo>
+                    <a:pt x="513192" y="82866"/>
+                    <a:pt x="511134" y="102754"/>
+                    <a:pt x="508453" y="121832"/>
+                  </a:cubicBezTo>
+                  <a:cubicBezTo>
+                    <a:pt x="485324" y="287796"/>
+                    <a:pt x="417242" y="443971"/>
+                    <a:pt x="316492" y="567602"/>
+                  </a:cubicBezTo>
+                  <a:cubicBezTo>
+                    <a:pt x="253024" y="645534"/>
+                    <a:pt x="165055" y="737743"/>
+                    <a:pt x="80265" y="640359"/>
+                  </a:cubicBezTo>
+                  <a:cubicBezTo>
+                    <a:pt x="5014" y="553948"/>
+                    <a:pt x="-17368" y="383621"/>
+                    <a:pt x="13306" y="274828"/>
+                  </a:cubicBezTo>
+                  <a:cubicBezTo>
+                    <a:pt x="33443" y="203318"/>
+                    <a:pt x="83382" y="146521"/>
+                    <a:pt x="140989" y="107181"/>
+                  </a:cubicBezTo>
+                  <a:cubicBezTo>
+                    <a:pt x="178904" y="81308"/>
+                    <a:pt x="297428" y="13010"/>
+                    <a:pt x="390625" y="1621"/>
+                  </a:cubicBezTo>
+                  <a:close/>
+                </a:path>
+              </a:pathLst>
+            </a:custGeom>
+            <a:grpFill/>
+            <a:ln>
+              <a:noFill/>
+            </a:ln>
+          </p:spPr>
+          <p:style>
+            <a:lnRef idx="2">
+              <a:schemeClr val="accent1">
+                <a:shade val="50000"/>
+              </a:schemeClr>
+            </a:lnRef>
+            <a:fillRef idx="1">
+              <a:schemeClr val="accent1"/>
+            </a:fillRef>
+            <a:effectRef idx="0">
+              <a:schemeClr val="accent1"/>
+            </a:effectRef>
+            <a:fontRef idx="minor">
+              <a:schemeClr val="lt1"/>
+            </a:fontRef>
+          </p:style>
+          <p:txBody>
+            <a:bodyPr rtlCol="0" anchor="ctr"/>
+            <a:lstStyle/>
+            <a:p>
+              <a:pPr marL="0" marR="0" lvl="0" indent="0" algn="ctr" defTabSz="914400" rtl="0" eaLnBrk="1" fontAlgn="auto" latinLnBrk="0" hangingPunct="1">
+                <a:lnSpc>
+                  <a:spcPct val="100000"/>
+                </a:lnSpc>
+                <a:spcBef>
+                  <a:spcPts val="0"/>
+                </a:spcBef>
+                <a:spcAft>
+                  <a:spcPts val="0"/>
+                </a:spcAft>
+                <a:buClrTx/>
+                <a:buSzTx/>
+                <a:buFontTx/>
+                <a:buNone/>
+                <a:tabLst/>
+                <a:defRPr/>
+              </a:pPr>
+              <a:endParaRPr kumimoji="0" lang="en-US" sz="1800" b="0" i="0" u="none" strike="noStrike" kern="1200" cap="none" spc="0" normalizeH="0" baseline="0" noProof="0">
+                <a:ln>
+                  <a:noFill/>
+                </a:ln>
+                <a:solidFill>
+                  <a:prstClr val="white"/>
+                </a:solidFill>
+                <a:effectLst/>
+                <a:uLnTx/>
+                <a:uFillTx/>
+                <a:latin typeface="Avenir Next LT Pro Light"/>
+                <a:ea typeface="+mn-ea"/>
+                <a:cs typeface="+mn-cs"/>
+              </a:endParaRPr>
+            </a:p>
+          </p:txBody>
+        </p:sp>
+        <p:sp>
+          <p:nvSpPr>
+            <p:cNvPr id="81" name="Freeform: Shape 80">
+              <a:extLst>
+                <a:ext uri="{FF2B5EF4-FFF2-40B4-BE49-F238E27FC236}">
+                  <a16:creationId xmlns:a16="http://schemas.microsoft.com/office/drawing/2014/main" id="{115B7F3F-A40D-4F24-8536-E2420B433211}"/>
+                </a:ext>
+                <a:ext uri="{C183D7F6-B498-43B3-948B-1728B52AA6E4}">
+                  <adec:decorative xmlns:adec="http://schemas.microsoft.com/office/drawing/2017/decorative" val="1"/>
+                </a:ext>
+              </a:extLst>
+            </p:cNvPr>
+            <p:cNvSpPr/>
+            <p:nvPr>
+              <p:extLst>
+                <p:ext uri="{386F3935-93C4-4BCD-93E2-E3B085C9AB24}">
+                  <p16:designElem xmlns:p16="http://schemas.microsoft.com/office/powerpoint/2015/main" val="1"/>
+                </p:ext>
+              </p:extLst>
+            </p:nvPr>
+          </p:nvSpPr>
+          <p:spPr>
+            <a:xfrm>
+              <a:off x="11684524" y="3907536"/>
+              <a:ext cx="132121" cy="93006"/>
+            </a:xfrm>
+            <a:custGeom>
+              <a:avLst/>
+              <a:gdLst>
+                <a:gd name="connsiteX0" fmla="*/ 252822 w 466107"/>
+                <a:gd name="connsiteY0" fmla="*/ 1539 h 328114"/>
+                <a:gd name="connsiteX1" fmla="*/ 451641 w 466107"/>
+                <a:gd name="connsiteY1" fmla="*/ 122177 h 328114"/>
+                <a:gd name="connsiteX2" fmla="*/ 391790 w 466107"/>
+                <a:gd name="connsiteY2" fmla="*/ 297430 h 328114"/>
+                <a:gd name="connsiteX3" fmla="*/ 8614 w 466107"/>
+                <a:gd name="connsiteY3" fmla="*/ 243252 h 328114"/>
+                <a:gd name="connsiteX4" fmla="*/ 45897 w 466107"/>
+                <a:gd name="connsiteY4" fmla="*/ 97302 h 328114"/>
+                <a:gd name="connsiteX5" fmla="*/ 252822 w 466107"/>
+                <a:gd name="connsiteY5" fmla="*/ 1539 h 328114"/>
+              </a:gdLst>
+              <a:ahLst/>
+              <a:cxnLst>
+                <a:cxn ang="0">
+                  <a:pos x="connsiteX0" y="connsiteY0"/>
+                </a:cxn>
+                <a:cxn ang="0">
+                  <a:pos x="connsiteX1" y="connsiteY1"/>
+                </a:cxn>
+                <a:cxn ang="0">
+                  <a:pos x="connsiteX2" y="connsiteY2"/>
+                </a:cxn>
+                <a:cxn ang="0">
+                  <a:pos x="connsiteX3" y="connsiteY3"/>
+                </a:cxn>
+                <a:cxn ang="0">
+                  <a:pos x="connsiteX4" y="connsiteY4"/>
+                </a:cxn>
+                <a:cxn ang="0">
+                  <a:pos x="connsiteX5" y="connsiteY5"/>
+                </a:cxn>
+              </a:cxnLst>
+              <a:rect l="l" t="t" r="r" b="b"/>
+              <a:pathLst>
+                <a:path w="466107" h="328114">
+                  <a:moveTo>
+                    <a:pt x="252822" y="1539"/>
+                  </a:moveTo>
+                  <a:cubicBezTo>
+                    <a:pt x="335429" y="-10494"/>
+                    <a:pt x="418848" y="49794"/>
+                    <a:pt x="451641" y="122177"/>
+                  </a:cubicBezTo>
+                  <a:cubicBezTo>
+                    <a:pt x="479697" y="184273"/>
+                    <a:pt x="470594" y="255285"/>
+                    <a:pt x="391790" y="297430"/>
+                  </a:cubicBezTo>
+                  <a:cubicBezTo>
+                    <a:pt x="301077" y="345935"/>
+                    <a:pt x="55935" y="343254"/>
+                    <a:pt x="8614" y="243252"/>
+                  </a:cubicBezTo>
+                  <a:cubicBezTo>
+                    <a:pt x="-12895" y="197678"/>
+                    <a:pt x="8240" y="136766"/>
+                    <a:pt x="45897" y="97302"/>
+                  </a:cubicBezTo>
+                  <a:cubicBezTo>
+                    <a:pt x="98704" y="42064"/>
+                    <a:pt x="181872" y="11950"/>
+                    <a:pt x="252822" y="1539"/>
+                  </a:cubicBezTo>
+                  <a:close/>
+                </a:path>
+              </a:pathLst>
+            </a:custGeom>
+            <a:grpFill/>
+            <a:ln>
+              <a:noFill/>
+            </a:ln>
+          </p:spPr>
+          <p:style>
+            <a:lnRef idx="2">
+              <a:schemeClr val="accent1">
+                <a:shade val="50000"/>
+              </a:schemeClr>
+            </a:lnRef>
+            <a:fillRef idx="1">
+              <a:schemeClr val="accent1"/>
+            </a:fillRef>
+            <a:effectRef idx="0">
+              <a:schemeClr val="accent1"/>
+            </a:effectRef>
+            <a:fontRef idx="minor">
+              <a:schemeClr val="lt1"/>
+            </a:fontRef>
+          </p:style>
+          <p:txBody>
+            <a:bodyPr rtlCol="0" anchor="ctr"/>
+            <a:lstStyle/>
+            <a:p>
+              <a:pPr marL="0" marR="0" lvl="0" indent="0" algn="ctr" defTabSz="914400" rtl="0" eaLnBrk="1" fontAlgn="auto" latinLnBrk="0" hangingPunct="1">
+                <a:lnSpc>
+                  <a:spcPct val="100000"/>
+                </a:lnSpc>
+                <a:spcBef>
+                  <a:spcPts val="0"/>
+                </a:spcBef>
+                <a:spcAft>
+                  <a:spcPts val="0"/>
+                </a:spcAft>
+                <a:buClrTx/>
+                <a:buSzTx/>
+                <a:buFontTx/>
+                <a:buNone/>
+                <a:tabLst/>
+                <a:defRPr/>
+              </a:pPr>
+              <a:endParaRPr kumimoji="0" lang="en-US" sz="1800" b="0" i="0" u="none" strike="noStrike" kern="1200" cap="none" spc="0" normalizeH="0" baseline="0" noProof="0">
+                <a:ln>
+                  <a:noFill/>
+                </a:ln>
+                <a:solidFill>
+                  <a:prstClr val="white"/>
+                </a:solidFill>
+                <a:effectLst/>
+                <a:uLnTx/>
+                <a:uFillTx/>
+                <a:latin typeface="Avenir Next LT Pro Light"/>
+                <a:ea typeface="+mn-ea"/>
+                <a:cs typeface="+mn-cs"/>
+              </a:endParaRPr>
+            </a:p>
+          </p:txBody>
+        </p:sp>
+        <p:sp>
+          <p:nvSpPr>
+            <p:cNvPr id="82" name="Graphic 12">
+              <a:extLst>
+                <a:ext uri="{FF2B5EF4-FFF2-40B4-BE49-F238E27FC236}">
+                  <a16:creationId xmlns:a16="http://schemas.microsoft.com/office/drawing/2014/main" id="{CEF42844-A829-4ED2-A360-63BB2A7C45EE}"/>
+                </a:ext>
+                <a:ext uri="{C183D7F6-B498-43B3-948B-1728B52AA6E4}">
+                  <adec:decorative xmlns:adec="http://schemas.microsoft.com/office/drawing/2017/decorative" val="1"/>
+                </a:ext>
+              </a:extLst>
+            </p:cNvPr>
+            <p:cNvSpPr/>
+            <p:nvPr>
+              <p:extLst>
+                <p:ext uri="{386F3935-93C4-4BCD-93E2-E3B085C9AB24}">
+                  <p16:designElem xmlns:p16="http://schemas.microsoft.com/office/powerpoint/2015/main" val="1"/>
+                </p:ext>
+              </p:extLst>
+            </p:nvPr>
+          </p:nvSpPr>
+          <p:spPr>
+            <a:xfrm>
+              <a:off x="11142141" y="3272152"/>
+              <a:ext cx="180625" cy="158824"/>
+            </a:xfrm>
+            <a:custGeom>
+              <a:avLst/>
+              <a:gdLst>
+                <a:gd name="connsiteX0" fmla="*/ 63289 w 3341477"/>
+                <a:gd name="connsiteY0" fmla="*/ 1933384 h 2938167"/>
+                <a:gd name="connsiteX1" fmla="*/ 263314 w 3341477"/>
+                <a:gd name="connsiteY1" fmla="*/ 514159 h 2938167"/>
+                <a:gd name="connsiteX2" fmla="*/ 1098276 w 3341477"/>
+                <a:gd name="connsiteY2" fmla="*/ 952 h 2938167"/>
+                <a:gd name="connsiteX3" fmla="*/ 2654089 w 3341477"/>
+                <a:gd name="connsiteY3" fmla="*/ 371284 h 2938167"/>
+                <a:gd name="connsiteX4" fmla="*/ 3219398 w 3341477"/>
+                <a:gd name="connsiteY4" fmla="*/ 2080926 h 2938167"/>
+                <a:gd name="connsiteX5" fmla="*/ 2044489 w 3341477"/>
+                <a:gd name="connsiteY5" fmla="*/ 2933509 h 2938167"/>
+                <a:gd name="connsiteX6" fmla="*/ 453814 w 3341477"/>
+                <a:gd name="connsiteY6" fmla="*/ 2495359 h 2938167"/>
+                <a:gd name="connsiteX7" fmla="*/ 63289 w 3341477"/>
+                <a:gd name="connsiteY7" fmla="*/ 1933384 h 2938167"/>
+              </a:gdLst>
+              <a:ahLst/>
+              <a:cxnLst>
+                <a:cxn ang="0">
+                  <a:pos x="connsiteX0" y="connsiteY0"/>
+                </a:cxn>
+                <a:cxn ang="0">
+                  <a:pos x="connsiteX1" y="connsiteY1"/>
+                </a:cxn>
+                <a:cxn ang="0">
+                  <a:pos x="connsiteX2" y="connsiteY2"/>
+                </a:cxn>
+                <a:cxn ang="0">
+                  <a:pos x="connsiteX3" y="connsiteY3"/>
+                </a:cxn>
+                <a:cxn ang="0">
+                  <a:pos x="connsiteX4" y="connsiteY4"/>
+                </a:cxn>
+                <a:cxn ang="0">
+                  <a:pos x="connsiteX5" y="connsiteY5"/>
+                </a:cxn>
+                <a:cxn ang="0">
+                  <a:pos x="connsiteX6" y="connsiteY6"/>
+                </a:cxn>
+                <a:cxn ang="0">
+                  <a:pos x="connsiteX7" y="connsiteY7"/>
+                </a:cxn>
+              </a:cxnLst>
+              <a:rect l="l" t="t" r="r" b="b"/>
+              <a:pathLst>
+                <a:path w="3341477" h="2938167">
+                  <a:moveTo>
+                    <a:pt x="63289" y="1933384"/>
+                  </a:moveTo>
+                  <a:cubicBezTo>
+                    <a:pt x="56717" y="1895856"/>
+                    <a:pt x="-165311" y="914209"/>
+                    <a:pt x="263314" y="514159"/>
+                  </a:cubicBezTo>
+                  <a:cubicBezTo>
+                    <a:pt x="691939" y="114109"/>
+                    <a:pt x="609262" y="11620"/>
+                    <a:pt x="1098276" y="952"/>
+                  </a:cubicBezTo>
+                  <a:cubicBezTo>
+                    <a:pt x="1587289" y="-9716"/>
+                    <a:pt x="2320714" y="66484"/>
+                    <a:pt x="2654089" y="371284"/>
+                  </a:cubicBezTo>
+                  <a:cubicBezTo>
+                    <a:pt x="2987464" y="676084"/>
+                    <a:pt x="3603732" y="1514094"/>
+                    <a:pt x="3219398" y="2080926"/>
+                  </a:cubicBezTo>
+                  <a:cubicBezTo>
+                    <a:pt x="2835064" y="2647759"/>
+                    <a:pt x="2558839" y="2895409"/>
+                    <a:pt x="2044489" y="2933509"/>
+                  </a:cubicBezTo>
+                  <a:cubicBezTo>
+                    <a:pt x="1530139" y="2971609"/>
+                    <a:pt x="701464" y="2771584"/>
+                    <a:pt x="453814" y="2495359"/>
+                  </a:cubicBezTo>
+                  <a:cubicBezTo>
+                    <a:pt x="206164" y="2219134"/>
+                    <a:pt x="101389" y="2152459"/>
+                    <a:pt x="63289" y="1933384"/>
+                  </a:cubicBezTo>
+                  <a:close/>
+                </a:path>
+              </a:pathLst>
+            </a:custGeom>
+            <a:grpFill/>
+            <a:ln w="9525" cap="flat">
+              <a:noFill/>
+              <a:prstDash val="solid"/>
+              <a:miter/>
+            </a:ln>
+          </p:spPr>
+          <p:txBody>
+            <a:bodyPr rtlCol="0" anchor="ctr"/>
+            <a:lstStyle/>
+            <a:p>
+              <a:endParaRPr lang="en-US"/>
+            </a:p>
+          </p:txBody>
+        </p:sp>
+        <p:sp>
+          <p:nvSpPr>
+            <p:cNvPr id="83" name="Graphic 15">
+              <a:extLst>
+                <a:ext uri="{FF2B5EF4-FFF2-40B4-BE49-F238E27FC236}">
+                  <a16:creationId xmlns:a16="http://schemas.microsoft.com/office/drawing/2014/main" id="{57B23B52-A1C3-44EF-BC11-9094A0DA11AB}"/>
+                </a:ext>
+                <a:ext uri="{C183D7F6-B498-43B3-948B-1728B52AA6E4}">
+                  <adec:decorative xmlns:adec="http://schemas.microsoft.com/office/drawing/2017/decorative" val="1"/>
+                </a:ext>
+              </a:extLst>
+            </p:cNvPr>
+            <p:cNvSpPr/>
+            <p:nvPr>
+              <p:extLst>
+                <p:ext uri="{386F3935-93C4-4BCD-93E2-E3B085C9AB24}">
+                  <p16:designElem xmlns:p16="http://schemas.microsoft.com/office/powerpoint/2015/main" val="1"/>
+                </p:ext>
+              </p:extLst>
+            </p:nvPr>
+          </p:nvSpPr>
+          <p:spPr>
+            <a:xfrm>
+              <a:off x="11602136" y="3379098"/>
+              <a:ext cx="82388" cy="75292"/>
+            </a:xfrm>
+            <a:custGeom>
+              <a:avLst/>
+              <a:gdLst>
+                <a:gd name="connsiteX0" fmla="*/ 17664 w 5240764"/>
+                <a:gd name="connsiteY0" fmla="*/ 2947947 h 4789394"/>
+                <a:gd name="connsiteX1" fmla="*/ 903489 w 5240764"/>
+                <a:gd name="connsiteY1" fmla="*/ 195222 h 4789394"/>
+                <a:gd name="connsiteX2" fmla="*/ 3560964 w 5240764"/>
+                <a:gd name="connsiteY2" fmla="*/ 357147 h 4789394"/>
+                <a:gd name="connsiteX3" fmla="*/ 5240602 w 5240764"/>
+                <a:gd name="connsiteY3" fmla="*/ 2076409 h 4789394"/>
+                <a:gd name="connsiteX4" fmla="*/ 4568328 w 5240764"/>
+                <a:gd name="connsiteY4" fmla="*/ 3879397 h 4789394"/>
+                <a:gd name="connsiteX5" fmla="*/ 3284739 w 5240764"/>
+                <a:gd name="connsiteY5" fmla="*/ 4605297 h 4789394"/>
+                <a:gd name="connsiteX6" fmla="*/ 1074939 w 5240764"/>
+                <a:gd name="connsiteY6" fmla="*/ 4357647 h 4789394"/>
+                <a:gd name="connsiteX7" fmla="*/ 15187 w 5240764"/>
+                <a:gd name="connsiteY7" fmla="*/ 2830313 h 4789394"/>
+              </a:gdLst>
+              <a:ahLst/>
+              <a:cxnLst>
+                <a:cxn ang="0">
+                  <a:pos x="connsiteX0" y="connsiteY0"/>
+                </a:cxn>
+                <a:cxn ang="0">
+                  <a:pos x="connsiteX1" y="connsiteY1"/>
+                </a:cxn>
+                <a:cxn ang="0">
+                  <a:pos x="connsiteX2" y="connsiteY2"/>
+                </a:cxn>
+                <a:cxn ang="0">
+                  <a:pos x="connsiteX3" y="connsiteY3"/>
+                </a:cxn>
+                <a:cxn ang="0">
+                  <a:pos x="connsiteX4" y="connsiteY4"/>
+                </a:cxn>
+                <a:cxn ang="0">
+                  <a:pos x="connsiteX5" y="connsiteY5"/>
+                </a:cxn>
+                <a:cxn ang="0">
+                  <a:pos x="connsiteX6" y="connsiteY6"/>
+                </a:cxn>
+                <a:cxn ang="0">
+                  <a:pos x="connsiteX7" y="connsiteY7"/>
+                </a:cxn>
+              </a:cxnLst>
+              <a:rect l="l" t="t" r="r" b="b"/>
+              <a:pathLst>
+                <a:path w="5240764" h="4789394">
+                  <a:moveTo>
+                    <a:pt x="17664" y="2947947"/>
+                  </a:moveTo>
+                  <a:cubicBezTo>
+                    <a:pt x="17664" y="2900322"/>
+                    <a:pt x="-201411" y="490497"/>
+                    <a:pt x="903489" y="195222"/>
+                  </a:cubicBezTo>
+                  <a:cubicBezTo>
+                    <a:pt x="2008389" y="-100053"/>
+                    <a:pt x="2598939" y="-71478"/>
+                    <a:pt x="3560964" y="357147"/>
+                  </a:cubicBezTo>
+                  <a:cubicBezTo>
+                    <a:pt x="4522989" y="785772"/>
+                    <a:pt x="5253271" y="1338222"/>
+                    <a:pt x="5240602" y="2076409"/>
+                  </a:cubicBezTo>
+                  <a:cubicBezTo>
+                    <a:pt x="5227934" y="2814597"/>
+                    <a:pt x="4842267" y="3677276"/>
+                    <a:pt x="4568328" y="3879397"/>
+                  </a:cubicBezTo>
+                  <a:cubicBezTo>
+                    <a:pt x="4294389" y="4081422"/>
+                    <a:pt x="4065789" y="4548147"/>
+                    <a:pt x="3284739" y="4605297"/>
+                  </a:cubicBezTo>
+                  <a:cubicBezTo>
+                    <a:pt x="2503689" y="4662447"/>
+                    <a:pt x="1579764" y="5110122"/>
+                    <a:pt x="1074939" y="4357647"/>
+                  </a:cubicBezTo>
+                  <a:cubicBezTo>
+                    <a:pt x="570114" y="3605172"/>
+                    <a:pt x="12615" y="3617554"/>
+                    <a:pt x="15187" y="2830313"/>
+                  </a:cubicBezTo>
+                </a:path>
+              </a:pathLst>
+            </a:custGeom>
+            <a:grpFill/>
+            <a:ln w="9525" cap="flat">
+              <a:noFill/>
+              <a:prstDash val="solid"/>
+              <a:miter/>
+            </a:ln>
+          </p:spPr>
+          <p:txBody>
+            <a:bodyPr rtlCol="0" anchor="ctr"/>
+            <a:lstStyle/>
+            <a:p>
+              <a:endParaRPr lang="en-US"/>
+            </a:p>
+          </p:txBody>
+        </p:sp>
+        <p:sp>
+          <p:nvSpPr>
+            <p:cNvPr id="84" name="Graphic 15">
+              <a:extLst>
+                <a:ext uri="{FF2B5EF4-FFF2-40B4-BE49-F238E27FC236}">
+                  <a16:creationId xmlns:a16="http://schemas.microsoft.com/office/drawing/2014/main" id="{064E08E5-DA92-4CF2-A0BF-E341800227B2}"/>
+                </a:ext>
+                <a:ext uri="{C183D7F6-B498-43B3-948B-1728B52AA6E4}">
+                  <adec:decorative xmlns:adec="http://schemas.microsoft.com/office/drawing/2017/decorative" val="1"/>
+                </a:ext>
+              </a:extLst>
+            </p:cNvPr>
+            <p:cNvSpPr/>
+            <p:nvPr>
+              <p:extLst>
+                <p:ext uri="{386F3935-93C4-4BCD-93E2-E3B085C9AB24}">
+                  <p16:designElem xmlns:p16="http://schemas.microsoft.com/office/powerpoint/2015/main" val="1"/>
+                </p:ext>
+              </p:extLst>
+            </p:nvPr>
+          </p:nvSpPr>
+          <p:spPr>
+            <a:xfrm>
+              <a:off x="10948005" y="3504095"/>
+              <a:ext cx="82388" cy="75292"/>
+            </a:xfrm>
+            <a:custGeom>
+              <a:avLst/>
+              <a:gdLst>
+                <a:gd name="connsiteX0" fmla="*/ 17664 w 5240764"/>
+                <a:gd name="connsiteY0" fmla="*/ 2947947 h 4789394"/>
+                <a:gd name="connsiteX1" fmla="*/ 903489 w 5240764"/>
+                <a:gd name="connsiteY1" fmla="*/ 195222 h 4789394"/>
+                <a:gd name="connsiteX2" fmla="*/ 3560964 w 5240764"/>
+                <a:gd name="connsiteY2" fmla="*/ 357147 h 4789394"/>
+                <a:gd name="connsiteX3" fmla="*/ 5240602 w 5240764"/>
+                <a:gd name="connsiteY3" fmla="*/ 2076409 h 4789394"/>
+                <a:gd name="connsiteX4" fmla="*/ 4568328 w 5240764"/>
+                <a:gd name="connsiteY4" fmla="*/ 3879397 h 4789394"/>
+                <a:gd name="connsiteX5" fmla="*/ 3284739 w 5240764"/>
+                <a:gd name="connsiteY5" fmla="*/ 4605297 h 4789394"/>
+                <a:gd name="connsiteX6" fmla="*/ 1074939 w 5240764"/>
+                <a:gd name="connsiteY6" fmla="*/ 4357647 h 4789394"/>
+                <a:gd name="connsiteX7" fmla="*/ 15187 w 5240764"/>
+                <a:gd name="connsiteY7" fmla="*/ 2830313 h 4789394"/>
+              </a:gdLst>
+              <a:ahLst/>
+              <a:cxnLst>
+                <a:cxn ang="0">
+                  <a:pos x="connsiteX0" y="connsiteY0"/>
+                </a:cxn>
+                <a:cxn ang="0">
+                  <a:pos x="connsiteX1" y="connsiteY1"/>
+                </a:cxn>
+                <a:cxn ang="0">
+                  <a:pos x="connsiteX2" y="connsiteY2"/>
+                </a:cxn>
+                <a:cxn ang="0">
+                  <a:pos x="connsiteX3" y="connsiteY3"/>
+                </a:cxn>
+                <a:cxn ang="0">
+                  <a:pos x="connsiteX4" y="connsiteY4"/>
+                </a:cxn>
+                <a:cxn ang="0">
+                  <a:pos x="connsiteX5" y="connsiteY5"/>
+                </a:cxn>
+                <a:cxn ang="0">
+                  <a:pos x="connsiteX6" y="connsiteY6"/>
+                </a:cxn>
+                <a:cxn ang="0">
+                  <a:pos x="connsiteX7" y="connsiteY7"/>
+                </a:cxn>
+              </a:cxnLst>
+              <a:rect l="l" t="t" r="r" b="b"/>
+              <a:pathLst>
+                <a:path w="5240764" h="4789394">
+                  <a:moveTo>
+                    <a:pt x="17664" y="2947947"/>
+                  </a:moveTo>
+                  <a:cubicBezTo>
+                    <a:pt x="17664" y="2900322"/>
+                    <a:pt x="-201411" y="490497"/>
+                    <a:pt x="903489" y="195222"/>
+                  </a:cubicBezTo>
+                  <a:cubicBezTo>
+                    <a:pt x="2008389" y="-100053"/>
+                    <a:pt x="2598939" y="-71478"/>
+                    <a:pt x="3560964" y="357147"/>
+                  </a:cubicBezTo>
+                  <a:cubicBezTo>
+                    <a:pt x="4522989" y="785772"/>
+                    <a:pt x="5253271" y="1338222"/>
+                    <a:pt x="5240602" y="2076409"/>
+                  </a:cubicBezTo>
+                  <a:cubicBezTo>
+                    <a:pt x="5227934" y="2814597"/>
+                    <a:pt x="4842267" y="3677276"/>
+                    <a:pt x="4568328" y="3879397"/>
+                  </a:cubicBezTo>
+                  <a:cubicBezTo>
+                    <a:pt x="4294389" y="4081422"/>
+                    <a:pt x="4065789" y="4548147"/>
+                    <a:pt x="3284739" y="4605297"/>
+                  </a:cubicBezTo>
+                  <a:cubicBezTo>
+                    <a:pt x="2503689" y="4662447"/>
+                    <a:pt x="1579764" y="5110122"/>
+                    <a:pt x="1074939" y="4357647"/>
+                  </a:cubicBezTo>
+                  <a:cubicBezTo>
+                    <a:pt x="570114" y="3605172"/>
+                    <a:pt x="12615" y="3617554"/>
+                    <a:pt x="15187" y="2830313"/>
+                  </a:cubicBezTo>
+                </a:path>
+              </a:pathLst>
+            </a:custGeom>
+            <a:grpFill/>
+            <a:ln w="9525" cap="flat">
+              <a:noFill/>
+              <a:prstDash val="solid"/>
+              <a:miter/>
+            </a:ln>
+          </p:spPr>
+          <p:txBody>
+            <a:bodyPr rtlCol="0" anchor="ctr"/>
+            <a:lstStyle/>
+            <a:p>
+              <a:endParaRPr lang="en-US"/>
+            </a:p>
+          </p:txBody>
+        </p:sp>
+        <p:sp>
+          <p:nvSpPr>
+            <p:cNvPr id="85" name="Freeform: Shape 84">
+              <a:extLst>
+                <a:ext uri="{FF2B5EF4-FFF2-40B4-BE49-F238E27FC236}">
+                  <a16:creationId xmlns:a16="http://schemas.microsoft.com/office/drawing/2014/main" id="{7A222560-E657-4CAE-B667-7BE9E224B244}"/>
+                </a:ext>
+                <a:ext uri="{C183D7F6-B498-43B3-948B-1728B52AA6E4}">
+                  <adec:decorative xmlns:adec="http://schemas.microsoft.com/office/drawing/2017/decorative" val="1"/>
+                </a:ext>
+              </a:extLst>
+            </p:cNvPr>
+            <p:cNvSpPr/>
+            <p:nvPr>
+              <p:extLst>
+                <p:ext uri="{386F3935-93C4-4BCD-93E2-E3B085C9AB24}">
+                  <p16:designElem xmlns:p16="http://schemas.microsoft.com/office/powerpoint/2015/main" val="1"/>
+                </p:ext>
+              </p:extLst>
+            </p:nvPr>
+          </p:nvSpPr>
+          <p:spPr>
+            <a:xfrm>
+              <a:off x="11343727" y="3666564"/>
+              <a:ext cx="173527" cy="138496"/>
+            </a:xfrm>
+            <a:custGeom>
+              <a:avLst/>
+              <a:gdLst>
+                <a:gd name="connsiteX0" fmla="*/ 237392 w 789043"/>
+                <a:gd name="connsiteY0" fmla="*/ 81 h 629754"/>
+                <a:gd name="connsiteX1" fmla="*/ 758692 w 789043"/>
+                <a:gd name="connsiteY1" fmla="*/ 233550 h 629754"/>
+                <a:gd name="connsiteX2" fmla="*/ 650647 w 789043"/>
+                <a:gd name="connsiteY2" fmla="*/ 335111 h 629754"/>
+                <a:gd name="connsiteX3" fmla="*/ 315041 w 789043"/>
+                <a:gd name="connsiteY3" fmla="*/ 584992 h 629754"/>
+                <a:gd name="connsiteX4" fmla="*/ 192159 w 789043"/>
+                <a:gd name="connsiteY4" fmla="*/ 625953 h 629754"/>
+                <a:gd name="connsiteX5" fmla="*/ 124264 w 789043"/>
+                <a:gd name="connsiteY5" fmla="*/ 552260 h 629754"/>
+                <a:gd name="connsiteX6" fmla="*/ 1631 w 789043"/>
+                <a:gd name="connsiteY6" fmla="*/ 133735 h 629754"/>
+                <a:gd name="connsiteX7" fmla="*/ 35422 w 789043"/>
+                <a:gd name="connsiteY7" fmla="*/ 14157 h 629754"/>
+                <a:gd name="connsiteX8" fmla="*/ 113728 w 789043"/>
+                <a:gd name="connsiteY8" fmla="*/ 378 h 629754"/>
+                <a:gd name="connsiteX9" fmla="*/ 237392 w 789043"/>
+                <a:gd name="connsiteY9" fmla="*/ 81 h 629754"/>
+              </a:gdLst>
+              <a:ahLst/>
+              <a:cxnLst>
+                <a:cxn ang="0">
+                  <a:pos x="connsiteX0" y="connsiteY0"/>
+                </a:cxn>
+                <a:cxn ang="0">
+                  <a:pos x="connsiteX1" y="connsiteY1"/>
+                </a:cxn>
+                <a:cxn ang="0">
+                  <a:pos x="connsiteX2" y="connsiteY2"/>
+                </a:cxn>
+                <a:cxn ang="0">
+                  <a:pos x="connsiteX3" y="connsiteY3"/>
+                </a:cxn>
+                <a:cxn ang="0">
+                  <a:pos x="connsiteX4" y="connsiteY4"/>
+                </a:cxn>
+                <a:cxn ang="0">
+                  <a:pos x="connsiteX5" y="connsiteY5"/>
+                </a:cxn>
+                <a:cxn ang="0">
+                  <a:pos x="connsiteX6" y="connsiteY6"/>
+                </a:cxn>
+                <a:cxn ang="0">
+                  <a:pos x="connsiteX7" y="connsiteY7"/>
+                </a:cxn>
+                <a:cxn ang="0">
+                  <a:pos x="connsiteX8" y="connsiteY8"/>
+                </a:cxn>
+                <a:cxn ang="0">
+                  <a:pos x="connsiteX9" y="connsiteY9"/>
+                </a:cxn>
+              </a:cxnLst>
+              <a:rect l="l" t="t" r="r" b="b"/>
+              <a:pathLst>
+                <a:path w="789043" h="629754">
+                  <a:moveTo>
+                    <a:pt x="237392" y="81"/>
+                  </a:moveTo>
+                  <a:cubicBezTo>
+                    <a:pt x="474795" y="-992"/>
+                    <a:pt x="907215" y="10463"/>
+                    <a:pt x="758692" y="233550"/>
+                  </a:cubicBezTo>
+                  <a:cubicBezTo>
+                    <a:pt x="731135" y="274948"/>
+                    <a:pt x="690486" y="305435"/>
+                    <a:pt x="650647" y="335111"/>
+                  </a:cubicBezTo>
+                  <a:cubicBezTo>
+                    <a:pt x="538737" y="418405"/>
+                    <a:pt x="426889" y="501698"/>
+                    <a:pt x="315041" y="584992"/>
+                  </a:cubicBezTo>
+                  <a:cubicBezTo>
+                    <a:pt x="278943" y="611863"/>
+                    <a:pt x="234865" y="640167"/>
+                    <a:pt x="192159" y="625953"/>
+                  </a:cubicBezTo>
+                  <a:cubicBezTo>
+                    <a:pt x="159614" y="615105"/>
+                    <a:pt x="139851" y="582810"/>
+                    <a:pt x="124264" y="552260"/>
+                  </a:cubicBezTo>
+                  <a:cubicBezTo>
+                    <a:pt x="57742" y="422021"/>
+                    <a:pt x="15908" y="279250"/>
+                    <a:pt x="1631" y="133735"/>
+                  </a:cubicBezTo>
+                  <a:cubicBezTo>
+                    <a:pt x="-2671" y="90343"/>
+                    <a:pt x="-676" y="38596"/>
+                    <a:pt x="35422" y="14157"/>
+                  </a:cubicBezTo>
+                  <a:cubicBezTo>
+                    <a:pt x="57804" y="-931"/>
+                    <a:pt x="86795" y="-557"/>
+                    <a:pt x="113728" y="378"/>
+                  </a:cubicBezTo>
+                  <a:cubicBezTo>
+                    <a:pt x="138207" y="1243"/>
+                    <a:pt x="182606" y="328"/>
+                    <a:pt x="237392" y="81"/>
+                  </a:cubicBezTo>
+                  <a:close/>
+                </a:path>
+              </a:pathLst>
+            </a:custGeom>
+            <a:grpFill/>
+            <a:ln>
+              <a:noFill/>
+            </a:ln>
+          </p:spPr>
+          <p:style>
+            <a:lnRef idx="2">
+              <a:schemeClr val="accent1">
+                <a:shade val="50000"/>
+              </a:schemeClr>
+            </a:lnRef>
+            <a:fillRef idx="1">
+              <a:schemeClr val="accent1"/>
+            </a:fillRef>
+            <a:effectRef idx="0">
+              <a:schemeClr val="accent1"/>
+            </a:effectRef>
+            <a:fontRef idx="minor">
+              <a:schemeClr val="lt1"/>
+            </a:fontRef>
+          </p:style>
+          <p:txBody>
+            <a:bodyPr rtlCol="0" anchor="ctr"/>
+            <a:lstStyle/>
+            <a:p>
+              <a:pPr algn="ctr"/>
+              <a:endParaRPr lang="en-US" dirty="0"/>
+            </a:p>
+          </p:txBody>
+        </p:sp>
+      </p:grpSp>
+      <p:sp>
+        <p:nvSpPr>
+          <p:cNvPr id="87" name="Freeform: Shape 86">
+            <a:extLst>
+              <a:ext uri="{FF2B5EF4-FFF2-40B4-BE49-F238E27FC236}">
+                <a16:creationId xmlns:a16="http://schemas.microsoft.com/office/drawing/2014/main" id="{59226104-0061-4319-8237-9C001BF85D49}"/>
+              </a:ext>
+              <a:ext uri="{C183D7F6-B498-43B3-948B-1728B52AA6E4}">
+                <adec:decorative xmlns:adec="http://schemas.microsoft.com/office/drawing/2017/decorative" val="1"/>
+              </a:ext>
+            </a:extLst>
+          </p:cNvPr>
+          <p:cNvSpPr>
+            <a:spLocks noGrp="1" noRot="1" noChangeAspect="1" noMove="1" noResize="1" noEditPoints="1" noAdjustHandles="1" noChangeArrowheads="1" noChangeShapeType="1" noTextEdit="1"/>
+          </p:cNvSpPr>
+          <p:nvPr>
+            <p:extLst>
+              <p:ext uri="{386F3935-93C4-4BCD-93E2-E3B085C9AB24}">
+                <p16:designElem xmlns:p16="http://schemas.microsoft.com/office/powerpoint/2015/main" val="1"/>
+              </p:ext>
+            </p:extLst>
+          </p:nvPr>
+        </p:nvSpPr>
+        <p:spPr>
+          <a:xfrm rot="5400000">
+            <a:off x="615181" y="-615181"/>
+            <a:ext cx="1085312" cy="2315675"/>
+          </a:xfrm>
+          <a:custGeom>
+            <a:avLst/>
+            <a:gdLst>
+              <a:gd name="connsiteX0" fmla="*/ 0 w 1085312"/>
+              <a:gd name="connsiteY0" fmla="*/ 2315675 h 2315675"/>
+              <a:gd name="connsiteX1" fmla="*/ 0 w 1085312"/>
+              <a:gd name="connsiteY1" fmla="*/ 0 h 2315675"/>
+              <a:gd name="connsiteX2" fmla="*/ 53089 w 1085312"/>
+              <a:gd name="connsiteY2" fmla="*/ 4542 h 2315675"/>
+              <a:gd name="connsiteX3" fmla="*/ 790077 w 1085312"/>
+              <a:gd name="connsiteY3" fmla="*/ 872756 h 2315675"/>
+              <a:gd name="connsiteX4" fmla="*/ 1085252 w 1085312"/>
+              <a:gd name="connsiteY4" fmla="*/ 1943649 h 2315675"/>
+              <a:gd name="connsiteX5" fmla="*/ 1064832 w 1085312"/>
+              <a:gd name="connsiteY5" fmla="*/ 2198094 h 2315675"/>
+              <a:gd name="connsiteX6" fmla="*/ 1043734 w 1085312"/>
+              <a:gd name="connsiteY6" fmla="*/ 2315675 h 2315675"/>
+              <a:gd name="connsiteX7" fmla="*/ 0 w 1085312"/>
+              <a:gd name="connsiteY7" fmla="*/ 2315675 h 2315675"/>
+            </a:gdLst>
+            <a:ahLst/>
+            <a:cxnLst>
+              <a:cxn ang="0">
+                <a:pos x="connsiteX0" y="connsiteY0"/>
+              </a:cxn>
+              <a:cxn ang="0">
+                <a:pos x="connsiteX1" y="connsiteY1"/>
+              </a:cxn>
+              <a:cxn ang="0">
+                <a:pos x="connsiteX2" y="connsiteY2"/>
+              </a:cxn>
+              <a:cxn ang="0">
+                <a:pos x="connsiteX3" y="connsiteY3"/>
+              </a:cxn>
+              <a:cxn ang="0">
+                <a:pos x="connsiteX4" y="connsiteY4"/>
+              </a:cxn>
+              <a:cxn ang="0">
+                <a:pos x="connsiteX5" y="connsiteY5"/>
+              </a:cxn>
+              <a:cxn ang="0">
+                <a:pos x="connsiteX6" y="connsiteY6"/>
+              </a:cxn>
+              <a:cxn ang="0">
+                <a:pos x="connsiteX7" y="connsiteY7"/>
+              </a:cxn>
+            </a:cxnLst>
+            <a:rect l="l" t="t" r="r" b="b"/>
+            <a:pathLst>
+              <a:path w="1085312" h="2315675">
+                <a:moveTo>
+                  <a:pt x="0" y="2315675"/>
+                </a:moveTo>
+                <a:lnTo>
+                  <a:pt x="0" y="0"/>
+                </a:lnTo>
+                <a:lnTo>
+                  <a:pt x="53089" y="4542"/>
+                </a:lnTo>
+                <a:cubicBezTo>
+                  <a:pt x="405263" y="73503"/>
+                  <a:pt x="612623" y="486635"/>
+                  <a:pt x="790077" y="872756"/>
+                </a:cubicBezTo>
+                <a:cubicBezTo>
+                  <a:pt x="937425" y="1193596"/>
+                  <a:pt x="1088787" y="1533232"/>
+                  <a:pt x="1085252" y="1943649"/>
+                </a:cubicBezTo>
+                <a:cubicBezTo>
+                  <a:pt x="1084528" y="2029058"/>
+                  <a:pt x="1077341" y="2113833"/>
+                  <a:pt x="1064832" y="2198094"/>
+                </a:cubicBezTo>
+                <a:lnTo>
+                  <a:pt x="1043734" y="2315675"/>
+                </a:lnTo>
+                <a:lnTo>
+                  <a:pt x="0" y="2315675"/>
+                </a:lnTo>
+                <a:close/>
+              </a:path>
+            </a:pathLst>
+          </a:custGeom>
+          <a:solidFill>
+            <a:schemeClr val="accent5">
+              <a:lumMod val="40000"/>
+              <a:lumOff val="60000"/>
+              <a:alpha val="50000"/>
+            </a:schemeClr>
+          </a:solidFill>
+          <a:ln>
+            <a:noFill/>
+          </a:ln>
+        </p:spPr>
+        <p:style>
+          <a:lnRef idx="2">
+            <a:schemeClr val="accent1">
+              <a:shade val="50000"/>
+            </a:schemeClr>
+          </a:lnRef>
+          <a:fillRef idx="1">
+            <a:schemeClr val="accent1"/>
+          </a:fillRef>
+          <a:effectRef idx="0">
+            <a:schemeClr val="accent1"/>
+          </a:effectRef>
+          <a:fontRef idx="minor">
+            <a:schemeClr val="lt1"/>
+          </a:fontRef>
+        </p:style>
+        <p:txBody>
+          <a:bodyPr wrap="square" rtlCol="0" anchor="ctr">
+            <a:noAutofit/>
+          </a:bodyPr>
+          <a:lstStyle/>
+          <a:p>
+            <a:pPr algn="ctr"/>
+            <a:endParaRPr lang="en-US"/>
+          </a:p>
+        </p:txBody>
+      </p:sp>
+      <p:grpSp>
+        <p:nvGrpSpPr>
+          <p:cNvPr id="89" name="Graphic 78">
+            <a:extLst>
+              <a:ext uri="{FF2B5EF4-FFF2-40B4-BE49-F238E27FC236}">
+                <a16:creationId xmlns:a16="http://schemas.microsoft.com/office/drawing/2014/main" id="{51B01909-73B8-4486-A749-C643B1D7E361}"/>
+              </a:ext>
+              <a:ext uri="{C183D7F6-B498-43B3-948B-1728B52AA6E4}">
+                <adec:decorative xmlns:adec="http://schemas.microsoft.com/office/drawing/2017/decorative" val="1"/>
+              </a:ext>
+            </a:extLst>
+          </p:cNvPr>
+          <p:cNvGrpSpPr>
+            <a:grpSpLocks noGrp="1" noUngrp="1" noRot="1" noChangeAspect="1" noMove="1" noResize="1"/>
+          </p:cNvGrpSpPr>
+          <p:nvPr>
+            <p:extLst>
+              <p:ext uri="{386F3935-93C4-4BCD-93E2-E3B085C9AB24}">
+                <p16:designElem xmlns:p16="http://schemas.microsoft.com/office/powerpoint/2015/main" val="1"/>
+              </p:ext>
+            </p:extLst>
+          </p:nvPr>
+        </p:nvGrpSpPr>
+        <p:grpSpPr>
+          <a:xfrm>
+            <a:off x="530225" y="3267662"/>
+            <a:ext cx="972241" cy="45718"/>
+            <a:chOff x="4886325" y="3371754"/>
+            <a:chExt cx="2418492" cy="113728"/>
+          </a:xfrm>
+          <a:solidFill>
+            <a:schemeClr val="accent1"/>
+          </a:solidFill>
+        </p:grpSpPr>
+        <p:sp>
+          <p:nvSpPr>
+            <p:cNvPr id="90" name="Graphic 78">
+              <a:extLst>
+                <a:ext uri="{FF2B5EF4-FFF2-40B4-BE49-F238E27FC236}">
+                  <a16:creationId xmlns:a16="http://schemas.microsoft.com/office/drawing/2014/main" id="{5E279D86-4533-45F1-B0AA-D237399A5ED5}"/>
+                </a:ext>
+                <a:ext uri="{C183D7F6-B498-43B3-948B-1728B52AA6E4}">
+                  <adec:decorative xmlns:adec="http://schemas.microsoft.com/office/drawing/2017/decorative" val="1"/>
+                </a:ext>
+              </a:extLst>
+            </p:cNvPr>
+            <p:cNvSpPr/>
+            <p:nvPr>
+              <p:extLst>
+                <p:ext uri="{386F3935-93C4-4BCD-93E2-E3B085C9AB24}">
+                  <p16:designElem xmlns:p16="http://schemas.microsoft.com/office/powerpoint/2015/main" val="1"/>
+                </p:ext>
+              </p:extLst>
+            </p:nvPr>
+          </p:nvSpPr>
+          <p:spPr>
+            <a:xfrm>
+              <a:off x="4886325" y="3428428"/>
+              <a:ext cx="2418302" cy="9525"/>
+            </a:xfrm>
+            <a:custGeom>
+              <a:avLst/>
+              <a:gdLst>
+                <a:gd name="connsiteX0" fmla="*/ 0 w 2418302"/>
+                <a:gd name="connsiteY0" fmla="*/ 0 h 9525"/>
+                <a:gd name="connsiteX1" fmla="*/ 2418302 w 2418302"/>
+                <a:gd name="connsiteY1" fmla="*/ 0 h 9525"/>
+              </a:gdLst>
+              <a:ahLst/>
+              <a:cxnLst>
+                <a:cxn ang="0">
+                  <a:pos x="connsiteX0" y="connsiteY0"/>
+                </a:cxn>
+                <a:cxn ang="0">
+                  <a:pos x="connsiteX1" y="connsiteY1"/>
+                </a:cxn>
+              </a:cxnLst>
+              <a:rect l="l" t="t" r="r" b="b"/>
+              <a:pathLst>
+                <a:path w="2418302" h="9525">
+                  <a:moveTo>
+                    <a:pt x="0" y="0"/>
+                  </a:moveTo>
+                  <a:lnTo>
+                    <a:pt x="2418302" y="0"/>
+                  </a:lnTo>
+                </a:path>
+              </a:pathLst>
+            </a:custGeom>
+            <a:grpFill/>
+            <a:ln w="9525" cap="flat">
+              <a:noFill/>
+              <a:prstDash val="solid"/>
+              <a:miter/>
+            </a:ln>
+          </p:spPr>
+          <p:txBody>
+            <a:bodyPr rtlCol="0" anchor="ctr"/>
+            <a:lstStyle/>
+            <a:p>
+              <a:pPr algn="ctr"/>
+              <a:endParaRPr lang="en-US"/>
+            </a:p>
+          </p:txBody>
+        </p:sp>
+        <p:grpSp>
+          <p:nvGrpSpPr>
+            <p:cNvPr id="91" name="Graphic 78">
+              <a:extLst>
+                <a:ext uri="{FF2B5EF4-FFF2-40B4-BE49-F238E27FC236}">
+                  <a16:creationId xmlns:a16="http://schemas.microsoft.com/office/drawing/2014/main" id="{764FD722-CB31-4326-ADD8-CBA52FD1FF59}"/>
+                </a:ext>
+                <a:ext uri="{C183D7F6-B498-43B3-948B-1728B52AA6E4}">
+                  <adec:decorative xmlns:adec="http://schemas.microsoft.com/office/drawing/2017/decorative" val="1"/>
+                </a:ext>
+              </a:extLst>
+            </p:cNvPr>
+            <p:cNvGrpSpPr/>
+            <p:nvPr>
+              <p:extLst>
+                <p:ext uri="{386F3935-93C4-4BCD-93E2-E3B085C9AB24}">
+                  <p16:designElem xmlns:p16="http://schemas.microsoft.com/office/powerpoint/2015/main" val="1"/>
+                </p:ext>
+              </p:extLst>
+            </p:nvPr>
+          </p:nvGrpSpPr>
+          <p:grpSpPr>
+            <a:xfrm>
+              <a:off x="4886709" y="3371754"/>
+              <a:ext cx="2418108" cy="113728"/>
+              <a:chOff x="4886709" y="3371754"/>
+              <a:chExt cx="2418108" cy="113728"/>
+            </a:xfrm>
+            <a:grpFill/>
+          </p:grpSpPr>
+          <p:sp>
+            <p:nvSpPr>
+              <p:cNvPr id="92" name="Graphic 78">
+                <a:extLst>
+                  <a:ext uri="{FF2B5EF4-FFF2-40B4-BE49-F238E27FC236}">
+                    <a16:creationId xmlns:a16="http://schemas.microsoft.com/office/drawing/2014/main" id="{24E4BCEC-8B0A-444E-8509-1B3BB0449E5B}"/>
+                  </a:ext>
+                  <a:ext uri="{C183D7F6-B498-43B3-948B-1728B52AA6E4}">
+                    <adec:decorative xmlns:adec="http://schemas.microsoft.com/office/drawing/2017/decorative" val="1"/>
+                  </a:ext>
+                </a:extLst>
+              </p:cNvPr>
+              <p:cNvSpPr/>
+              <p:nvPr>
+                <p:extLst>
+                  <p:ext uri="{386F3935-93C4-4BCD-93E2-E3B085C9AB24}">
+                    <p16:designElem xmlns:p16="http://schemas.microsoft.com/office/powerpoint/2015/main" val="1"/>
+                  </p:ext>
+                </p:extLst>
+              </p:nvPr>
+            </p:nvSpPr>
+            <p:spPr>
+              <a:xfrm>
+                <a:off x="4895088" y="3474384"/>
+                <a:ext cx="32575" cy="2906"/>
+              </a:xfrm>
+              <a:custGeom>
+                <a:avLst/>
+                <a:gdLst>
+                  <a:gd name="connsiteX0" fmla="*/ 0 w 32575"/>
+                  <a:gd name="connsiteY0" fmla="*/ 49 h 2906"/>
+                  <a:gd name="connsiteX1" fmla="*/ 32576 w 32575"/>
+                  <a:gd name="connsiteY1" fmla="*/ 2907 h 2906"/>
+                  <a:gd name="connsiteX2" fmla="*/ 0 w 32575"/>
+                  <a:gd name="connsiteY2" fmla="*/ 49 h 2906"/>
+                </a:gdLst>
+                <a:ahLst/>
+                <a:cxnLst>
+                  <a:cxn ang="0">
+                    <a:pos x="connsiteX0" y="connsiteY0"/>
+                  </a:cxn>
+                  <a:cxn ang="0">
+                    <a:pos x="connsiteX1" y="connsiteY1"/>
+                  </a:cxn>
+                  <a:cxn ang="0">
+                    <a:pos x="connsiteX2" y="connsiteY2"/>
+                  </a:cxn>
+                </a:cxnLst>
+                <a:rect l="l" t="t" r="r" b="b"/>
+                <a:pathLst>
+                  <a:path w="32575" h="2906">
+                    <a:moveTo>
+                      <a:pt x="0" y="49"/>
+                    </a:moveTo>
+                    <a:cubicBezTo>
+                      <a:pt x="7430" y="2335"/>
+                      <a:pt x="20384" y="2526"/>
+                      <a:pt x="32576" y="2907"/>
+                    </a:cubicBezTo>
+                    <a:cubicBezTo>
+                      <a:pt x="23146" y="716"/>
+                      <a:pt x="13240" y="-236"/>
+                      <a:pt x="0" y="49"/>
+                    </a:cubicBezTo>
+                    <a:close/>
+                  </a:path>
+                </a:pathLst>
+              </a:custGeom>
+              <a:grpFill/>
+              <a:ln w="9525" cap="flat">
+                <a:noFill/>
+                <a:prstDash val="solid"/>
+                <a:miter/>
+              </a:ln>
+            </p:spPr>
+            <p:txBody>
+              <a:bodyPr rtlCol="0" anchor="ctr"/>
+              <a:lstStyle/>
+              <a:p>
+                <a:pPr algn="ctr"/>
+                <a:endParaRPr lang="en-US"/>
+              </a:p>
+            </p:txBody>
+          </p:sp>
+          <p:sp>
+            <p:nvSpPr>
+              <p:cNvPr id="93" name="Graphic 78">
+                <a:extLst>
+                  <a:ext uri="{FF2B5EF4-FFF2-40B4-BE49-F238E27FC236}">
+                    <a16:creationId xmlns:a16="http://schemas.microsoft.com/office/drawing/2014/main" id="{9DB36622-1DC7-4B17-8984-588BA8999FF6}"/>
+                  </a:ext>
+                  <a:ext uri="{C183D7F6-B498-43B3-948B-1728B52AA6E4}">
+                    <adec:decorative xmlns:adec="http://schemas.microsoft.com/office/drawing/2017/decorative" val="1"/>
+                  </a:ext>
+                </a:extLst>
+              </p:cNvPr>
+              <p:cNvSpPr/>
+              <p:nvPr>
+                <p:extLst>
+                  <p:ext uri="{386F3935-93C4-4BCD-93E2-E3B085C9AB24}">
+                    <p16:designElem xmlns:p16="http://schemas.microsoft.com/office/powerpoint/2015/main" val="1"/>
+                  </p:ext>
+                </p:extLst>
+              </p:nvPr>
+            </p:nvSpPr>
+            <p:spPr>
+              <a:xfrm>
+                <a:off x="4927758" y="3477344"/>
+                <a:ext cx="380" cy="42"/>
+              </a:xfrm>
+              <a:custGeom>
+                <a:avLst/>
+                <a:gdLst>
+                  <a:gd name="connsiteX0" fmla="*/ 190 w 380"/>
+                  <a:gd name="connsiteY0" fmla="*/ 42 h 42"/>
+                  <a:gd name="connsiteX1" fmla="*/ 381 w 380"/>
+                  <a:gd name="connsiteY1" fmla="*/ 42 h 42"/>
+                  <a:gd name="connsiteX2" fmla="*/ 0 w 380"/>
+                  <a:gd name="connsiteY2" fmla="*/ 42 h 42"/>
+                  <a:gd name="connsiteX3" fmla="*/ 190 w 380"/>
+                  <a:gd name="connsiteY3" fmla="*/ 42 h 42"/>
+                </a:gdLst>
+                <a:ahLst/>
+                <a:cxnLst>
+                  <a:cxn ang="0">
+                    <a:pos x="connsiteX0" y="connsiteY0"/>
+                  </a:cxn>
+                  <a:cxn ang="0">
+                    <a:pos x="connsiteX1" y="connsiteY1"/>
+                  </a:cxn>
+                  <a:cxn ang="0">
+                    <a:pos x="connsiteX2" y="connsiteY2"/>
+                  </a:cxn>
+                  <a:cxn ang="0">
+                    <a:pos x="connsiteX3" y="connsiteY3"/>
+                  </a:cxn>
+                </a:cxnLst>
+                <a:rect l="l" t="t" r="r" b="b"/>
+                <a:pathLst>
+                  <a:path w="380" h="42">
+                    <a:moveTo>
+                      <a:pt x="190" y="42"/>
+                    </a:moveTo>
+                    <a:cubicBezTo>
+                      <a:pt x="190" y="42"/>
+                      <a:pt x="286" y="42"/>
+                      <a:pt x="381" y="42"/>
+                    </a:cubicBezTo>
+                    <a:cubicBezTo>
+                      <a:pt x="190" y="42"/>
+                      <a:pt x="95" y="42"/>
+                      <a:pt x="0" y="42"/>
+                    </a:cubicBezTo>
+                    <a:cubicBezTo>
+                      <a:pt x="0" y="-53"/>
+                      <a:pt x="95" y="42"/>
+                      <a:pt x="190" y="42"/>
+                    </a:cubicBezTo>
+                    <a:close/>
+                  </a:path>
+                </a:pathLst>
+              </a:custGeom>
+              <a:grpFill/>
+              <a:ln w="9525" cap="flat">
+                <a:noFill/>
+                <a:prstDash val="solid"/>
+                <a:miter/>
+              </a:ln>
+            </p:spPr>
+            <p:txBody>
+              <a:bodyPr rtlCol="0" anchor="ctr"/>
+              <a:lstStyle/>
+              <a:p>
+                <a:pPr algn="ctr"/>
+                <a:endParaRPr lang="en-US"/>
+              </a:p>
+            </p:txBody>
+          </p:sp>
+          <p:sp>
+            <p:nvSpPr>
+              <p:cNvPr id="94" name="Graphic 78">
+                <a:extLst>
+                  <a:ext uri="{FF2B5EF4-FFF2-40B4-BE49-F238E27FC236}">
+                    <a16:creationId xmlns:a16="http://schemas.microsoft.com/office/drawing/2014/main" id="{51B97AF0-1974-42B9-B5FC-A332C52E8272}"/>
+                  </a:ext>
+                  <a:ext uri="{C183D7F6-B498-43B3-948B-1728B52AA6E4}">
+                    <adec:decorative xmlns:adec="http://schemas.microsoft.com/office/drawing/2017/decorative" val="1"/>
+                  </a:ext>
+                </a:extLst>
+              </p:cNvPr>
+              <p:cNvSpPr/>
+              <p:nvPr>
+                <p:extLst>
+                  <p:ext uri="{386F3935-93C4-4BCD-93E2-E3B085C9AB24}">
+                    <p16:designElem xmlns:p16="http://schemas.microsoft.com/office/powerpoint/2015/main" val="1"/>
+                  </p:ext>
+                </p:extLst>
+              </p:nvPr>
+            </p:nvSpPr>
+            <p:spPr>
+              <a:xfrm>
+                <a:off x="7285577" y="3374517"/>
+                <a:ext cx="10001" cy="190"/>
+              </a:xfrm>
+              <a:custGeom>
+                <a:avLst/>
+                <a:gdLst>
+                  <a:gd name="connsiteX0" fmla="*/ 10001 w 10001"/>
+                  <a:gd name="connsiteY0" fmla="*/ 0 h 190"/>
+                  <a:gd name="connsiteX1" fmla="*/ 0 w 10001"/>
+                  <a:gd name="connsiteY1" fmla="*/ 191 h 190"/>
+                  <a:gd name="connsiteX2" fmla="*/ 10001 w 10001"/>
+                  <a:gd name="connsiteY2" fmla="*/ 0 h 190"/>
+                </a:gdLst>
+                <a:ahLst/>
+                <a:cxnLst>
+                  <a:cxn ang="0">
+                    <a:pos x="connsiteX0" y="connsiteY0"/>
+                  </a:cxn>
+                  <a:cxn ang="0">
+                    <a:pos x="connsiteX1" y="connsiteY1"/>
+                  </a:cxn>
+                  <a:cxn ang="0">
+                    <a:pos x="connsiteX2" y="connsiteY2"/>
+                  </a:cxn>
+                </a:cxnLst>
+                <a:rect l="l" t="t" r="r" b="b"/>
+                <a:pathLst>
+                  <a:path w="10001" h="190">
+                    <a:moveTo>
+                      <a:pt x="10001" y="0"/>
+                    </a:moveTo>
+                    <a:cubicBezTo>
+                      <a:pt x="6953" y="0"/>
+                      <a:pt x="3524" y="95"/>
+                      <a:pt x="0" y="191"/>
+                    </a:cubicBezTo>
+                    <a:cubicBezTo>
+                      <a:pt x="3334" y="191"/>
+                      <a:pt x="6763" y="191"/>
+                      <a:pt x="10001" y="0"/>
+                    </a:cubicBezTo>
+                    <a:close/>
+                  </a:path>
+                </a:pathLst>
+              </a:custGeom>
+              <a:grpFill/>
+              <a:ln w="9525" cap="flat">
+                <a:noFill/>
+                <a:prstDash val="solid"/>
+                <a:miter/>
+              </a:ln>
+            </p:spPr>
+            <p:txBody>
+              <a:bodyPr rtlCol="0" anchor="ctr"/>
+              <a:lstStyle/>
+              <a:p>
+                <a:pPr algn="ctr"/>
+                <a:endParaRPr lang="en-US"/>
+              </a:p>
+            </p:txBody>
+          </p:sp>
+          <p:sp>
+            <p:nvSpPr>
+              <p:cNvPr id="95" name="Graphic 78">
+                <a:extLst>
+                  <a:ext uri="{FF2B5EF4-FFF2-40B4-BE49-F238E27FC236}">
+                    <a16:creationId xmlns:a16="http://schemas.microsoft.com/office/drawing/2014/main" id="{95A298AD-BE5D-4BE1-8CDF-DBFB42D63FEB}"/>
+                  </a:ext>
+                  <a:ext uri="{C183D7F6-B498-43B3-948B-1728B52AA6E4}">
+                    <adec:decorative xmlns:adec="http://schemas.microsoft.com/office/drawing/2017/decorative" val="1"/>
+                  </a:ext>
+                </a:extLst>
+              </p:cNvPr>
+              <p:cNvSpPr/>
+              <p:nvPr>
+                <p:extLst>
+                  <p:ext uri="{386F3935-93C4-4BCD-93E2-E3B085C9AB24}">
+                    <p16:designElem xmlns:p16="http://schemas.microsoft.com/office/powerpoint/2015/main" val="1"/>
+                  </p:ext>
+                </p:extLst>
+              </p:nvPr>
+            </p:nvSpPr>
+            <p:spPr>
+              <a:xfrm>
+                <a:off x="4886709" y="3371754"/>
+                <a:ext cx="2418108" cy="113728"/>
+              </a:xfrm>
+              <a:custGeom>
+                <a:avLst/>
+                <a:gdLst>
+                  <a:gd name="connsiteX0" fmla="*/ 632266 w 2418108"/>
+                  <a:gd name="connsiteY0" fmla="*/ 112205 h 113728"/>
+                  <a:gd name="connsiteX1" fmla="*/ 723039 w 2418108"/>
+                  <a:gd name="connsiteY1" fmla="*/ 109538 h 113728"/>
+                  <a:gd name="connsiteX2" fmla="*/ 735136 w 2418108"/>
+                  <a:gd name="connsiteY2" fmla="*/ 111823 h 113728"/>
+                  <a:gd name="connsiteX3" fmla="*/ 752471 w 2418108"/>
+                  <a:gd name="connsiteY3" fmla="*/ 108680 h 113728"/>
+                  <a:gd name="connsiteX4" fmla="*/ 772569 w 2418108"/>
+                  <a:gd name="connsiteY4" fmla="*/ 110585 h 113728"/>
+                  <a:gd name="connsiteX5" fmla="*/ 1112993 w 2418108"/>
+                  <a:gd name="connsiteY5" fmla="*/ 112967 h 113728"/>
+                  <a:gd name="connsiteX6" fmla="*/ 1083465 w 2418108"/>
+                  <a:gd name="connsiteY6" fmla="*/ 108776 h 113728"/>
+                  <a:gd name="connsiteX7" fmla="*/ 1296825 w 2418108"/>
+                  <a:gd name="connsiteY7" fmla="*/ 108966 h 113728"/>
+                  <a:gd name="connsiteX8" fmla="*/ 1346736 w 2418108"/>
+                  <a:gd name="connsiteY8" fmla="*/ 103632 h 113728"/>
+                  <a:gd name="connsiteX9" fmla="*/ 1360643 w 2418108"/>
+                  <a:gd name="connsiteY9" fmla="*/ 107633 h 113728"/>
+                  <a:gd name="connsiteX10" fmla="*/ 1381788 w 2418108"/>
+                  <a:gd name="connsiteY10" fmla="*/ 107442 h 113728"/>
+                  <a:gd name="connsiteX11" fmla="*/ 1371692 w 2418108"/>
+                  <a:gd name="connsiteY11" fmla="*/ 106490 h 113728"/>
+                  <a:gd name="connsiteX12" fmla="*/ 1430080 w 2418108"/>
+                  <a:gd name="connsiteY12" fmla="*/ 105537 h 113728"/>
+                  <a:gd name="connsiteX13" fmla="*/ 1420269 w 2418108"/>
+                  <a:gd name="connsiteY13" fmla="*/ 104108 h 113728"/>
+                  <a:gd name="connsiteX14" fmla="*/ 1455702 w 2418108"/>
+                  <a:gd name="connsiteY14" fmla="*/ 107061 h 113728"/>
+                  <a:gd name="connsiteX15" fmla="*/ 1439414 w 2418108"/>
+                  <a:gd name="connsiteY15" fmla="*/ 108109 h 113728"/>
+                  <a:gd name="connsiteX16" fmla="*/ 1503613 w 2418108"/>
+                  <a:gd name="connsiteY16" fmla="*/ 105918 h 113728"/>
+                  <a:gd name="connsiteX17" fmla="*/ 1495802 w 2418108"/>
+                  <a:gd name="connsiteY17" fmla="*/ 105823 h 113728"/>
+                  <a:gd name="connsiteX18" fmla="*/ 1695923 w 2418108"/>
+                  <a:gd name="connsiteY18" fmla="*/ 95155 h 113728"/>
+                  <a:gd name="connsiteX19" fmla="*/ 1684016 w 2418108"/>
+                  <a:gd name="connsiteY19" fmla="*/ 92488 h 113728"/>
+                  <a:gd name="connsiteX20" fmla="*/ 1706210 w 2418108"/>
+                  <a:gd name="connsiteY20" fmla="*/ 90202 h 113728"/>
+                  <a:gd name="connsiteX21" fmla="*/ 1693351 w 2418108"/>
+                  <a:gd name="connsiteY21" fmla="*/ 98108 h 113728"/>
+                  <a:gd name="connsiteX22" fmla="*/ 2058539 w 2418108"/>
+                  <a:gd name="connsiteY22" fmla="*/ 102203 h 113728"/>
+                  <a:gd name="connsiteX23" fmla="*/ 2064540 w 2418108"/>
+                  <a:gd name="connsiteY23" fmla="*/ 95060 h 113728"/>
+                  <a:gd name="connsiteX24" fmla="*/ 2227132 w 2418108"/>
+                  <a:gd name="connsiteY24" fmla="*/ 96203 h 113728"/>
+                  <a:gd name="connsiteX25" fmla="*/ 2245229 w 2418108"/>
+                  <a:gd name="connsiteY25" fmla="*/ 96869 h 113728"/>
+                  <a:gd name="connsiteX26" fmla="*/ 2254278 w 2418108"/>
+                  <a:gd name="connsiteY26" fmla="*/ 94393 h 113728"/>
+                  <a:gd name="connsiteX27" fmla="*/ 2418108 w 2418108"/>
+                  <a:gd name="connsiteY27" fmla="*/ 5810 h 113728"/>
+                  <a:gd name="connsiteX28" fmla="*/ 2399058 w 2418108"/>
+                  <a:gd name="connsiteY28" fmla="*/ 2858 h 113728"/>
+                  <a:gd name="connsiteX29" fmla="*/ 2241039 w 2418108"/>
+                  <a:gd name="connsiteY29" fmla="*/ 1905 h 113728"/>
+                  <a:gd name="connsiteX30" fmla="*/ 2243991 w 2418108"/>
+                  <a:gd name="connsiteY30" fmla="*/ 1048 h 113728"/>
+                  <a:gd name="connsiteX31" fmla="*/ 2197128 w 2418108"/>
+                  <a:gd name="connsiteY31" fmla="*/ 0 h 113728"/>
+                  <a:gd name="connsiteX32" fmla="*/ 1710591 w 2418108"/>
+                  <a:gd name="connsiteY32" fmla="*/ 6287 h 113728"/>
+                  <a:gd name="connsiteX33" fmla="*/ 1713353 w 2418108"/>
+                  <a:gd name="connsiteY33" fmla="*/ 5906 h 113728"/>
+                  <a:gd name="connsiteX34" fmla="*/ 1210814 w 2418108"/>
+                  <a:gd name="connsiteY34" fmla="*/ 7715 h 113728"/>
+                  <a:gd name="connsiteX35" fmla="*/ 684463 w 2418108"/>
+                  <a:gd name="connsiteY35" fmla="*/ 13716 h 113728"/>
+                  <a:gd name="connsiteX36" fmla="*/ 687511 w 2418108"/>
+                  <a:gd name="connsiteY36" fmla="*/ 12859 h 113728"/>
+                  <a:gd name="connsiteX37" fmla="*/ 435670 w 2418108"/>
+                  <a:gd name="connsiteY37" fmla="*/ 12192 h 113728"/>
+                  <a:gd name="connsiteX38" fmla="*/ 440718 w 2418108"/>
+                  <a:gd name="connsiteY38" fmla="*/ 12668 h 113728"/>
+                  <a:gd name="connsiteX39" fmla="*/ 386807 w 2418108"/>
+                  <a:gd name="connsiteY39" fmla="*/ 9906 h 113728"/>
+                  <a:gd name="connsiteX40" fmla="*/ 16856 w 2418108"/>
+                  <a:gd name="connsiteY40" fmla="*/ 12192 h 113728"/>
+                  <a:gd name="connsiteX41" fmla="*/ 63528 w 2418108"/>
+                  <a:gd name="connsiteY41" fmla="*/ 102870 h 113728"/>
+                  <a:gd name="connsiteX42" fmla="*/ 42668 w 2418108"/>
+                  <a:gd name="connsiteY42" fmla="*/ 102584 h 113728"/>
+                  <a:gd name="connsiteX43" fmla="*/ 41430 w 2418108"/>
+                  <a:gd name="connsiteY43" fmla="*/ 105537 h 113728"/>
+                  <a:gd name="connsiteX44" fmla="*/ 54575 w 2418108"/>
+                  <a:gd name="connsiteY44" fmla="*/ 105347 h 113728"/>
+                  <a:gd name="connsiteX45" fmla="*/ 388140 w 2418108"/>
+                  <a:gd name="connsiteY45" fmla="*/ 112109 h 113728"/>
+                  <a:gd name="connsiteX46" fmla="*/ 482152 w 2418108"/>
+                  <a:gd name="connsiteY46" fmla="*/ 113729 h 113728"/>
+                  <a:gd name="connsiteX47" fmla="*/ 632266 w 2418108"/>
+                  <a:gd name="connsiteY47" fmla="*/ 112205 h 113728"/>
+                </a:gdLst>
+                <a:ahLst/>
+                <a:cxnLst>
+                  <a:cxn ang="0">
+                    <a:pos x="connsiteX0" y="connsiteY0"/>
+                  </a:cxn>
+                  <a:cxn ang="0">
+                    <a:pos x="connsiteX1" y="connsiteY1"/>
+                  </a:cxn>
+                  <a:cxn ang="0">
+                    <a:pos x="connsiteX2" y="connsiteY2"/>
+                  </a:cxn>
+                  <a:cxn ang="0">
+                    <a:pos x="connsiteX3" y="connsiteY3"/>
+                  </a:cxn>
+                  <a:cxn ang="0">
+                    <a:pos x="connsiteX4" y="connsiteY4"/>
+                  </a:cxn>
+                  <a:cxn ang="0">
+                    <a:pos x="connsiteX5" y="connsiteY5"/>
+                  </a:cxn>
+                  <a:cxn ang="0">
+                    <a:pos x="connsiteX6" y="connsiteY6"/>
+                  </a:cxn>
+                  <a:cxn ang="0">
+                    <a:pos x="connsiteX7" y="connsiteY7"/>
+                  </a:cxn>
+                  <a:cxn ang="0">
+                    <a:pos x="connsiteX8" y="connsiteY8"/>
+                  </a:cxn>
+                  <a:cxn ang="0">
+                    <a:pos x="connsiteX9" y="connsiteY9"/>
+                  </a:cxn>
+                  <a:cxn ang="0">
+                    <a:pos x="connsiteX10" y="connsiteY10"/>
+                  </a:cxn>
+                  <a:cxn ang="0">
+                    <a:pos x="connsiteX11" y="connsiteY11"/>
+                  </a:cxn>
+                  <a:cxn ang="0">
+                    <a:pos x="connsiteX12" y="connsiteY12"/>
+                  </a:cxn>
+                  <a:cxn ang="0">
+                    <a:pos x="connsiteX13" y="connsiteY13"/>
+                  </a:cxn>
+                  <a:cxn ang="0">
+                    <a:pos x="connsiteX14" y="connsiteY14"/>
+                  </a:cxn>
+                  <a:cxn ang="0">
+                    <a:pos x="connsiteX15" y="connsiteY15"/>
+                  </a:cxn>
+                  <a:cxn ang="0">
+                    <a:pos x="connsiteX16" y="connsiteY16"/>
+                  </a:cxn>
+                  <a:cxn ang="0">
+                    <a:pos x="connsiteX17" y="connsiteY17"/>
+                  </a:cxn>
+                  <a:cxn ang="0">
+                    <a:pos x="connsiteX18" y="connsiteY18"/>
+                  </a:cxn>
+                  <a:cxn ang="0">
+                    <a:pos x="connsiteX19" y="connsiteY19"/>
+                  </a:cxn>
+                  <a:cxn ang="0">
+                    <a:pos x="connsiteX20" y="connsiteY20"/>
+                  </a:cxn>
+                  <a:cxn ang="0">
+                    <a:pos x="connsiteX21" y="connsiteY21"/>
+                  </a:cxn>
+                  <a:cxn ang="0">
+                    <a:pos x="connsiteX22" y="connsiteY22"/>
+                  </a:cxn>
+                  <a:cxn ang="0">
+                    <a:pos x="connsiteX23" y="connsiteY23"/>
+                  </a:cxn>
+                  <a:cxn ang="0">
+                    <a:pos x="connsiteX24" y="connsiteY24"/>
+                  </a:cxn>
+                  <a:cxn ang="0">
+                    <a:pos x="connsiteX25" y="connsiteY25"/>
+                  </a:cxn>
+                  <a:cxn ang="0">
+                    <a:pos x="connsiteX26" y="connsiteY26"/>
+                  </a:cxn>
+                  <a:cxn ang="0">
+                    <a:pos x="connsiteX27" y="connsiteY27"/>
+                  </a:cxn>
+                  <a:cxn ang="0">
+                    <a:pos x="connsiteX28" y="connsiteY28"/>
+                  </a:cxn>
+                  <a:cxn ang="0">
+                    <a:pos x="connsiteX29" y="connsiteY29"/>
+                  </a:cxn>
+                  <a:cxn ang="0">
+                    <a:pos x="connsiteX30" y="connsiteY30"/>
+                  </a:cxn>
+                  <a:cxn ang="0">
+                    <a:pos x="connsiteX31" y="connsiteY31"/>
+                  </a:cxn>
+                  <a:cxn ang="0">
+                    <a:pos x="connsiteX32" y="connsiteY32"/>
+                  </a:cxn>
+                  <a:cxn ang="0">
+                    <a:pos x="connsiteX33" y="connsiteY33"/>
+                  </a:cxn>
+                  <a:cxn ang="0">
+                    <a:pos x="connsiteX34" y="connsiteY34"/>
+                  </a:cxn>
+                  <a:cxn ang="0">
+                    <a:pos x="connsiteX35" y="connsiteY35"/>
+                  </a:cxn>
+                  <a:cxn ang="0">
+                    <a:pos x="connsiteX36" y="connsiteY36"/>
+                  </a:cxn>
+                  <a:cxn ang="0">
+                    <a:pos x="connsiteX37" y="connsiteY37"/>
+                  </a:cxn>
+                  <a:cxn ang="0">
+                    <a:pos x="connsiteX38" y="connsiteY38"/>
+                  </a:cxn>
+                  <a:cxn ang="0">
+                    <a:pos x="connsiteX39" y="connsiteY39"/>
+                  </a:cxn>
+                  <a:cxn ang="0">
+                    <a:pos x="connsiteX40" y="connsiteY40"/>
+                  </a:cxn>
+                  <a:cxn ang="0">
+                    <a:pos x="connsiteX41" y="connsiteY41"/>
+                  </a:cxn>
+                  <a:cxn ang="0">
+                    <a:pos x="connsiteX42" y="connsiteY42"/>
+                  </a:cxn>
+                  <a:cxn ang="0">
+                    <a:pos x="connsiteX43" y="connsiteY43"/>
+                  </a:cxn>
+                  <a:cxn ang="0">
+                    <a:pos x="connsiteX44" y="connsiteY44"/>
+                  </a:cxn>
+                  <a:cxn ang="0">
+                    <a:pos x="connsiteX45" y="connsiteY45"/>
+                  </a:cxn>
+                  <a:cxn ang="0">
+                    <a:pos x="connsiteX46" y="connsiteY46"/>
+                  </a:cxn>
+                  <a:cxn ang="0">
+                    <a:pos x="connsiteX47" y="connsiteY47"/>
+                  </a:cxn>
+                </a:cxnLst>
+                <a:rect l="l" t="t" r="r" b="b"/>
+                <a:pathLst>
+                  <a:path w="2418108" h="113728">
+                    <a:moveTo>
+                      <a:pt x="632266" y="112205"/>
+                    </a:moveTo>
+                    <a:cubicBezTo>
+                      <a:pt x="656364" y="104680"/>
+                      <a:pt x="694940" y="114110"/>
+                      <a:pt x="723039" y="109538"/>
+                    </a:cubicBezTo>
+                    <a:cubicBezTo>
+                      <a:pt x="722849" y="109919"/>
+                      <a:pt x="735898" y="110109"/>
+                      <a:pt x="735136" y="111823"/>
+                    </a:cubicBezTo>
+                    <a:cubicBezTo>
+                      <a:pt x="735041" y="108776"/>
+                      <a:pt x="767616" y="112300"/>
+                      <a:pt x="752471" y="108680"/>
+                    </a:cubicBezTo>
+                    <a:cubicBezTo>
+                      <a:pt x="754757" y="107633"/>
+                      <a:pt x="790571" y="107633"/>
+                      <a:pt x="772569" y="110585"/>
+                    </a:cubicBezTo>
+                    <a:cubicBezTo>
+                      <a:pt x="822099" y="111633"/>
+                      <a:pt x="1059653" y="114395"/>
+                      <a:pt x="1112993" y="112967"/>
+                    </a:cubicBezTo>
+                    <a:cubicBezTo>
+                      <a:pt x="1106135" y="110776"/>
+                      <a:pt x="1089656" y="112205"/>
+                      <a:pt x="1083465" y="108776"/>
+                    </a:cubicBezTo>
+                    <a:cubicBezTo>
+                      <a:pt x="1153950" y="111728"/>
+                      <a:pt x="1230626" y="113157"/>
+                      <a:pt x="1296825" y="108966"/>
+                    </a:cubicBezTo>
+                    <a:cubicBezTo>
+                      <a:pt x="1277680" y="103251"/>
+                      <a:pt x="1356071" y="110966"/>
+                      <a:pt x="1346736" y="103632"/>
+                    </a:cubicBezTo>
+                    <a:cubicBezTo>
+                      <a:pt x="1351213" y="105347"/>
+                      <a:pt x="1374454" y="106109"/>
+                      <a:pt x="1360643" y="107633"/>
+                    </a:cubicBezTo>
+                    <a:cubicBezTo>
+                      <a:pt x="1368548" y="107728"/>
+                      <a:pt x="1376168" y="108299"/>
+                      <a:pt x="1381788" y="107442"/>
+                    </a:cubicBezTo>
+                    <a:lnTo>
+                      <a:pt x="1371692" y="106490"/>
+                    </a:lnTo>
+                    <a:cubicBezTo>
+                      <a:pt x="1398266" y="106013"/>
+                      <a:pt x="1412744" y="108680"/>
+                      <a:pt x="1430080" y="105537"/>
+                    </a:cubicBezTo>
+                    <a:lnTo>
+                      <a:pt x="1420269" y="104108"/>
+                    </a:lnTo>
+                    <a:cubicBezTo>
+                      <a:pt x="1436176" y="103918"/>
+                      <a:pt x="1449416" y="103632"/>
+                      <a:pt x="1455702" y="107061"/>
+                    </a:cubicBezTo>
+                    <a:lnTo>
+                      <a:pt x="1439414" y="108109"/>
+                    </a:lnTo>
+                    <a:cubicBezTo>
+                      <a:pt x="1465799" y="108014"/>
+                      <a:pt x="1481610" y="107823"/>
+                      <a:pt x="1503613" y="105918"/>
+                    </a:cubicBezTo>
+                    <a:lnTo>
+                      <a:pt x="1495802" y="105823"/>
+                    </a:lnTo>
+                    <a:cubicBezTo>
+                      <a:pt x="1523806" y="102394"/>
+                      <a:pt x="1670110" y="99441"/>
+                      <a:pt x="1695923" y="95155"/>
+                    </a:cubicBezTo>
+                    <a:lnTo>
+                      <a:pt x="1684016" y="92488"/>
+                    </a:lnTo>
+                    <a:lnTo>
+                      <a:pt x="1706210" y="90202"/>
+                    </a:lnTo>
+                    <a:cubicBezTo>
+                      <a:pt x="1703543" y="90202"/>
+                      <a:pt x="1695542" y="98965"/>
+                      <a:pt x="1693351" y="98108"/>
+                    </a:cubicBezTo>
+                    <a:cubicBezTo>
+                      <a:pt x="1757549" y="99441"/>
+                      <a:pt x="2045109" y="91345"/>
+                      <a:pt x="2058539" y="102203"/>
+                    </a:cubicBezTo>
+                    <a:cubicBezTo>
+                      <a:pt x="2079780" y="101917"/>
+                      <a:pt x="2071303" y="103918"/>
+                      <a:pt x="2064540" y="95060"/>
+                    </a:cubicBezTo>
+                    <a:cubicBezTo>
+                      <a:pt x="2086638" y="95441"/>
+                      <a:pt x="2259707" y="88773"/>
+                      <a:pt x="2227132" y="96203"/>
+                    </a:cubicBezTo>
+                    <a:cubicBezTo>
+                      <a:pt x="2232371" y="96298"/>
+                      <a:pt x="2240372" y="95917"/>
+                      <a:pt x="2245229" y="96869"/>
+                    </a:cubicBezTo>
+                    <a:cubicBezTo>
+                      <a:pt x="2235704" y="94583"/>
+                      <a:pt x="2261708" y="95345"/>
+                      <a:pt x="2254278" y="94393"/>
+                    </a:cubicBezTo>
+                    <a:cubicBezTo>
+                      <a:pt x="2395724" y="108776"/>
+                      <a:pt x="2341527" y="36576"/>
+                      <a:pt x="2418108" y="5810"/>
+                    </a:cubicBezTo>
+                    <a:cubicBezTo>
+                      <a:pt x="2398772" y="4763"/>
+                      <a:pt x="2335717" y="7239"/>
+                      <a:pt x="2399058" y="2858"/>
+                    </a:cubicBezTo>
+                    <a:cubicBezTo>
+                      <a:pt x="2343527" y="-572"/>
+                      <a:pt x="2296283" y="1238"/>
+                      <a:pt x="2241039" y="1905"/>
+                    </a:cubicBezTo>
+                    <a:lnTo>
+                      <a:pt x="2243991" y="1048"/>
+                    </a:lnTo>
+                    <a:cubicBezTo>
+                      <a:pt x="2234181" y="-381"/>
+                      <a:pt x="2214845" y="1524"/>
+                      <a:pt x="2197128" y="0"/>
+                    </a:cubicBezTo>
+                    <a:cubicBezTo>
+                      <a:pt x="2115880" y="6096"/>
+                      <a:pt x="1816128" y="3524"/>
+                      <a:pt x="1710591" y="6287"/>
+                    </a:cubicBezTo>
+                    <a:lnTo>
+                      <a:pt x="1713353" y="5906"/>
+                    </a:lnTo>
+                    <a:cubicBezTo>
+                      <a:pt x="1577146" y="5429"/>
+                      <a:pt x="1349308" y="11240"/>
+                      <a:pt x="1210814" y="7715"/>
+                    </a:cubicBezTo>
+                    <a:cubicBezTo>
+                      <a:pt x="1095848" y="23717"/>
+                      <a:pt x="819051" y="5429"/>
+                      <a:pt x="684463" y="13716"/>
+                    </a:cubicBezTo>
+                    <a:lnTo>
+                      <a:pt x="687511" y="12859"/>
+                    </a:lnTo>
+                    <a:cubicBezTo>
+                      <a:pt x="655316" y="14192"/>
+                      <a:pt x="473008" y="10954"/>
+                      <a:pt x="435670" y="12192"/>
+                    </a:cubicBezTo>
+                    <a:lnTo>
+                      <a:pt x="440718" y="12668"/>
+                    </a:lnTo>
+                    <a:cubicBezTo>
+                      <a:pt x="408047" y="14764"/>
+                      <a:pt x="412524" y="11049"/>
+                      <a:pt x="386807" y="9906"/>
+                    </a:cubicBezTo>
+                    <a:cubicBezTo>
+                      <a:pt x="275174" y="28004"/>
+                      <a:pt x="142395" y="18764"/>
+                      <a:pt x="16856" y="12192"/>
+                    </a:cubicBezTo>
+                    <a:cubicBezTo>
+                      <a:pt x="-6195" y="35528"/>
+                      <a:pt x="-17434" y="114395"/>
+                      <a:pt x="63528" y="102870"/>
+                    </a:cubicBezTo>
+                    <a:cubicBezTo>
+                      <a:pt x="63528" y="102870"/>
+                      <a:pt x="42668" y="102584"/>
+                      <a:pt x="42668" y="102584"/>
+                    </a:cubicBezTo>
+                    <a:cubicBezTo>
+                      <a:pt x="58004" y="103156"/>
+                      <a:pt x="47336" y="104299"/>
+                      <a:pt x="41430" y="105537"/>
+                    </a:cubicBezTo>
+                    <a:cubicBezTo>
+                      <a:pt x="46764" y="105537"/>
+                      <a:pt x="68386" y="107442"/>
+                      <a:pt x="54575" y="105347"/>
+                    </a:cubicBezTo>
+                    <a:cubicBezTo>
+                      <a:pt x="158588" y="108109"/>
+                      <a:pt x="297462" y="110109"/>
+                      <a:pt x="388140" y="112109"/>
+                    </a:cubicBezTo>
+                    <a:cubicBezTo>
+                      <a:pt x="420525" y="113348"/>
+                      <a:pt x="453577" y="106680"/>
+                      <a:pt x="482152" y="113729"/>
+                    </a:cubicBezTo>
+                    <a:cubicBezTo>
+                      <a:pt x="477580" y="111919"/>
+                      <a:pt x="629885" y="111728"/>
+                      <a:pt x="632266" y="112205"/>
+                    </a:cubicBezTo>
+                    <a:close/>
+                  </a:path>
+                </a:pathLst>
+              </a:custGeom>
+              <a:grpFill/>
+              <a:ln w="9525" cap="flat">
+                <a:noFill/>
+                <a:prstDash val="solid"/>
+                <a:miter/>
+              </a:ln>
+            </p:spPr>
+            <p:txBody>
+              <a:bodyPr rtlCol="0" anchor="ctr"/>
+              <a:lstStyle/>
+              <a:p>
+                <a:pPr algn="ctr"/>
+                <a:endParaRPr lang="en-US"/>
+              </a:p>
+            </p:txBody>
+          </p:sp>
+        </p:grpSp>
+      </p:grpSp>
+      <p:sp useBgFill="1">
+        <p:nvSpPr>
+          <p:cNvPr id="97" name="Rectangle 96">
+            <a:extLst>
+              <a:ext uri="{FF2B5EF4-FFF2-40B4-BE49-F238E27FC236}">
+                <a16:creationId xmlns:a16="http://schemas.microsoft.com/office/drawing/2014/main" id="{A5D0B0D3-D735-4619-AA45-B57B791E1744}"/>
+              </a:ext>
+              <a:ext uri="{C183D7F6-B498-43B3-948B-1728B52AA6E4}">
+                <adec:decorative xmlns:adec="http://schemas.microsoft.com/office/drawing/2017/decorative" val="1"/>
+              </a:ext>
+            </a:extLst>
+          </p:cNvPr>
+          <p:cNvSpPr>
+            <a:spLocks noGrp="1" noRot="1" noChangeAspect="1" noMove="1" noResize="1" noEditPoints="1" noAdjustHandles="1" noChangeArrowheads="1" noChangeShapeType="1" noTextEdit="1"/>
+          </p:cNvSpPr>
+          <p:nvPr>
+            <p:extLst>
+              <p:ext uri="{386F3935-93C4-4BCD-93E2-E3B085C9AB24}">
+                <p16:designElem xmlns:p16="http://schemas.microsoft.com/office/powerpoint/2015/main" val="1"/>
+              </p:ext>
+            </p:extLst>
+          </p:nvPr>
+        </p:nvSpPr>
+        <p:spPr>
+          <a:xfrm>
+            <a:off x="0" y="0"/>
+            <a:ext cx="12192000" cy="6858000"/>
+          </a:xfrm>
+          <a:prstGeom prst="rect">
+            <a:avLst/>
+          </a:prstGeom>
+          <a:ln w="12700" cap="flat" cmpd="sng" algn="ctr">
+            <a:noFill/>
+            <a:prstDash val="solid"/>
+            <a:miter lim="800000"/>
+          </a:ln>
+          <a:effectLst/>
+          <a:extLst>
+            <a:ext uri="{91240B29-F687-4F45-9708-019B960494DF}">
+              <a14:hiddenLine xmlns:a14="http://schemas.microsoft.com/office/drawing/2010/main" w="12700" cap="flat" cmpd="sng" algn="ctr">
+                <a:solidFill>
+                  <a:schemeClr val="accent1">
+                    <a:shade val="50000"/>
+                  </a:schemeClr>
+                </a:solidFill>
+                <a:prstDash val="solid"/>
+                <a:miter lim="800000"/>
+              </a14:hiddenLine>
+            </a:ext>
+          </a:extLst>
+        </p:spPr>
+        <p:style>
+          <a:lnRef idx="2">
+            <a:schemeClr val="accent1">
+              <a:shade val="50000"/>
+            </a:schemeClr>
+          </a:lnRef>
+          <a:fillRef idx="1">
+            <a:schemeClr val="accent1"/>
+          </a:fillRef>
+          <a:effectRef idx="0">
+            <a:schemeClr val="accent1"/>
+          </a:effectRef>
+          <a:fontRef idx="minor">
+            <a:schemeClr val="lt1"/>
+          </a:fontRef>
+        </p:style>
+        <p:txBody>
+          <a:bodyPr rtlCol="0" anchor="ctr"/>
+          <a:lstStyle/>
+          <a:p>
+            <a:endParaRPr lang="en-US" dirty="0"/>
+          </a:p>
+        </p:txBody>
+      </p:sp>
+      <p:sp>
+        <p:nvSpPr>
+          <p:cNvPr id="2" name="Title 1">
+            <a:extLst>
+              <a:ext uri="{FF2B5EF4-FFF2-40B4-BE49-F238E27FC236}">
+                <a16:creationId xmlns:a16="http://schemas.microsoft.com/office/drawing/2014/main" id="{566D92AF-9473-0047-8D46-51007A49D08E}"/>
+              </a:ext>
+            </a:extLst>
+          </p:cNvPr>
+          <p:cNvSpPr>
+            <a:spLocks noGrp="1"/>
+          </p:cNvSpPr>
+          <p:nvPr>
+            <p:ph type="title"/>
+          </p:nvPr>
+        </p:nvSpPr>
+        <p:spPr>
+          <a:xfrm>
+            <a:off x="530353" y="799521"/>
+            <a:ext cx="3859904" cy="2080204"/>
+          </a:xfrm>
+        </p:spPr>
+        <p:txBody>
+          <a:bodyPr vert="horz" lIns="91440" tIns="45720" rIns="91440" bIns="45720" rtlCol="0" anchor="b">
+            <a:normAutofit/>
+          </a:bodyPr>
+          <a:lstStyle/>
+          <a:p>
+            <a:r>
+              <a:rPr lang="en-US" sz="4000"/>
+              <a:t>Prophet by Facebook for trend analysis</a:t>
+            </a:r>
+          </a:p>
+        </p:txBody>
+      </p:sp>
+      <p:sp>
+        <p:nvSpPr>
+          <p:cNvPr id="99" name="Freeform: Shape 98">
+            <a:extLst>
+              <a:ext uri="{FF2B5EF4-FFF2-40B4-BE49-F238E27FC236}">
+                <a16:creationId xmlns:a16="http://schemas.microsoft.com/office/drawing/2014/main" id="{8972B65B-8AFA-4B5C-BFC6-E443F37775FF}"/>
+              </a:ext>
+              <a:ext uri="{C183D7F6-B498-43B3-948B-1728B52AA6E4}">
+                <adec:decorative xmlns:adec="http://schemas.microsoft.com/office/drawing/2017/decorative" val="1"/>
+              </a:ext>
+            </a:extLst>
+          </p:cNvPr>
+          <p:cNvSpPr>
+            <a:spLocks noGrp="1" noRot="1" noChangeAspect="1" noMove="1" noResize="1" noEditPoints="1" noAdjustHandles="1" noChangeArrowheads="1" noChangeShapeType="1" noTextEdit="1"/>
+          </p:cNvSpPr>
+          <p:nvPr>
+            <p:extLst>
+              <p:ext uri="{386F3935-93C4-4BCD-93E2-E3B085C9AB24}">
+                <p16:designElem xmlns:p16="http://schemas.microsoft.com/office/powerpoint/2015/main" val="1"/>
+              </p:ext>
+            </p:extLst>
+          </p:nvPr>
+        </p:nvSpPr>
+        <p:spPr>
+          <a:xfrm flipH="1">
+            <a:off x="-2" y="-21648"/>
+            <a:ext cx="1839951" cy="1423657"/>
+          </a:xfrm>
+          <a:custGeom>
+            <a:avLst/>
+            <a:gdLst>
+              <a:gd name="connsiteX0" fmla="*/ 0 w 2331138"/>
+              <a:gd name="connsiteY0" fmla="*/ 0 h 3352676"/>
+              <a:gd name="connsiteX1" fmla="*/ 2331138 w 2331138"/>
+              <a:gd name="connsiteY1" fmla="*/ 0 h 3352676"/>
+              <a:gd name="connsiteX2" fmla="*/ 2331138 w 2331138"/>
+              <a:gd name="connsiteY2" fmla="*/ 3352676 h 3352676"/>
+              <a:gd name="connsiteX3" fmla="*/ 2097210 w 2331138"/>
+              <a:gd name="connsiteY3" fmla="*/ 3226228 h 3352676"/>
+              <a:gd name="connsiteX4" fmla="*/ 214881 w 2331138"/>
+              <a:gd name="connsiteY4" fmla="*/ 1176738 h 3352676"/>
+              <a:gd name="connsiteX5" fmla="*/ 1129 w 2331138"/>
+              <a:gd name="connsiteY5" fmla="*/ 67475 h 3352676"/>
+            </a:gdLst>
+            <a:ahLst/>
+            <a:cxnLst>
+              <a:cxn ang="0">
+                <a:pos x="connsiteX0" y="connsiteY0"/>
+              </a:cxn>
+              <a:cxn ang="0">
+                <a:pos x="connsiteX1" y="connsiteY1"/>
+              </a:cxn>
+              <a:cxn ang="0">
+                <a:pos x="connsiteX2" y="connsiteY2"/>
+              </a:cxn>
+              <a:cxn ang="0">
+                <a:pos x="connsiteX3" y="connsiteY3"/>
+              </a:cxn>
+              <a:cxn ang="0">
+                <a:pos x="connsiteX4" y="connsiteY4"/>
+              </a:cxn>
+              <a:cxn ang="0">
+                <a:pos x="connsiteX5" y="connsiteY5"/>
+              </a:cxn>
+            </a:cxnLst>
+            <a:rect l="l" t="t" r="r" b="b"/>
+            <a:pathLst>
+              <a:path w="2331138" h="3352676">
+                <a:moveTo>
+                  <a:pt x="0" y="0"/>
+                </a:moveTo>
+                <a:lnTo>
+                  <a:pt x="2331138" y="0"/>
+                </a:lnTo>
+                <a:lnTo>
+                  <a:pt x="2331138" y="3352676"/>
+                </a:lnTo>
+                <a:lnTo>
+                  <a:pt x="2097210" y="3226228"/>
+                </a:lnTo>
+                <a:cubicBezTo>
+                  <a:pt x="1273150" y="2744079"/>
+                  <a:pt x="560886" y="2027200"/>
+                  <a:pt x="214881" y="1176738"/>
+                </a:cubicBezTo>
+                <a:cubicBezTo>
+                  <a:pt x="72781" y="827511"/>
+                  <a:pt x="14297" y="430630"/>
+                  <a:pt x="1129" y="67475"/>
+                </a:cubicBezTo>
+                <a:close/>
+              </a:path>
+            </a:pathLst>
+          </a:custGeom>
+          <a:solidFill>
+            <a:schemeClr val="accent3">
+              <a:lumMod val="40000"/>
+              <a:lumOff val="60000"/>
+              <a:alpha val="20000"/>
+            </a:schemeClr>
+          </a:solidFill>
+          <a:ln>
+            <a:noFill/>
+          </a:ln>
+        </p:spPr>
+        <p:style>
+          <a:lnRef idx="2">
+            <a:schemeClr val="accent1">
+              <a:shade val="50000"/>
+            </a:schemeClr>
+          </a:lnRef>
+          <a:fillRef idx="1">
+            <a:schemeClr val="accent1"/>
+          </a:fillRef>
+          <a:effectRef idx="0">
+            <a:schemeClr val="accent1"/>
+          </a:effectRef>
+          <a:fontRef idx="minor">
+            <a:schemeClr val="lt1"/>
+          </a:fontRef>
+        </p:style>
+        <p:txBody>
+          <a:bodyPr wrap="square" rtlCol="0" anchor="ctr">
+            <a:noAutofit/>
+          </a:bodyPr>
+          <a:lstStyle/>
+          <a:p>
+            <a:pPr algn="ctr"/>
+            <a:endParaRPr lang="en-US" dirty="0"/>
+          </a:p>
+        </p:txBody>
+      </p:sp>
+      <p:grpSp>
+        <p:nvGrpSpPr>
+          <p:cNvPr id="101" name="Graphic 78">
+            <a:extLst>
+              <a:ext uri="{FF2B5EF4-FFF2-40B4-BE49-F238E27FC236}">
+                <a16:creationId xmlns:a16="http://schemas.microsoft.com/office/drawing/2014/main" id="{8B32F32D-2578-47BA-A8C8-B9CC3F8A0958}"/>
+              </a:ext>
+              <a:ext uri="{C183D7F6-B498-43B3-948B-1728B52AA6E4}">
+                <adec:decorative xmlns:adec="http://schemas.microsoft.com/office/drawing/2017/decorative" val="1"/>
+              </a:ext>
+            </a:extLst>
+          </p:cNvPr>
+          <p:cNvGrpSpPr>
+            <a:grpSpLocks noGrp="1" noUngrp="1" noRot="1" noChangeAspect="1" noMove="1" noResize="1"/>
+          </p:cNvGrpSpPr>
+          <p:nvPr>
+            <p:extLst>
+              <p:ext uri="{386F3935-93C4-4BCD-93E2-E3B085C9AB24}">
+                <p16:designElem xmlns:p16="http://schemas.microsoft.com/office/powerpoint/2015/main" val="1"/>
+              </p:ext>
+            </p:extLst>
+          </p:nvPr>
+        </p:nvGrpSpPr>
+        <p:grpSpPr>
+          <a:xfrm>
+            <a:off x="530225" y="3267662"/>
+            <a:ext cx="972241" cy="45718"/>
+            <a:chOff x="4886325" y="3371754"/>
+            <a:chExt cx="2418492" cy="113728"/>
+          </a:xfrm>
+          <a:solidFill>
+            <a:schemeClr val="accent1"/>
+          </a:solidFill>
+        </p:grpSpPr>
+        <p:sp>
+          <p:nvSpPr>
+            <p:cNvPr id="102" name="Graphic 78">
+              <a:extLst>
+                <a:ext uri="{FF2B5EF4-FFF2-40B4-BE49-F238E27FC236}">
+                  <a16:creationId xmlns:a16="http://schemas.microsoft.com/office/drawing/2014/main" id="{FE39C5A6-D000-4F68-8942-DD0D6D6F83EF}"/>
+                </a:ext>
+                <a:ext uri="{C183D7F6-B498-43B3-948B-1728B52AA6E4}">
+                  <adec:decorative xmlns:adec="http://schemas.microsoft.com/office/drawing/2017/decorative" val="1"/>
+                </a:ext>
+              </a:extLst>
+            </p:cNvPr>
+            <p:cNvSpPr/>
+            <p:nvPr>
+              <p:extLst>
+                <p:ext uri="{386F3935-93C4-4BCD-93E2-E3B085C9AB24}">
+                  <p16:designElem xmlns:p16="http://schemas.microsoft.com/office/powerpoint/2015/main" val="1"/>
+                </p:ext>
+              </p:extLst>
+            </p:nvPr>
+          </p:nvSpPr>
+          <p:spPr>
+            <a:xfrm>
+              <a:off x="4886325" y="3428428"/>
+              <a:ext cx="2418302" cy="9525"/>
+            </a:xfrm>
+            <a:custGeom>
+              <a:avLst/>
+              <a:gdLst>
+                <a:gd name="connsiteX0" fmla="*/ 0 w 2418302"/>
+                <a:gd name="connsiteY0" fmla="*/ 0 h 9525"/>
+                <a:gd name="connsiteX1" fmla="*/ 2418302 w 2418302"/>
+                <a:gd name="connsiteY1" fmla="*/ 0 h 9525"/>
+              </a:gdLst>
+              <a:ahLst/>
+              <a:cxnLst>
+                <a:cxn ang="0">
+                  <a:pos x="connsiteX0" y="connsiteY0"/>
+                </a:cxn>
+                <a:cxn ang="0">
+                  <a:pos x="connsiteX1" y="connsiteY1"/>
+                </a:cxn>
+              </a:cxnLst>
+              <a:rect l="l" t="t" r="r" b="b"/>
+              <a:pathLst>
+                <a:path w="2418302" h="9525">
+                  <a:moveTo>
+                    <a:pt x="0" y="0"/>
+                  </a:moveTo>
+                  <a:lnTo>
+                    <a:pt x="2418302" y="0"/>
+                  </a:lnTo>
+                </a:path>
+              </a:pathLst>
+            </a:custGeom>
+            <a:grpFill/>
+            <a:ln w="9525" cap="flat">
+              <a:noFill/>
+              <a:prstDash val="solid"/>
+              <a:miter/>
+            </a:ln>
+          </p:spPr>
+          <p:txBody>
+            <a:bodyPr rtlCol="0" anchor="ctr"/>
+            <a:lstStyle/>
+            <a:p>
+              <a:pPr algn="ctr"/>
+              <a:endParaRPr lang="en-US"/>
+            </a:p>
+          </p:txBody>
+        </p:sp>
+        <p:grpSp>
+          <p:nvGrpSpPr>
+            <p:cNvPr id="103" name="Graphic 78">
+              <a:extLst>
+                <a:ext uri="{FF2B5EF4-FFF2-40B4-BE49-F238E27FC236}">
+                  <a16:creationId xmlns:a16="http://schemas.microsoft.com/office/drawing/2014/main" id="{E89890B6-1232-480B-A1E4-4EE4897F6443}"/>
+                </a:ext>
+                <a:ext uri="{C183D7F6-B498-43B3-948B-1728B52AA6E4}">
+                  <adec:decorative xmlns:adec="http://schemas.microsoft.com/office/drawing/2017/decorative" val="1"/>
+                </a:ext>
+              </a:extLst>
+            </p:cNvPr>
+            <p:cNvGrpSpPr/>
+            <p:nvPr>
+              <p:extLst>
+                <p:ext uri="{386F3935-93C4-4BCD-93E2-E3B085C9AB24}">
+                  <p16:designElem xmlns:p16="http://schemas.microsoft.com/office/powerpoint/2015/main" val="1"/>
+                </p:ext>
+              </p:extLst>
+            </p:nvPr>
+          </p:nvGrpSpPr>
+          <p:grpSpPr>
+            <a:xfrm>
+              <a:off x="4886709" y="3371754"/>
+              <a:ext cx="2418108" cy="113728"/>
+              <a:chOff x="4886709" y="3371754"/>
+              <a:chExt cx="2418108" cy="113728"/>
+            </a:xfrm>
+            <a:grpFill/>
+          </p:grpSpPr>
+          <p:sp>
+            <p:nvSpPr>
+              <p:cNvPr id="104" name="Graphic 78">
+                <a:extLst>
+                  <a:ext uri="{FF2B5EF4-FFF2-40B4-BE49-F238E27FC236}">
+                    <a16:creationId xmlns:a16="http://schemas.microsoft.com/office/drawing/2014/main" id="{AA2A92B4-DD5E-4659-876C-CEF27D8A3385}"/>
+                  </a:ext>
+                  <a:ext uri="{C183D7F6-B498-43B3-948B-1728B52AA6E4}">
+                    <adec:decorative xmlns:adec="http://schemas.microsoft.com/office/drawing/2017/decorative" val="1"/>
+                  </a:ext>
+                </a:extLst>
+              </p:cNvPr>
+              <p:cNvSpPr/>
+              <p:nvPr>
+                <p:extLst>
+                  <p:ext uri="{386F3935-93C4-4BCD-93E2-E3B085C9AB24}">
+                    <p16:designElem xmlns:p16="http://schemas.microsoft.com/office/powerpoint/2015/main" val="1"/>
+                  </p:ext>
+                </p:extLst>
+              </p:nvPr>
+            </p:nvSpPr>
+            <p:spPr>
+              <a:xfrm>
+                <a:off x="4895088" y="3474384"/>
+                <a:ext cx="32575" cy="2906"/>
+              </a:xfrm>
+              <a:custGeom>
+                <a:avLst/>
+                <a:gdLst>
+                  <a:gd name="connsiteX0" fmla="*/ 0 w 32575"/>
+                  <a:gd name="connsiteY0" fmla="*/ 49 h 2906"/>
+                  <a:gd name="connsiteX1" fmla="*/ 32576 w 32575"/>
+                  <a:gd name="connsiteY1" fmla="*/ 2907 h 2906"/>
+                  <a:gd name="connsiteX2" fmla="*/ 0 w 32575"/>
+                  <a:gd name="connsiteY2" fmla="*/ 49 h 2906"/>
+                </a:gdLst>
+                <a:ahLst/>
+                <a:cxnLst>
+                  <a:cxn ang="0">
+                    <a:pos x="connsiteX0" y="connsiteY0"/>
+                  </a:cxn>
+                  <a:cxn ang="0">
+                    <a:pos x="connsiteX1" y="connsiteY1"/>
+                  </a:cxn>
+                  <a:cxn ang="0">
+                    <a:pos x="connsiteX2" y="connsiteY2"/>
+                  </a:cxn>
+                </a:cxnLst>
+                <a:rect l="l" t="t" r="r" b="b"/>
+                <a:pathLst>
+                  <a:path w="32575" h="2906">
+                    <a:moveTo>
+                      <a:pt x="0" y="49"/>
+                    </a:moveTo>
+                    <a:cubicBezTo>
+                      <a:pt x="7430" y="2335"/>
+                      <a:pt x="20384" y="2526"/>
+                      <a:pt x="32576" y="2907"/>
+                    </a:cubicBezTo>
+                    <a:cubicBezTo>
+                      <a:pt x="23146" y="716"/>
+                      <a:pt x="13240" y="-236"/>
+                      <a:pt x="0" y="49"/>
+                    </a:cubicBezTo>
+                    <a:close/>
+                  </a:path>
+                </a:pathLst>
+              </a:custGeom>
+              <a:grpFill/>
+              <a:ln w="9525" cap="flat">
+                <a:noFill/>
+                <a:prstDash val="solid"/>
+                <a:miter/>
+              </a:ln>
+            </p:spPr>
+            <p:txBody>
+              <a:bodyPr rtlCol="0" anchor="ctr"/>
+              <a:lstStyle/>
+              <a:p>
+                <a:pPr algn="ctr"/>
+                <a:endParaRPr lang="en-US"/>
+              </a:p>
+            </p:txBody>
+          </p:sp>
+          <p:sp>
+            <p:nvSpPr>
+              <p:cNvPr id="105" name="Graphic 78">
+                <a:extLst>
+                  <a:ext uri="{FF2B5EF4-FFF2-40B4-BE49-F238E27FC236}">
+                    <a16:creationId xmlns:a16="http://schemas.microsoft.com/office/drawing/2014/main" id="{CB3716F9-57FA-4E55-B926-D141DFDE70CA}"/>
+                  </a:ext>
+                  <a:ext uri="{C183D7F6-B498-43B3-948B-1728B52AA6E4}">
+                    <adec:decorative xmlns:adec="http://schemas.microsoft.com/office/drawing/2017/decorative" val="1"/>
+                  </a:ext>
+                </a:extLst>
+              </p:cNvPr>
+              <p:cNvSpPr/>
+              <p:nvPr>
+                <p:extLst>
+                  <p:ext uri="{386F3935-93C4-4BCD-93E2-E3B085C9AB24}">
+                    <p16:designElem xmlns:p16="http://schemas.microsoft.com/office/powerpoint/2015/main" val="1"/>
+                  </p:ext>
+                </p:extLst>
+              </p:nvPr>
+            </p:nvSpPr>
+            <p:spPr>
+              <a:xfrm>
+                <a:off x="4927758" y="3477344"/>
+                <a:ext cx="380" cy="42"/>
+              </a:xfrm>
+              <a:custGeom>
+                <a:avLst/>
+                <a:gdLst>
+                  <a:gd name="connsiteX0" fmla="*/ 190 w 380"/>
+                  <a:gd name="connsiteY0" fmla="*/ 42 h 42"/>
+                  <a:gd name="connsiteX1" fmla="*/ 381 w 380"/>
+                  <a:gd name="connsiteY1" fmla="*/ 42 h 42"/>
+                  <a:gd name="connsiteX2" fmla="*/ 0 w 380"/>
+                  <a:gd name="connsiteY2" fmla="*/ 42 h 42"/>
+                  <a:gd name="connsiteX3" fmla="*/ 190 w 380"/>
+                  <a:gd name="connsiteY3" fmla="*/ 42 h 42"/>
+                </a:gdLst>
+                <a:ahLst/>
+                <a:cxnLst>
+                  <a:cxn ang="0">
+                    <a:pos x="connsiteX0" y="connsiteY0"/>
+                  </a:cxn>
+                  <a:cxn ang="0">
+                    <a:pos x="connsiteX1" y="connsiteY1"/>
+                  </a:cxn>
+                  <a:cxn ang="0">
+                    <a:pos x="connsiteX2" y="connsiteY2"/>
+                  </a:cxn>
+                  <a:cxn ang="0">
+                    <a:pos x="connsiteX3" y="connsiteY3"/>
+                  </a:cxn>
+                </a:cxnLst>
+                <a:rect l="l" t="t" r="r" b="b"/>
+                <a:pathLst>
+                  <a:path w="380" h="42">
+                    <a:moveTo>
+                      <a:pt x="190" y="42"/>
+                    </a:moveTo>
+                    <a:cubicBezTo>
+                      <a:pt x="190" y="42"/>
+                      <a:pt x="286" y="42"/>
+                      <a:pt x="381" y="42"/>
+                    </a:cubicBezTo>
+                    <a:cubicBezTo>
+                      <a:pt x="190" y="42"/>
+                      <a:pt x="95" y="42"/>
+                      <a:pt x="0" y="42"/>
+                    </a:cubicBezTo>
+                    <a:cubicBezTo>
+                      <a:pt x="0" y="-53"/>
+                      <a:pt x="95" y="42"/>
+                      <a:pt x="190" y="42"/>
+                    </a:cubicBezTo>
+                    <a:close/>
+                  </a:path>
+                </a:pathLst>
+              </a:custGeom>
+              <a:grpFill/>
+              <a:ln w="9525" cap="flat">
+                <a:noFill/>
+                <a:prstDash val="solid"/>
+                <a:miter/>
+              </a:ln>
+            </p:spPr>
+            <p:txBody>
+              <a:bodyPr rtlCol="0" anchor="ctr"/>
+              <a:lstStyle/>
+              <a:p>
+                <a:pPr algn="ctr"/>
+                <a:endParaRPr lang="en-US"/>
+              </a:p>
+            </p:txBody>
+          </p:sp>
+          <p:sp>
+            <p:nvSpPr>
+              <p:cNvPr id="106" name="Graphic 78">
+                <a:extLst>
+                  <a:ext uri="{FF2B5EF4-FFF2-40B4-BE49-F238E27FC236}">
+                    <a16:creationId xmlns:a16="http://schemas.microsoft.com/office/drawing/2014/main" id="{6E65CA48-F624-4AAA-B08C-4D030E798B8C}"/>
+                  </a:ext>
+                  <a:ext uri="{C183D7F6-B498-43B3-948B-1728B52AA6E4}">
+                    <adec:decorative xmlns:adec="http://schemas.microsoft.com/office/drawing/2017/decorative" val="1"/>
+                  </a:ext>
+                </a:extLst>
+              </p:cNvPr>
+              <p:cNvSpPr/>
+              <p:nvPr>
+                <p:extLst>
+                  <p:ext uri="{386F3935-93C4-4BCD-93E2-E3B085C9AB24}">
+                    <p16:designElem xmlns:p16="http://schemas.microsoft.com/office/powerpoint/2015/main" val="1"/>
+                  </p:ext>
+                </p:extLst>
+              </p:nvPr>
+            </p:nvSpPr>
+            <p:spPr>
+              <a:xfrm>
+                <a:off x="7285577" y="3374517"/>
+                <a:ext cx="10001" cy="190"/>
+              </a:xfrm>
+              <a:custGeom>
+                <a:avLst/>
+                <a:gdLst>
+                  <a:gd name="connsiteX0" fmla="*/ 10001 w 10001"/>
+                  <a:gd name="connsiteY0" fmla="*/ 0 h 190"/>
+                  <a:gd name="connsiteX1" fmla="*/ 0 w 10001"/>
+                  <a:gd name="connsiteY1" fmla="*/ 191 h 190"/>
+                  <a:gd name="connsiteX2" fmla="*/ 10001 w 10001"/>
+                  <a:gd name="connsiteY2" fmla="*/ 0 h 190"/>
+                </a:gdLst>
+                <a:ahLst/>
+                <a:cxnLst>
+                  <a:cxn ang="0">
+                    <a:pos x="connsiteX0" y="connsiteY0"/>
+                  </a:cxn>
+                  <a:cxn ang="0">
+                    <a:pos x="connsiteX1" y="connsiteY1"/>
+                  </a:cxn>
+                  <a:cxn ang="0">
+                    <a:pos x="connsiteX2" y="connsiteY2"/>
+                  </a:cxn>
+                </a:cxnLst>
+                <a:rect l="l" t="t" r="r" b="b"/>
+                <a:pathLst>
+                  <a:path w="10001" h="190">
+                    <a:moveTo>
+                      <a:pt x="10001" y="0"/>
+                    </a:moveTo>
+                    <a:cubicBezTo>
+                      <a:pt x="6953" y="0"/>
+                      <a:pt x="3524" y="95"/>
+                      <a:pt x="0" y="191"/>
+                    </a:cubicBezTo>
+                    <a:cubicBezTo>
+                      <a:pt x="3334" y="191"/>
+                      <a:pt x="6763" y="191"/>
+                      <a:pt x="10001" y="0"/>
+                    </a:cubicBezTo>
+                    <a:close/>
+                  </a:path>
+                </a:pathLst>
+              </a:custGeom>
+              <a:grpFill/>
+              <a:ln w="9525" cap="flat">
+                <a:noFill/>
+                <a:prstDash val="solid"/>
+                <a:miter/>
+              </a:ln>
+            </p:spPr>
+            <p:txBody>
+              <a:bodyPr rtlCol="0" anchor="ctr"/>
+              <a:lstStyle/>
+              <a:p>
+                <a:pPr algn="ctr"/>
+                <a:endParaRPr lang="en-US"/>
+              </a:p>
+            </p:txBody>
+          </p:sp>
+          <p:sp>
+            <p:nvSpPr>
+              <p:cNvPr id="107" name="Graphic 78">
+                <a:extLst>
+                  <a:ext uri="{FF2B5EF4-FFF2-40B4-BE49-F238E27FC236}">
+                    <a16:creationId xmlns:a16="http://schemas.microsoft.com/office/drawing/2014/main" id="{5AB96607-3A57-4F71-87E5-C0D546FEBFB9}"/>
+                  </a:ext>
+                  <a:ext uri="{C183D7F6-B498-43B3-948B-1728B52AA6E4}">
+                    <adec:decorative xmlns:adec="http://schemas.microsoft.com/office/drawing/2017/decorative" val="1"/>
+                  </a:ext>
+                </a:extLst>
+              </p:cNvPr>
+              <p:cNvSpPr/>
+              <p:nvPr>
+                <p:extLst>
+                  <p:ext uri="{386F3935-93C4-4BCD-93E2-E3B085C9AB24}">
+                    <p16:designElem xmlns:p16="http://schemas.microsoft.com/office/powerpoint/2015/main" val="1"/>
+                  </p:ext>
+                </p:extLst>
+              </p:nvPr>
+            </p:nvSpPr>
+            <p:spPr>
+              <a:xfrm>
+                <a:off x="4886709" y="3371754"/>
+                <a:ext cx="2418108" cy="113728"/>
+              </a:xfrm>
+              <a:custGeom>
+                <a:avLst/>
+                <a:gdLst>
+                  <a:gd name="connsiteX0" fmla="*/ 632266 w 2418108"/>
+                  <a:gd name="connsiteY0" fmla="*/ 112205 h 113728"/>
+                  <a:gd name="connsiteX1" fmla="*/ 723039 w 2418108"/>
+                  <a:gd name="connsiteY1" fmla="*/ 109538 h 113728"/>
+                  <a:gd name="connsiteX2" fmla="*/ 735136 w 2418108"/>
+                  <a:gd name="connsiteY2" fmla="*/ 111823 h 113728"/>
+                  <a:gd name="connsiteX3" fmla="*/ 752471 w 2418108"/>
+                  <a:gd name="connsiteY3" fmla="*/ 108680 h 113728"/>
+                  <a:gd name="connsiteX4" fmla="*/ 772569 w 2418108"/>
+                  <a:gd name="connsiteY4" fmla="*/ 110585 h 113728"/>
+                  <a:gd name="connsiteX5" fmla="*/ 1112993 w 2418108"/>
+                  <a:gd name="connsiteY5" fmla="*/ 112967 h 113728"/>
+                  <a:gd name="connsiteX6" fmla="*/ 1083465 w 2418108"/>
+                  <a:gd name="connsiteY6" fmla="*/ 108776 h 113728"/>
+                  <a:gd name="connsiteX7" fmla="*/ 1296825 w 2418108"/>
+                  <a:gd name="connsiteY7" fmla="*/ 108966 h 113728"/>
+                  <a:gd name="connsiteX8" fmla="*/ 1346736 w 2418108"/>
+                  <a:gd name="connsiteY8" fmla="*/ 103632 h 113728"/>
+                  <a:gd name="connsiteX9" fmla="*/ 1360643 w 2418108"/>
+                  <a:gd name="connsiteY9" fmla="*/ 107633 h 113728"/>
+                  <a:gd name="connsiteX10" fmla="*/ 1381788 w 2418108"/>
+                  <a:gd name="connsiteY10" fmla="*/ 107442 h 113728"/>
+                  <a:gd name="connsiteX11" fmla="*/ 1371692 w 2418108"/>
+                  <a:gd name="connsiteY11" fmla="*/ 106490 h 113728"/>
+                  <a:gd name="connsiteX12" fmla="*/ 1430080 w 2418108"/>
+                  <a:gd name="connsiteY12" fmla="*/ 105537 h 113728"/>
+                  <a:gd name="connsiteX13" fmla="*/ 1420269 w 2418108"/>
+                  <a:gd name="connsiteY13" fmla="*/ 104108 h 113728"/>
+                  <a:gd name="connsiteX14" fmla="*/ 1455702 w 2418108"/>
+                  <a:gd name="connsiteY14" fmla="*/ 107061 h 113728"/>
+                  <a:gd name="connsiteX15" fmla="*/ 1439414 w 2418108"/>
+                  <a:gd name="connsiteY15" fmla="*/ 108109 h 113728"/>
+                  <a:gd name="connsiteX16" fmla="*/ 1503613 w 2418108"/>
+                  <a:gd name="connsiteY16" fmla="*/ 105918 h 113728"/>
+                  <a:gd name="connsiteX17" fmla="*/ 1495802 w 2418108"/>
+                  <a:gd name="connsiteY17" fmla="*/ 105823 h 113728"/>
+                  <a:gd name="connsiteX18" fmla="*/ 1695923 w 2418108"/>
+                  <a:gd name="connsiteY18" fmla="*/ 95155 h 113728"/>
+                  <a:gd name="connsiteX19" fmla="*/ 1684016 w 2418108"/>
+                  <a:gd name="connsiteY19" fmla="*/ 92488 h 113728"/>
+                  <a:gd name="connsiteX20" fmla="*/ 1706210 w 2418108"/>
+                  <a:gd name="connsiteY20" fmla="*/ 90202 h 113728"/>
+                  <a:gd name="connsiteX21" fmla="*/ 1693351 w 2418108"/>
+                  <a:gd name="connsiteY21" fmla="*/ 98108 h 113728"/>
+                  <a:gd name="connsiteX22" fmla="*/ 2058539 w 2418108"/>
+                  <a:gd name="connsiteY22" fmla="*/ 102203 h 113728"/>
+                  <a:gd name="connsiteX23" fmla="*/ 2064540 w 2418108"/>
+                  <a:gd name="connsiteY23" fmla="*/ 95060 h 113728"/>
+                  <a:gd name="connsiteX24" fmla="*/ 2227132 w 2418108"/>
+                  <a:gd name="connsiteY24" fmla="*/ 96203 h 113728"/>
+                  <a:gd name="connsiteX25" fmla="*/ 2245229 w 2418108"/>
+                  <a:gd name="connsiteY25" fmla="*/ 96869 h 113728"/>
+                  <a:gd name="connsiteX26" fmla="*/ 2254278 w 2418108"/>
+                  <a:gd name="connsiteY26" fmla="*/ 94393 h 113728"/>
+                  <a:gd name="connsiteX27" fmla="*/ 2418108 w 2418108"/>
+                  <a:gd name="connsiteY27" fmla="*/ 5810 h 113728"/>
+                  <a:gd name="connsiteX28" fmla="*/ 2399058 w 2418108"/>
+                  <a:gd name="connsiteY28" fmla="*/ 2858 h 113728"/>
+                  <a:gd name="connsiteX29" fmla="*/ 2241039 w 2418108"/>
+                  <a:gd name="connsiteY29" fmla="*/ 1905 h 113728"/>
+                  <a:gd name="connsiteX30" fmla="*/ 2243991 w 2418108"/>
+                  <a:gd name="connsiteY30" fmla="*/ 1048 h 113728"/>
+                  <a:gd name="connsiteX31" fmla="*/ 2197128 w 2418108"/>
+                  <a:gd name="connsiteY31" fmla="*/ 0 h 113728"/>
+                  <a:gd name="connsiteX32" fmla="*/ 1710591 w 2418108"/>
+                  <a:gd name="connsiteY32" fmla="*/ 6287 h 113728"/>
+                  <a:gd name="connsiteX33" fmla="*/ 1713353 w 2418108"/>
+                  <a:gd name="connsiteY33" fmla="*/ 5906 h 113728"/>
+                  <a:gd name="connsiteX34" fmla="*/ 1210814 w 2418108"/>
+                  <a:gd name="connsiteY34" fmla="*/ 7715 h 113728"/>
+                  <a:gd name="connsiteX35" fmla="*/ 684463 w 2418108"/>
+                  <a:gd name="connsiteY35" fmla="*/ 13716 h 113728"/>
+                  <a:gd name="connsiteX36" fmla="*/ 687511 w 2418108"/>
+                  <a:gd name="connsiteY36" fmla="*/ 12859 h 113728"/>
+                  <a:gd name="connsiteX37" fmla="*/ 435670 w 2418108"/>
+                  <a:gd name="connsiteY37" fmla="*/ 12192 h 113728"/>
+                  <a:gd name="connsiteX38" fmla="*/ 440718 w 2418108"/>
+                  <a:gd name="connsiteY38" fmla="*/ 12668 h 113728"/>
+                  <a:gd name="connsiteX39" fmla="*/ 386807 w 2418108"/>
+                  <a:gd name="connsiteY39" fmla="*/ 9906 h 113728"/>
+                  <a:gd name="connsiteX40" fmla="*/ 16856 w 2418108"/>
+                  <a:gd name="connsiteY40" fmla="*/ 12192 h 113728"/>
+                  <a:gd name="connsiteX41" fmla="*/ 63528 w 2418108"/>
+                  <a:gd name="connsiteY41" fmla="*/ 102870 h 113728"/>
+                  <a:gd name="connsiteX42" fmla="*/ 42668 w 2418108"/>
+                  <a:gd name="connsiteY42" fmla="*/ 102584 h 113728"/>
+                  <a:gd name="connsiteX43" fmla="*/ 41430 w 2418108"/>
+                  <a:gd name="connsiteY43" fmla="*/ 105537 h 113728"/>
+                  <a:gd name="connsiteX44" fmla="*/ 54575 w 2418108"/>
+                  <a:gd name="connsiteY44" fmla="*/ 105347 h 113728"/>
+                  <a:gd name="connsiteX45" fmla="*/ 388140 w 2418108"/>
+                  <a:gd name="connsiteY45" fmla="*/ 112109 h 113728"/>
+                  <a:gd name="connsiteX46" fmla="*/ 482152 w 2418108"/>
+                  <a:gd name="connsiteY46" fmla="*/ 113729 h 113728"/>
+                  <a:gd name="connsiteX47" fmla="*/ 632266 w 2418108"/>
+                  <a:gd name="connsiteY47" fmla="*/ 112205 h 113728"/>
+                </a:gdLst>
+                <a:ahLst/>
+                <a:cxnLst>
+                  <a:cxn ang="0">
+                    <a:pos x="connsiteX0" y="connsiteY0"/>
+                  </a:cxn>
+                  <a:cxn ang="0">
+                    <a:pos x="connsiteX1" y="connsiteY1"/>
+                  </a:cxn>
+                  <a:cxn ang="0">
+                    <a:pos x="connsiteX2" y="connsiteY2"/>
+                  </a:cxn>
+                  <a:cxn ang="0">
+                    <a:pos x="connsiteX3" y="connsiteY3"/>
+                  </a:cxn>
+                  <a:cxn ang="0">
+                    <a:pos x="connsiteX4" y="connsiteY4"/>
+                  </a:cxn>
+                  <a:cxn ang="0">
+                    <a:pos x="connsiteX5" y="connsiteY5"/>
+                  </a:cxn>
+                  <a:cxn ang="0">
+                    <a:pos x="connsiteX6" y="connsiteY6"/>
+                  </a:cxn>
+                  <a:cxn ang="0">
+                    <a:pos x="connsiteX7" y="connsiteY7"/>
+                  </a:cxn>
+                  <a:cxn ang="0">
+                    <a:pos x="connsiteX8" y="connsiteY8"/>
+                  </a:cxn>
+                  <a:cxn ang="0">
+                    <a:pos x="connsiteX9" y="connsiteY9"/>
+                  </a:cxn>
+                  <a:cxn ang="0">
+                    <a:pos x="connsiteX10" y="connsiteY10"/>
+                  </a:cxn>
+                  <a:cxn ang="0">
+                    <a:pos x="connsiteX11" y="connsiteY11"/>
+                  </a:cxn>
+                  <a:cxn ang="0">
+                    <a:pos x="connsiteX12" y="connsiteY12"/>
+                  </a:cxn>
+                  <a:cxn ang="0">
+                    <a:pos x="connsiteX13" y="connsiteY13"/>
+                  </a:cxn>
+                  <a:cxn ang="0">
+                    <a:pos x="connsiteX14" y="connsiteY14"/>
+                  </a:cxn>
+                  <a:cxn ang="0">
+                    <a:pos x="connsiteX15" y="connsiteY15"/>
+                  </a:cxn>
+                  <a:cxn ang="0">
+                    <a:pos x="connsiteX16" y="connsiteY16"/>
+                  </a:cxn>
+                  <a:cxn ang="0">
+                    <a:pos x="connsiteX17" y="connsiteY17"/>
+                  </a:cxn>
+                  <a:cxn ang="0">
+                    <a:pos x="connsiteX18" y="connsiteY18"/>
+                  </a:cxn>
+                  <a:cxn ang="0">
+                    <a:pos x="connsiteX19" y="connsiteY19"/>
+                  </a:cxn>
+                  <a:cxn ang="0">
+                    <a:pos x="connsiteX20" y="connsiteY20"/>
+                  </a:cxn>
+                  <a:cxn ang="0">
+                    <a:pos x="connsiteX21" y="connsiteY21"/>
+                  </a:cxn>
+                  <a:cxn ang="0">
+                    <a:pos x="connsiteX22" y="connsiteY22"/>
+                  </a:cxn>
+                  <a:cxn ang="0">
+                    <a:pos x="connsiteX23" y="connsiteY23"/>
+                  </a:cxn>
+                  <a:cxn ang="0">
+                    <a:pos x="connsiteX24" y="connsiteY24"/>
+                  </a:cxn>
+                  <a:cxn ang="0">
+                    <a:pos x="connsiteX25" y="connsiteY25"/>
+                  </a:cxn>
+                  <a:cxn ang="0">
+                    <a:pos x="connsiteX26" y="connsiteY26"/>
+                  </a:cxn>
+                  <a:cxn ang="0">
+                    <a:pos x="connsiteX27" y="connsiteY27"/>
+                  </a:cxn>
+                  <a:cxn ang="0">
+                    <a:pos x="connsiteX28" y="connsiteY28"/>
+                  </a:cxn>
+                  <a:cxn ang="0">
+                    <a:pos x="connsiteX29" y="connsiteY29"/>
+                  </a:cxn>
+                  <a:cxn ang="0">
+                    <a:pos x="connsiteX30" y="connsiteY30"/>
+                  </a:cxn>
+                  <a:cxn ang="0">
+                    <a:pos x="connsiteX31" y="connsiteY31"/>
+                  </a:cxn>
+                  <a:cxn ang="0">
+                    <a:pos x="connsiteX32" y="connsiteY32"/>
+                  </a:cxn>
+                  <a:cxn ang="0">
+                    <a:pos x="connsiteX33" y="connsiteY33"/>
+                  </a:cxn>
+                  <a:cxn ang="0">
+                    <a:pos x="connsiteX34" y="connsiteY34"/>
+                  </a:cxn>
+                  <a:cxn ang="0">
+                    <a:pos x="connsiteX35" y="connsiteY35"/>
+                  </a:cxn>
+                  <a:cxn ang="0">
+                    <a:pos x="connsiteX36" y="connsiteY36"/>
+                  </a:cxn>
+                  <a:cxn ang="0">
+                    <a:pos x="connsiteX37" y="connsiteY37"/>
+                  </a:cxn>
+                  <a:cxn ang="0">
+                    <a:pos x="connsiteX38" y="connsiteY38"/>
+                  </a:cxn>
+                  <a:cxn ang="0">
+                    <a:pos x="connsiteX39" y="connsiteY39"/>
+                  </a:cxn>
+                  <a:cxn ang="0">
+                    <a:pos x="connsiteX40" y="connsiteY40"/>
+                  </a:cxn>
+                  <a:cxn ang="0">
+                    <a:pos x="connsiteX41" y="connsiteY41"/>
+                  </a:cxn>
+                  <a:cxn ang="0">
+                    <a:pos x="connsiteX42" y="connsiteY42"/>
+                  </a:cxn>
+                  <a:cxn ang="0">
+                    <a:pos x="connsiteX43" y="connsiteY43"/>
+                  </a:cxn>
+                  <a:cxn ang="0">
+                    <a:pos x="connsiteX44" y="connsiteY44"/>
+                  </a:cxn>
+                  <a:cxn ang="0">
+                    <a:pos x="connsiteX45" y="connsiteY45"/>
+                  </a:cxn>
+                  <a:cxn ang="0">
+                    <a:pos x="connsiteX46" y="connsiteY46"/>
+                  </a:cxn>
+                  <a:cxn ang="0">
+                    <a:pos x="connsiteX47" y="connsiteY47"/>
+                  </a:cxn>
+                </a:cxnLst>
+                <a:rect l="l" t="t" r="r" b="b"/>
+                <a:pathLst>
+                  <a:path w="2418108" h="113728">
+                    <a:moveTo>
+                      <a:pt x="632266" y="112205"/>
+                    </a:moveTo>
+                    <a:cubicBezTo>
+                      <a:pt x="656364" y="104680"/>
+                      <a:pt x="694940" y="114110"/>
+                      <a:pt x="723039" y="109538"/>
+                    </a:cubicBezTo>
+                    <a:cubicBezTo>
+                      <a:pt x="722849" y="109919"/>
+                      <a:pt x="735898" y="110109"/>
+                      <a:pt x="735136" y="111823"/>
+                    </a:cubicBezTo>
+                    <a:cubicBezTo>
+                      <a:pt x="735041" y="108776"/>
+                      <a:pt x="767616" y="112300"/>
+                      <a:pt x="752471" y="108680"/>
+                    </a:cubicBezTo>
+                    <a:cubicBezTo>
+                      <a:pt x="754757" y="107633"/>
+                      <a:pt x="790571" y="107633"/>
+                      <a:pt x="772569" y="110585"/>
+                    </a:cubicBezTo>
+                    <a:cubicBezTo>
+                      <a:pt x="822099" y="111633"/>
+                      <a:pt x="1059653" y="114395"/>
+                      <a:pt x="1112993" y="112967"/>
+                    </a:cubicBezTo>
+                    <a:cubicBezTo>
+                      <a:pt x="1106135" y="110776"/>
+                      <a:pt x="1089656" y="112205"/>
+                      <a:pt x="1083465" y="108776"/>
+                    </a:cubicBezTo>
+                    <a:cubicBezTo>
+                      <a:pt x="1153950" y="111728"/>
+                      <a:pt x="1230626" y="113157"/>
+                      <a:pt x="1296825" y="108966"/>
+                    </a:cubicBezTo>
+                    <a:cubicBezTo>
+                      <a:pt x="1277680" y="103251"/>
+                      <a:pt x="1356071" y="110966"/>
+                      <a:pt x="1346736" y="103632"/>
+                    </a:cubicBezTo>
+                    <a:cubicBezTo>
+                      <a:pt x="1351213" y="105347"/>
+                      <a:pt x="1374454" y="106109"/>
+                      <a:pt x="1360643" y="107633"/>
+                    </a:cubicBezTo>
+                    <a:cubicBezTo>
+                      <a:pt x="1368548" y="107728"/>
+                      <a:pt x="1376168" y="108299"/>
+                      <a:pt x="1381788" y="107442"/>
+                    </a:cubicBezTo>
+                    <a:lnTo>
+                      <a:pt x="1371692" y="106490"/>
+                    </a:lnTo>
+                    <a:cubicBezTo>
+                      <a:pt x="1398266" y="106013"/>
+                      <a:pt x="1412744" y="108680"/>
+                      <a:pt x="1430080" y="105537"/>
+                    </a:cubicBezTo>
+                    <a:lnTo>
+                      <a:pt x="1420269" y="104108"/>
+                    </a:lnTo>
+                    <a:cubicBezTo>
+                      <a:pt x="1436176" y="103918"/>
+                      <a:pt x="1449416" y="103632"/>
+                      <a:pt x="1455702" y="107061"/>
+                    </a:cubicBezTo>
+                    <a:lnTo>
+                      <a:pt x="1439414" y="108109"/>
+                    </a:lnTo>
+                    <a:cubicBezTo>
+                      <a:pt x="1465799" y="108014"/>
+                      <a:pt x="1481610" y="107823"/>
+                      <a:pt x="1503613" y="105918"/>
+                    </a:cubicBezTo>
+                    <a:lnTo>
+                      <a:pt x="1495802" y="105823"/>
+                    </a:lnTo>
+                    <a:cubicBezTo>
+                      <a:pt x="1523806" y="102394"/>
+                      <a:pt x="1670110" y="99441"/>
+                      <a:pt x="1695923" y="95155"/>
+                    </a:cubicBezTo>
+                    <a:lnTo>
+                      <a:pt x="1684016" y="92488"/>
+                    </a:lnTo>
+                    <a:lnTo>
+                      <a:pt x="1706210" y="90202"/>
+                    </a:lnTo>
+                    <a:cubicBezTo>
+                      <a:pt x="1703543" y="90202"/>
+                      <a:pt x="1695542" y="98965"/>
+                      <a:pt x="1693351" y="98108"/>
+                    </a:cubicBezTo>
+                    <a:cubicBezTo>
+                      <a:pt x="1757549" y="99441"/>
+                      <a:pt x="2045109" y="91345"/>
+                      <a:pt x="2058539" y="102203"/>
+                    </a:cubicBezTo>
+                    <a:cubicBezTo>
+                      <a:pt x="2079780" y="101917"/>
+                      <a:pt x="2071303" y="103918"/>
+                      <a:pt x="2064540" y="95060"/>
+                    </a:cubicBezTo>
+                    <a:cubicBezTo>
+                      <a:pt x="2086638" y="95441"/>
+                      <a:pt x="2259707" y="88773"/>
+                      <a:pt x="2227132" y="96203"/>
+                    </a:cubicBezTo>
+                    <a:cubicBezTo>
+                      <a:pt x="2232371" y="96298"/>
+                      <a:pt x="2240372" y="95917"/>
+                      <a:pt x="2245229" y="96869"/>
+                    </a:cubicBezTo>
+                    <a:cubicBezTo>
+                      <a:pt x="2235704" y="94583"/>
+                      <a:pt x="2261708" y="95345"/>
+                      <a:pt x="2254278" y="94393"/>
+                    </a:cubicBezTo>
+                    <a:cubicBezTo>
+                      <a:pt x="2395724" y="108776"/>
+                      <a:pt x="2341527" y="36576"/>
+                      <a:pt x="2418108" y="5810"/>
+                    </a:cubicBezTo>
+                    <a:cubicBezTo>
+                      <a:pt x="2398772" y="4763"/>
+                      <a:pt x="2335717" y="7239"/>
+                      <a:pt x="2399058" y="2858"/>
+                    </a:cubicBezTo>
+                    <a:cubicBezTo>
+                      <a:pt x="2343527" y="-572"/>
+                      <a:pt x="2296283" y="1238"/>
+                      <a:pt x="2241039" y="1905"/>
+                    </a:cubicBezTo>
+                    <a:lnTo>
+                      <a:pt x="2243991" y="1048"/>
+                    </a:lnTo>
+                    <a:cubicBezTo>
+                      <a:pt x="2234181" y="-381"/>
+                      <a:pt x="2214845" y="1524"/>
+                      <a:pt x="2197128" y="0"/>
+                    </a:cubicBezTo>
+                    <a:cubicBezTo>
+                      <a:pt x="2115880" y="6096"/>
+                      <a:pt x="1816128" y="3524"/>
+                      <a:pt x="1710591" y="6287"/>
+                    </a:cubicBezTo>
+                    <a:lnTo>
+                      <a:pt x="1713353" y="5906"/>
+                    </a:lnTo>
+                    <a:cubicBezTo>
+                      <a:pt x="1577146" y="5429"/>
+                      <a:pt x="1349308" y="11240"/>
+                      <a:pt x="1210814" y="7715"/>
+                    </a:cubicBezTo>
+                    <a:cubicBezTo>
+                      <a:pt x="1095848" y="23717"/>
+                      <a:pt x="819051" y="5429"/>
+                      <a:pt x="684463" y="13716"/>
+                    </a:cubicBezTo>
+                    <a:lnTo>
+                      <a:pt x="687511" y="12859"/>
+                    </a:lnTo>
+                    <a:cubicBezTo>
+                      <a:pt x="655316" y="14192"/>
+                      <a:pt x="473008" y="10954"/>
+                      <a:pt x="435670" y="12192"/>
+                    </a:cubicBezTo>
+                    <a:lnTo>
+                      <a:pt x="440718" y="12668"/>
+                    </a:lnTo>
+                    <a:cubicBezTo>
+                      <a:pt x="408047" y="14764"/>
+                      <a:pt x="412524" y="11049"/>
+                      <a:pt x="386807" y="9906"/>
+                    </a:cubicBezTo>
+                    <a:cubicBezTo>
+                      <a:pt x="275174" y="28004"/>
+                      <a:pt x="142395" y="18764"/>
+                      <a:pt x="16856" y="12192"/>
+                    </a:cubicBezTo>
+                    <a:cubicBezTo>
+                      <a:pt x="-6195" y="35528"/>
+                      <a:pt x="-17434" y="114395"/>
+                      <a:pt x="63528" y="102870"/>
+                    </a:cubicBezTo>
+                    <a:cubicBezTo>
+                      <a:pt x="63528" y="102870"/>
+                      <a:pt x="42668" y="102584"/>
+                      <a:pt x="42668" y="102584"/>
+                    </a:cubicBezTo>
+                    <a:cubicBezTo>
+                      <a:pt x="58004" y="103156"/>
+                      <a:pt x="47336" y="104299"/>
+                      <a:pt x="41430" y="105537"/>
+                    </a:cubicBezTo>
+                    <a:cubicBezTo>
+                      <a:pt x="46764" y="105537"/>
+                      <a:pt x="68386" y="107442"/>
+                      <a:pt x="54575" y="105347"/>
+                    </a:cubicBezTo>
+                    <a:cubicBezTo>
+                      <a:pt x="158588" y="108109"/>
+                      <a:pt x="297462" y="110109"/>
+                      <a:pt x="388140" y="112109"/>
+                    </a:cubicBezTo>
+                    <a:cubicBezTo>
+                      <a:pt x="420525" y="113348"/>
+                      <a:pt x="453577" y="106680"/>
+                      <a:pt x="482152" y="113729"/>
+                    </a:cubicBezTo>
+                    <a:cubicBezTo>
+                      <a:pt x="477580" y="111919"/>
+                      <a:pt x="629885" y="111728"/>
+                      <a:pt x="632266" y="112205"/>
+                    </a:cubicBezTo>
+                    <a:close/>
+                  </a:path>
+                </a:pathLst>
+              </a:custGeom>
+              <a:grpFill/>
+              <a:ln w="9525" cap="flat">
+                <a:noFill/>
+                <a:prstDash val="solid"/>
+                <a:miter/>
+              </a:ln>
+            </p:spPr>
+            <p:txBody>
+              <a:bodyPr rtlCol="0" anchor="ctr"/>
+              <a:lstStyle/>
+              <a:p>
+                <a:pPr algn="ctr"/>
+                <a:endParaRPr lang="en-US"/>
+              </a:p>
+            </p:txBody>
+          </p:sp>
+        </p:grpSp>
+      </p:grpSp>
+      <p:pic>
+        <p:nvPicPr>
+          <p:cNvPr id="11" name="Content Placeholder 10" descr="Chart&#10;&#10;Description automatically generated">
+            <a:extLst>
+              <a:ext uri="{FF2B5EF4-FFF2-40B4-BE49-F238E27FC236}">
+                <a16:creationId xmlns:a16="http://schemas.microsoft.com/office/drawing/2014/main" id="{33FE92F6-1098-FF4D-97B5-1A819092EFB0}"/>
+              </a:ext>
+            </a:extLst>
+          </p:cNvPr>
+          <p:cNvPicPr>
+            <a:picLocks noGrp="1" noChangeAspect="1"/>
+          </p:cNvPicPr>
+          <p:nvPr>
+            <p:ph idx="1"/>
+          </p:nvPr>
+        </p:nvPicPr>
+        <p:blipFill>
+          <a:blip r:embed="rId2">
+            <a:extLst>
+              <a:ext uri="{28A0092B-C50C-407E-A947-70E740481C1C}">
+                <a14:useLocalDpi xmlns:a14="http://schemas.microsoft.com/office/drawing/2010/main" val="0"/>
+              </a:ext>
+            </a:extLst>
+          </a:blip>
+          <a:stretch>
+            <a:fillRect/>
+          </a:stretch>
+        </p:blipFill>
+        <p:spPr>
+          <a:xfrm>
+            <a:off x="5054807" y="740560"/>
+            <a:ext cx="3196691" cy="5061048"/>
+          </a:xfrm>
+          <a:prstGeom prst="rect">
+            <a:avLst/>
+          </a:prstGeom>
+        </p:spPr>
+      </p:pic>
+      <p:pic>
+        <p:nvPicPr>
+          <p:cNvPr id="5" name="Content Placeholder 4" descr="Chart, histogram&#10;&#10;Description automatically generated">
+            <a:extLst>
+              <a:ext uri="{FF2B5EF4-FFF2-40B4-BE49-F238E27FC236}">
+                <a16:creationId xmlns:a16="http://schemas.microsoft.com/office/drawing/2014/main" id="{8EF2A333-CD44-8044-87BB-8BBAB7C393D7}"/>
+              </a:ext>
+            </a:extLst>
+          </p:cNvPr>
+          <p:cNvPicPr>
+            <a:picLocks noChangeAspect="1"/>
+          </p:cNvPicPr>
+          <p:nvPr/>
+        </p:nvPicPr>
+        <p:blipFill rotWithShape="1">
+          <a:blip r:embed="rId3">
+            <a:extLst>
+              <a:ext uri="{28A0092B-C50C-407E-A947-70E740481C1C}">
+                <a14:useLocalDpi xmlns:a14="http://schemas.microsoft.com/office/drawing/2010/main" val="0"/>
+              </a:ext>
+            </a:extLst>
+          </a:blip>
+          <a:srcRect l="18014" r="12856" b="-3"/>
+          <a:stretch/>
+        </p:blipFill>
+        <p:spPr>
+          <a:xfrm>
+            <a:off x="8624800" y="506941"/>
+            <a:ext cx="2789969" cy="2716694"/>
+          </a:xfrm>
+          <a:prstGeom prst="rect">
+            <a:avLst/>
+          </a:prstGeom>
+        </p:spPr>
+      </p:pic>
+      <p:pic>
+        <p:nvPicPr>
+          <p:cNvPr id="9" name="Picture 8" descr="Chart, histogram&#10;&#10;Description automatically generated">
+            <a:extLst>
+              <a:ext uri="{FF2B5EF4-FFF2-40B4-BE49-F238E27FC236}">
+                <a16:creationId xmlns:a16="http://schemas.microsoft.com/office/drawing/2014/main" id="{E9A8A139-45B2-0142-9776-4C889DC98FFF}"/>
+              </a:ext>
+            </a:extLst>
+          </p:cNvPr>
+          <p:cNvPicPr>
+            <a:picLocks noChangeAspect="1"/>
+          </p:cNvPicPr>
+          <p:nvPr/>
+        </p:nvPicPr>
+        <p:blipFill rotWithShape="1">
+          <a:blip r:embed="rId4">
+            <a:extLst>
+              <a:ext uri="{28A0092B-C50C-407E-A947-70E740481C1C}">
+                <a14:useLocalDpi xmlns:a14="http://schemas.microsoft.com/office/drawing/2010/main" val="0"/>
+              </a:ext>
+            </a:extLst>
+          </a:blip>
+          <a:srcRect t="13455" r="2" b="2"/>
+          <a:stretch/>
+        </p:blipFill>
+        <p:spPr>
+          <a:xfrm>
+            <a:off x="8459236" y="3903653"/>
+            <a:ext cx="3192820" cy="2019895"/>
+          </a:xfrm>
+          <a:prstGeom prst="rect">
+            <a:avLst/>
+          </a:prstGeom>
+        </p:spPr>
+      </p:pic>
+      <p:sp>
+        <p:nvSpPr>
+          <p:cNvPr id="109" name="Freeform: Shape 108">
+            <a:extLst>
+              <a:ext uri="{FF2B5EF4-FFF2-40B4-BE49-F238E27FC236}">
+                <a16:creationId xmlns:a16="http://schemas.microsoft.com/office/drawing/2014/main" id="{286E5E1D-FD49-448F-83C8-E06466BE54BB}"/>
+              </a:ext>
+              <a:ext uri="{C183D7F6-B498-43B3-948B-1728B52AA6E4}">
+                <adec:decorative xmlns:adec="http://schemas.microsoft.com/office/drawing/2017/decorative" val="1"/>
+              </a:ext>
+            </a:extLst>
+          </p:cNvPr>
+          <p:cNvSpPr>
+            <a:spLocks noGrp="1" noRot="1" noChangeAspect="1" noMove="1" noResize="1" noEditPoints="1" noAdjustHandles="1" noChangeArrowheads="1" noChangeShapeType="1" noTextEdit="1"/>
+          </p:cNvSpPr>
+          <p:nvPr>
+            <p:extLst>
+              <p:ext uri="{386F3935-93C4-4BCD-93E2-E3B085C9AB24}">
+                <p16:designElem xmlns:p16="http://schemas.microsoft.com/office/powerpoint/2015/main" val="1"/>
+              </p:ext>
+            </p:extLst>
+          </p:nvPr>
+        </p:nvSpPr>
+        <p:spPr>
+          <a:xfrm flipH="1">
+            <a:off x="7899042" y="5608708"/>
+            <a:ext cx="4292956" cy="1249292"/>
+          </a:xfrm>
+          <a:custGeom>
+            <a:avLst/>
+            <a:gdLst>
+              <a:gd name="connsiteX0" fmla="*/ 0 w 4238069"/>
+              <a:gd name="connsiteY0" fmla="*/ 0 h 1903025"/>
+              <a:gd name="connsiteX1" fmla="*/ 113310 w 4238069"/>
+              <a:gd name="connsiteY1" fmla="*/ 8960 h 1903025"/>
+              <a:gd name="connsiteX2" fmla="*/ 291503 w 4238069"/>
+              <a:gd name="connsiteY2" fmla="*/ 37000 h 1903025"/>
+              <a:gd name="connsiteX3" fmla="*/ 3082930 w 4238069"/>
+              <a:gd name="connsiteY3" fmla="*/ 1104916 h 1903025"/>
+              <a:gd name="connsiteX4" fmla="*/ 3881548 w 4238069"/>
+              <a:gd name="connsiteY4" fmla="*/ 1668276 h 1903025"/>
+              <a:gd name="connsiteX5" fmla="*/ 4238069 w 4238069"/>
+              <a:gd name="connsiteY5" fmla="*/ 1903025 h 1903025"/>
+              <a:gd name="connsiteX6" fmla="*/ 0 w 4238069"/>
+              <a:gd name="connsiteY6" fmla="*/ 1903025 h 1903025"/>
+            </a:gdLst>
+            <a:ahLst/>
+            <a:cxnLst>
+              <a:cxn ang="0">
+                <a:pos x="connsiteX0" y="connsiteY0"/>
+              </a:cxn>
+              <a:cxn ang="0">
+                <a:pos x="connsiteX1" y="connsiteY1"/>
+              </a:cxn>
+              <a:cxn ang="0">
+                <a:pos x="connsiteX2" y="connsiteY2"/>
+              </a:cxn>
+              <a:cxn ang="0">
+                <a:pos x="connsiteX3" y="connsiteY3"/>
+              </a:cxn>
+              <a:cxn ang="0">
+                <a:pos x="connsiteX4" y="connsiteY4"/>
+              </a:cxn>
+              <a:cxn ang="0">
+                <a:pos x="connsiteX5" y="connsiteY5"/>
+              </a:cxn>
+              <a:cxn ang="0">
+                <a:pos x="connsiteX6" y="connsiteY6"/>
+              </a:cxn>
+            </a:cxnLst>
+            <a:rect l="l" t="t" r="r" b="b"/>
+            <a:pathLst>
+              <a:path w="4238069" h="1903025">
+                <a:moveTo>
+                  <a:pt x="0" y="0"/>
+                </a:moveTo>
+                <a:lnTo>
+                  <a:pt x="113310" y="8960"/>
+                </a:lnTo>
+                <a:cubicBezTo>
+                  <a:pt x="173365" y="16155"/>
+                  <a:pt x="232870" y="25632"/>
+                  <a:pt x="291503" y="37000"/>
+                </a:cubicBezTo>
+                <a:cubicBezTo>
+                  <a:pt x="1250780" y="222537"/>
+                  <a:pt x="2264787" y="499636"/>
+                  <a:pt x="3082930" y="1104916"/>
+                </a:cubicBezTo>
+                <a:cubicBezTo>
+                  <a:pt x="3348371" y="1301283"/>
+                  <a:pt x="3614239" y="1488349"/>
+                  <a:pt x="3881548" y="1668276"/>
+                </a:cubicBezTo>
+                <a:lnTo>
+                  <a:pt x="4238069" y="1903025"/>
+                </a:lnTo>
+                <a:lnTo>
+                  <a:pt x="0" y="1903025"/>
+                </a:lnTo>
+                <a:close/>
+              </a:path>
+            </a:pathLst>
+          </a:custGeom>
+          <a:solidFill>
+            <a:schemeClr val="accent6">
+              <a:lumMod val="20000"/>
+              <a:lumOff val="80000"/>
+            </a:schemeClr>
+          </a:solidFill>
+          <a:ln>
+            <a:noFill/>
+          </a:ln>
+        </p:spPr>
+        <p:style>
+          <a:lnRef idx="2">
+            <a:schemeClr val="accent1">
+              <a:shade val="50000"/>
+            </a:schemeClr>
+          </a:lnRef>
+          <a:fillRef idx="1">
+            <a:schemeClr val="accent1"/>
+          </a:fillRef>
+          <a:effectRef idx="0">
+            <a:schemeClr val="accent1"/>
+          </a:effectRef>
+          <a:fontRef idx="minor">
+            <a:schemeClr val="lt1"/>
+          </a:fontRef>
+        </p:style>
+        <p:txBody>
+          <a:bodyPr wrap="square" rtlCol="0" anchor="ctr">
+            <a:noAutofit/>
+          </a:bodyPr>
+          <a:lstStyle/>
+          <a:p>
+            <a:pPr algn="ctr"/>
+            <a:endParaRPr lang="en-US"/>
+          </a:p>
+        </p:txBody>
+      </p:sp>
+      <p:grpSp>
+        <p:nvGrpSpPr>
+          <p:cNvPr id="111" name="Group 110">
+            <a:extLst>
+              <a:ext uri="{FF2B5EF4-FFF2-40B4-BE49-F238E27FC236}">
+                <a16:creationId xmlns:a16="http://schemas.microsoft.com/office/drawing/2014/main" id="{D82E7BA0-A7BA-4C61-9D6F-5345A540569F}"/>
+              </a:ext>
+              <a:ext uri="{C183D7F6-B498-43B3-948B-1728B52AA6E4}">
+                <adec:decorative xmlns:adec="http://schemas.microsoft.com/office/drawing/2017/decorative" val="1"/>
+              </a:ext>
+            </a:extLst>
+          </p:cNvPr>
+          <p:cNvGrpSpPr>
+            <a:grpSpLocks noGrp="1" noUngrp="1" noRot="1" noChangeAspect="1" noMove="1" noResize="1"/>
+          </p:cNvGrpSpPr>
+          <p:nvPr>
+            <p:extLst>
+              <p:ext uri="{386F3935-93C4-4BCD-93E2-E3B085C9AB24}">
+                <p16:designElem xmlns:p16="http://schemas.microsoft.com/office/powerpoint/2015/main" val="1"/>
+              </p:ext>
+            </p:extLst>
+          </p:nvPr>
+        </p:nvGrpSpPr>
+        <p:grpSpPr>
+          <a:xfrm flipH="1">
+            <a:off x="8447993" y="5742897"/>
+            <a:ext cx="886141" cy="802496"/>
+            <a:chOff x="10948005" y="3272152"/>
+            <a:chExt cx="868640" cy="786648"/>
+          </a:xfrm>
+          <a:solidFill>
+            <a:schemeClr val="accent6"/>
+          </a:solidFill>
+        </p:grpSpPr>
+        <p:sp>
+          <p:nvSpPr>
+            <p:cNvPr id="112" name="Freeform: Shape 111">
+              <a:extLst>
+                <a:ext uri="{FF2B5EF4-FFF2-40B4-BE49-F238E27FC236}">
+                  <a16:creationId xmlns:a16="http://schemas.microsoft.com/office/drawing/2014/main" id="{B5369E81-3115-4284-995E-F753EB421CD0}"/>
+                </a:ext>
+                <a:ext uri="{C183D7F6-B498-43B3-948B-1728B52AA6E4}">
+                  <adec:decorative xmlns:adec="http://schemas.microsoft.com/office/drawing/2017/decorative" val="1"/>
+                </a:ext>
+              </a:extLst>
+            </p:cNvPr>
+            <p:cNvSpPr/>
+            <p:nvPr>
+              <p:extLst>
+                <p:ext uri="{386F3935-93C4-4BCD-93E2-E3B085C9AB24}">
+                  <p16:designElem xmlns:p16="http://schemas.microsoft.com/office/powerpoint/2015/main" val="1"/>
+                </p:ext>
+              </p:extLst>
+            </p:nvPr>
+          </p:nvSpPr>
+          <p:spPr>
+            <a:xfrm>
+              <a:off x="11194317" y="3944888"/>
+              <a:ext cx="128449" cy="113912"/>
+            </a:xfrm>
+            <a:custGeom>
+              <a:avLst/>
+              <a:gdLst>
+                <a:gd name="connsiteX0" fmla="*/ 237621 w 453152"/>
+                <a:gd name="connsiteY0" fmla="*/ 965 h 401867"/>
+                <a:gd name="connsiteX1" fmla="*/ 370246 w 453152"/>
+                <a:gd name="connsiteY1" fmla="*/ 23666 h 401867"/>
+                <a:gd name="connsiteX2" fmla="*/ 437392 w 453152"/>
+                <a:gd name="connsiteY2" fmla="*/ 198545 h 401867"/>
+                <a:gd name="connsiteX3" fmla="*/ 67745 w 453152"/>
+                <a:gd name="connsiteY3" fmla="*/ 392003 h 401867"/>
+                <a:gd name="connsiteX4" fmla="*/ 911 w 453152"/>
+                <a:gd name="connsiteY4" fmla="*/ 254095 h 401867"/>
+                <a:gd name="connsiteX5" fmla="*/ 115564 w 453152"/>
+                <a:gd name="connsiteY5" fmla="*/ 51160 h 401867"/>
+                <a:gd name="connsiteX6" fmla="*/ 237621 w 453152"/>
+                <a:gd name="connsiteY6" fmla="*/ 965 h 401867"/>
+              </a:gdLst>
+              <a:ahLst/>
+              <a:cxnLst>
+                <a:cxn ang="0">
+                  <a:pos x="connsiteX0" y="connsiteY0"/>
+                </a:cxn>
+                <a:cxn ang="0">
+                  <a:pos x="connsiteX1" y="connsiteY1"/>
+                </a:cxn>
+                <a:cxn ang="0">
+                  <a:pos x="connsiteX2" y="connsiteY2"/>
+                </a:cxn>
+                <a:cxn ang="0">
+                  <a:pos x="connsiteX3" y="connsiteY3"/>
+                </a:cxn>
+                <a:cxn ang="0">
+                  <a:pos x="connsiteX4" y="connsiteY4"/>
+                </a:cxn>
+                <a:cxn ang="0">
+                  <a:pos x="connsiteX5" y="connsiteY5"/>
+                </a:cxn>
+                <a:cxn ang="0">
+                  <a:pos x="connsiteX6" y="connsiteY6"/>
+                </a:cxn>
+              </a:cxnLst>
+              <a:rect l="l" t="t" r="r" b="b"/>
+              <a:pathLst>
+                <a:path w="453152" h="401867">
+                  <a:moveTo>
+                    <a:pt x="237621" y="965"/>
+                  </a:moveTo>
+                  <a:cubicBezTo>
+                    <a:pt x="283632" y="-2971"/>
+                    <a:pt x="331405" y="5243"/>
+                    <a:pt x="370246" y="23666"/>
+                  </a:cubicBezTo>
+                  <a:cubicBezTo>
+                    <a:pt x="436830" y="55275"/>
+                    <a:pt x="477168" y="116810"/>
+                    <a:pt x="437392" y="198545"/>
+                  </a:cubicBezTo>
+                  <a:cubicBezTo>
+                    <a:pt x="391568" y="292624"/>
+                    <a:pt x="176850" y="441630"/>
+                    <a:pt x="67745" y="392003"/>
+                  </a:cubicBezTo>
+                  <a:cubicBezTo>
+                    <a:pt x="18056" y="369372"/>
+                    <a:pt x="-5012" y="308398"/>
+                    <a:pt x="911" y="254095"/>
+                  </a:cubicBezTo>
+                  <a:cubicBezTo>
+                    <a:pt x="9203" y="178033"/>
+                    <a:pt x="61012" y="103094"/>
+                    <a:pt x="115564" y="51160"/>
+                  </a:cubicBezTo>
+                  <a:cubicBezTo>
+                    <a:pt x="147361" y="20985"/>
+                    <a:pt x="191610" y="4900"/>
+                    <a:pt x="237621" y="965"/>
+                  </a:cubicBezTo>
+                  <a:close/>
+                </a:path>
+              </a:pathLst>
+            </a:custGeom>
+            <a:grpFill/>
+            <a:ln>
+              <a:noFill/>
+            </a:ln>
+          </p:spPr>
+          <p:style>
+            <a:lnRef idx="2">
+              <a:schemeClr val="accent1">
+                <a:shade val="50000"/>
+              </a:schemeClr>
+            </a:lnRef>
+            <a:fillRef idx="1">
+              <a:schemeClr val="accent1"/>
+            </a:fillRef>
+            <a:effectRef idx="0">
+              <a:schemeClr val="accent1"/>
+            </a:effectRef>
+            <a:fontRef idx="minor">
+              <a:schemeClr val="lt1"/>
+            </a:fontRef>
+          </p:style>
+          <p:txBody>
+            <a:bodyPr rtlCol="0" anchor="ctr"/>
+            <a:lstStyle/>
+            <a:p>
+              <a:pPr marL="0" marR="0" lvl="0" indent="0" algn="ctr" defTabSz="914400" rtl="0" eaLnBrk="1" fontAlgn="auto" latinLnBrk="0" hangingPunct="1">
+                <a:lnSpc>
+                  <a:spcPct val="100000"/>
+                </a:lnSpc>
+                <a:spcBef>
+                  <a:spcPts val="0"/>
+                </a:spcBef>
+                <a:spcAft>
+                  <a:spcPts val="0"/>
+                </a:spcAft>
+                <a:buClrTx/>
+                <a:buSzTx/>
+                <a:buFontTx/>
+                <a:buNone/>
+                <a:tabLst/>
+                <a:defRPr/>
+              </a:pPr>
+              <a:endParaRPr kumimoji="0" lang="en-US" sz="1800" b="0" i="0" u="none" strike="noStrike" kern="1200" cap="none" spc="0" normalizeH="0" baseline="0" noProof="0">
+                <a:ln>
+                  <a:noFill/>
+                </a:ln>
+                <a:solidFill>
+                  <a:prstClr val="white"/>
+                </a:solidFill>
+                <a:effectLst/>
+                <a:uLnTx/>
+                <a:uFillTx/>
+                <a:latin typeface="Avenir Next LT Pro Light"/>
+                <a:ea typeface="+mn-ea"/>
+                <a:cs typeface="+mn-cs"/>
+              </a:endParaRPr>
+            </a:p>
+          </p:txBody>
+        </p:sp>
+        <p:sp>
+          <p:nvSpPr>
+            <p:cNvPr id="113" name="Freeform: Shape 112">
+              <a:extLst>
+                <a:ext uri="{FF2B5EF4-FFF2-40B4-BE49-F238E27FC236}">
+                  <a16:creationId xmlns:a16="http://schemas.microsoft.com/office/drawing/2014/main" id="{44729589-1C6A-4995-83DB-3C8AC2B8DE69}"/>
+                </a:ext>
+                <a:ext uri="{C183D7F6-B498-43B3-948B-1728B52AA6E4}">
+                  <adec:decorative xmlns:adec="http://schemas.microsoft.com/office/drawing/2017/decorative" val="1"/>
+                </a:ext>
+              </a:extLst>
+            </p:cNvPr>
+            <p:cNvSpPr/>
+            <p:nvPr>
+              <p:extLst>
+                <p:ext uri="{386F3935-93C4-4BCD-93E2-E3B085C9AB24}">
+                  <p16:designElem xmlns:p16="http://schemas.microsoft.com/office/powerpoint/2015/main" val="1"/>
+                </p:ext>
+              </p:extLst>
+            </p:nvPr>
+          </p:nvSpPr>
+          <p:spPr>
+            <a:xfrm>
+              <a:off x="10953045" y="3808430"/>
+              <a:ext cx="144912" cy="193414"/>
+            </a:xfrm>
+            <a:custGeom>
+              <a:avLst/>
+              <a:gdLst>
+                <a:gd name="connsiteX0" fmla="*/ 390625 w 511232"/>
+                <a:gd name="connsiteY0" fmla="*/ 1621 h 682341"/>
+                <a:gd name="connsiteX1" fmla="*/ 508142 w 511232"/>
+                <a:gd name="connsiteY1" fmla="*/ 64038 h 682341"/>
+                <a:gd name="connsiteX2" fmla="*/ 508453 w 511232"/>
+                <a:gd name="connsiteY2" fmla="*/ 121832 h 682341"/>
+                <a:gd name="connsiteX3" fmla="*/ 316492 w 511232"/>
+                <a:gd name="connsiteY3" fmla="*/ 567602 h 682341"/>
+                <a:gd name="connsiteX4" fmla="*/ 80265 w 511232"/>
+                <a:gd name="connsiteY4" fmla="*/ 640359 h 682341"/>
+                <a:gd name="connsiteX5" fmla="*/ 13306 w 511232"/>
+                <a:gd name="connsiteY5" fmla="*/ 274828 h 682341"/>
+                <a:gd name="connsiteX6" fmla="*/ 140989 w 511232"/>
+                <a:gd name="connsiteY6" fmla="*/ 107181 h 682341"/>
+                <a:gd name="connsiteX7" fmla="*/ 390625 w 511232"/>
+                <a:gd name="connsiteY7" fmla="*/ 1621 h 682341"/>
+              </a:gdLst>
+              <a:ahLst/>
+              <a:cxnLst>
+                <a:cxn ang="0">
+                  <a:pos x="connsiteX0" y="connsiteY0"/>
+                </a:cxn>
+                <a:cxn ang="0">
+                  <a:pos x="connsiteX1" y="connsiteY1"/>
+                </a:cxn>
+                <a:cxn ang="0">
+                  <a:pos x="connsiteX2" y="connsiteY2"/>
+                </a:cxn>
+                <a:cxn ang="0">
+                  <a:pos x="connsiteX3" y="connsiteY3"/>
+                </a:cxn>
+                <a:cxn ang="0">
+                  <a:pos x="connsiteX4" y="connsiteY4"/>
+                </a:cxn>
+                <a:cxn ang="0">
+                  <a:pos x="connsiteX5" y="connsiteY5"/>
+                </a:cxn>
+                <a:cxn ang="0">
+                  <a:pos x="connsiteX6" y="connsiteY6"/>
+                </a:cxn>
+                <a:cxn ang="0">
+                  <a:pos x="connsiteX7" y="connsiteY7"/>
+                </a:cxn>
+              </a:cxnLst>
+              <a:rect l="l" t="t" r="r" b="b"/>
+              <a:pathLst>
+                <a:path w="511232" h="682341">
+                  <a:moveTo>
+                    <a:pt x="390625" y="1621"/>
+                  </a:moveTo>
+                  <a:cubicBezTo>
+                    <a:pt x="446543" y="-5212"/>
+                    <a:pt x="493343" y="8441"/>
+                    <a:pt x="508142" y="64038"/>
+                  </a:cubicBezTo>
+                  <a:cubicBezTo>
+                    <a:pt x="513192" y="82866"/>
+                    <a:pt x="511134" y="102754"/>
+                    <a:pt x="508453" y="121832"/>
+                  </a:cubicBezTo>
+                  <a:cubicBezTo>
+                    <a:pt x="485324" y="287796"/>
+                    <a:pt x="417242" y="443971"/>
+                    <a:pt x="316492" y="567602"/>
+                  </a:cubicBezTo>
+                  <a:cubicBezTo>
+                    <a:pt x="253024" y="645534"/>
+                    <a:pt x="165055" y="737743"/>
+                    <a:pt x="80265" y="640359"/>
+                  </a:cubicBezTo>
+                  <a:cubicBezTo>
+                    <a:pt x="5014" y="553948"/>
+                    <a:pt x="-17368" y="383621"/>
+                    <a:pt x="13306" y="274828"/>
+                  </a:cubicBezTo>
+                  <a:cubicBezTo>
+                    <a:pt x="33443" y="203318"/>
+                    <a:pt x="83382" y="146521"/>
+                    <a:pt x="140989" y="107181"/>
+                  </a:cubicBezTo>
+                  <a:cubicBezTo>
+                    <a:pt x="178904" y="81308"/>
+                    <a:pt x="297428" y="13010"/>
+                    <a:pt x="390625" y="1621"/>
+                  </a:cubicBezTo>
+                  <a:close/>
+                </a:path>
+              </a:pathLst>
+            </a:custGeom>
+            <a:grpFill/>
+            <a:ln>
+              <a:noFill/>
+            </a:ln>
+          </p:spPr>
+          <p:style>
+            <a:lnRef idx="2">
+              <a:schemeClr val="accent1">
+                <a:shade val="50000"/>
+              </a:schemeClr>
+            </a:lnRef>
+            <a:fillRef idx="1">
+              <a:schemeClr val="accent1"/>
+            </a:fillRef>
+            <a:effectRef idx="0">
+              <a:schemeClr val="accent1"/>
+            </a:effectRef>
+            <a:fontRef idx="minor">
+              <a:schemeClr val="lt1"/>
+            </a:fontRef>
+          </p:style>
+          <p:txBody>
+            <a:bodyPr rtlCol="0" anchor="ctr"/>
+            <a:lstStyle/>
+            <a:p>
+              <a:pPr marL="0" marR="0" lvl="0" indent="0" algn="ctr" defTabSz="914400" rtl="0" eaLnBrk="1" fontAlgn="auto" latinLnBrk="0" hangingPunct="1">
+                <a:lnSpc>
+                  <a:spcPct val="100000"/>
+                </a:lnSpc>
+                <a:spcBef>
+                  <a:spcPts val="0"/>
+                </a:spcBef>
+                <a:spcAft>
+                  <a:spcPts val="0"/>
+                </a:spcAft>
+                <a:buClrTx/>
+                <a:buSzTx/>
+                <a:buFontTx/>
+                <a:buNone/>
+                <a:tabLst/>
+                <a:defRPr/>
+              </a:pPr>
+              <a:endParaRPr kumimoji="0" lang="en-US" sz="1800" b="0" i="0" u="none" strike="noStrike" kern="1200" cap="none" spc="0" normalizeH="0" baseline="0" noProof="0">
+                <a:ln>
+                  <a:noFill/>
+                </a:ln>
+                <a:solidFill>
+                  <a:prstClr val="white"/>
+                </a:solidFill>
+                <a:effectLst/>
+                <a:uLnTx/>
+                <a:uFillTx/>
+                <a:latin typeface="Avenir Next LT Pro Light"/>
+                <a:ea typeface="+mn-ea"/>
+                <a:cs typeface="+mn-cs"/>
+              </a:endParaRPr>
+            </a:p>
+          </p:txBody>
+        </p:sp>
+        <p:sp>
+          <p:nvSpPr>
+            <p:cNvPr id="114" name="Freeform: Shape 113">
+              <a:extLst>
+                <a:ext uri="{FF2B5EF4-FFF2-40B4-BE49-F238E27FC236}">
+                  <a16:creationId xmlns:a16="http://schemas.microsoft.com/office/drawing/2014/main" id="{7A966D0D-0B99-4534-8150-ECA25F804A2D}"/>
+                </a:ext>
+                <a:ext uri="{C183D7F6-B498-43B3-948B-1728B52AA6E4}">
+                  <adec:decorative xmlns:adec="http://schemas.microsoft.com/office/drawing/2017/decorative" val="1"/>
+                </a:ext>
+              </a:extLst>
+            </p:cNvPr>
+            <p:cNvSpPr/>
+            <p:nvPr>
+              <p:extLst>
+                <p:ext uri="{386F3935-93C4-4BCD-93E2-E3B085C9AB24}">
+                  <p16:designElem xmlns:p16="http://schemas.microsoft.com/office/powerpoint/2015/main" val="1"/>
+                </p:ext>
+              </p:extLst>
+            </p:nvPr>
+          </p:nvSpPr>
+          <p:spPr>
+            <a:xfrm>
+              <a:off x="11684524" y="3907536"/>
+              <a:ext cx="132121" cy="93006"/>
+            </a:xfrm>
+            <a:custGeom>
+              <a:avLst/>
+              <a:gdLst>
+                <a:gd name="connsiteX0" fmla="*/ 252822 w 466107"/>
+                <a:gd name="connsiteY0" fmla="*/ 1539 h 328114"/>
+                <a:gd name="connsiteX1" fmla="*/ 451641 w 466107"/>
+                <a:gd name="connsiteY1" fmla="*/ 122177 h 328114"/>
+                <a:gd name="connsiteX2" fmla="*/ 391790 w 466107"/>
+                <a:gd name="connsiteY2" fmla="*/ 297430 h 328114"/>
+                <a:gd name="connsiteX3" fmla="*/ 8614 w 466107"/>
+                <a:gd name="connsiteY3" fmla="*/ 243252 h 328114"/>
+                <a:gd name="connsiteX4" fmla="*/ 45897 w 466107"/>
+                <a:gd name="connsiteY4" fmla="*/ 97302 h 328114"/>
+                <a:gd name="connsiteX5" fmla="*/ 252822 w 466107"/>
+                <a:gd name="connsiteY5" fmla="*/ 1539 h 328114"/>
+              </a:gdLst>
+              <a:ahLst/>
+              <a:cxnLst>
+                <a:cxn ang="0">
+                  <a:pos x="connsiteX0" y="connsiteY0"/>
+                </a:cxn>
+                <a:cxn ang="0">
+                  <a:pos x="connsiteX1" y="connsiteY1"/>
+                </a:cxn>
+                <a:cxn ang="0">
+                  <a:pos x="connsiteX2" y="connsiteY2"/>
+                </a:cxn>
+                <a:cxn ang="0">
+                  <a:pos x="connsiteX3" y="connsiteY3"/>
+                </a:cxn>
+                <a:cxn ang="0">
+                  <a:pos x="connsiteX4" y="connsiteY4"/>
+                </a:cxn>
+                <a:cxn ang="0">
+                  <a:pos x="connsiteX5" y="connsiteY5"/>
+                </a:cxn>
+              </a:cxnLst>
+              <a:rect l="l" t="t" r="r" b="b"/>
+              <a:pathLst>
+                <a:path w="466107" h="328114">
+                  <a:moveTo>
+                    <a:pt x="252822" y="1539"/>
+                  </a:moveTo>
+                  <a:cubicBezTo>
+                    <a:pt x="335429" y="-10494"/>
+                    <a:pt x="418848" y="49794"/>
+                    <a:pt x="451641" y="122177"/>
+                  </a:cubicBezTo>
+                  <a:cubicBezTo>
+                    <a:pt x="479697" y="184273"/>
+                    <a:pt x="470594" y="255285"/>
+                    <a:pt x="391790" y="297430"/>
+                  </a:cubicBezTo>
+                  <a:cubicBezTo>
+                    <a:pt x="301077" y="345935"/>
+                    <a:pt x="55935" y="343254"/>
+                    <a:pt x="8614" y="243252"/>
+                  </a:cubicBezTo>
+                  <a:cubicBezTo>
+                    <a:pt x="-12895" y="197678"/>
+                    <a:pt x="8240" y="136766"/>
+                    <a:pt x="45897" y="97302"/>
+                  </a:cubicBezTo>
+                  <a:cubicBezTo>
+                    <a:pt x="98704" y="42064"/>
+                    <a:pt x="181872" y="11950"/>
+                    <a:pt x="252822" y="1539"/>
+                  </a:cubicBezTo>
+                  <a:close/>
+                </a:path>
+              </a:pathLst>
+            </a:custGeom>
+            <a:grpFill/>
+            <a:ln>
+              <a:noFill/>
+            </a:ln>
+          </p:spPr>
+          <p:style>
+            <a:lnRef idx="2">
+              <a:schemeClr val="accent1">
+                <a:shade val="50000"/>
+              </a:schemeClr>
+            </a:lnRef>
+            <a:fillRef idx="1">
+              <a:schemeClr val="accent1"/>
+            </a:fillRef>
+            <a:effectRef idx="0">
+              <a:schemeClr val="accent1"/>
+            </a:effectRef>
+            <a:fontRef idx="minor">
+              <a:schemeClr val="lt1"/>
+            </a:fontRef>
+          </p:style>
+          <p:txBody>
+            <a:bodyPr rtlCol="0" anchor="ctr"/>
+            <a:lstStyle/>
+            <a:p>
+              <a:pPr marL="0" marR="0" lvl="0" indent="0" algn="ctr" defTabSz="914400" rtl="0" eaLnBrk="1" fontAlgn="auto" latinLnBrk="0" hangingPunct="1">
+                <a:lnSpc>
+                  <a:spcPct val="100000"/>
+                </a:lnSpc>
+                <a:spcBef>
+                  <a:spcPts val="0"/>
+                </a:spcBef>
+                <a:spcAft>
+                  <a:spcPts val="0"/>
+                </a:spcAft>
+                <a:buClrTx/>
+                <a:buSzTx/>
+                <a:buFontTx/>
+                <a:buNone/>
+                <a:tabLst/>
+                <a:defRPr/>
+              </a:pPr>
+              <a:endParaRPr kumimoji="0" lang="en-US" sz="1800" b="0" i="0" u="none" strike="noStrike" kern="1200" cap="none" spc="0" normalizeH="0" baseline="0" noProof="0">
+                <a:ln>
+                  <a:noFill/>
+                </a:ln>
+                <a:solidFill>
+                  <a:prstClr val="white"/>
+                </a:solidFill>
+                <a:effectLst/>
+                <a:uLnTx/>
+                <a:uFillTx/>
+                <a:latin typeface="Avenir Next LT Pro Light"/>
+                <a:ea typeface="+mn-ea"/>
+                <a:cs typeface="+mn-cs"/>
+              </a:endParaRPr>
+            </a:p>
+          </p:txBody>
+        </p:sp>
+        <p:sp>
+          <p:nvSpPr>
+            <p:cNvPr id="115" name="Graphic 12">
+              <a:extLst>
+                <a:ext uri="{FF2B5EF4-FFF2-40B4-BE49-F238E27FC236}">
+                  <a16:creationId xmlns:a16="http://schemas.microsoft.com/office/drawing/2014/main" id="{7DC8EDF8-9492-4A6B-8050-A6B44F11B5B9}"/>
+                </a:ext>
+                <a:ext uri="{C183D7F6-B498-43B3-948B-1728B52AA6E4}">
+                  <adec:decorative xmlns:adec="http://schemas.microsoft.com/office/drawing/2017/decorative" val="1"/>
+                </a:ext>
+              </a:extLst>
+            </p:cNvPr>
+            <p:cNvSpPr/>
+            <p:nvPr>
+              <p:extLst>
+                <p:ext uri="{386F3935-93C4-4BCD-93E2-E3B085C9AB24}">
+                  <p16:designElem xmlns:p16="http://schemas.microsoft.com/office/powerpoint/2015/main" val="1"/>
+                </p:ext>
+              </p:extLst>
+            </p:nvPr>
+          </p:nvSpPr>
+          <p:spPr>
+            <a:xfrm>
+              <a:off x="11142141" y="3272152"/>
+              <a:ext cx="180625" cy="158824"/>
+            </a:xfrm>
+            <a:custGeom>
+              <a:avLst/>
+              <a:gdLst>
+                <a:gd name="connsiteX0" fmla="*/ 63289 w 3341477"/>
+                <a:gd name="connsiteY0" fmla="*/ 1933384 h 2938167"/>
+                <a:gd name="connsiteX1" fmla="*/ 263314 w 3341477"/>
+                <a:gd name="connsiteY1" fmla="*/ 514159 h 2938167"/>
+                <a:gd name="connsiteX2" fmla="*/ 1098276 w 3341477"/>
+                <a:gd name="connsiteY2" fmla="*/ 952 h 2938167"/>
+                <a:gd name="connsiteX3" fmla="*/ 2654089 w 3341477"/>
+                <a:gd name="connsiteY3" fmla="*/ 371284 h 2938167"/>
+                <a:gd name="connsiteX4" fmla="*/ 3219398 w 3341477"/>
+                <a:gd name="connsiteY4" fmla="*/ 2080926 h 2938167"/>
+                <a:gd name="connsiteX5" fmla="*/ 2044489 w 3341477"/>
+                <a:gd name="connsiteY5" fmla="*/ 2933509 h 2938167"/>
+                <a:gd name="connsiteX6" fmla="*/ 453814 w 3341477"/>
+                <a:gd name="connsiteY6" fmla="*/ 2495359 h 2938167"/>
+                <a:gd name="connsiteX7" fmla="*/ 63289 w 3341477"/>
+                <a:gd name="connsiteY7" fmla="*/ 1933384 h 2938167"/>
+              </a:gdLst>
+              <a:ahLst/>
+              <a:cxnLst>
+                <a:cxn ang="0">
+                  <a:pos x="connsiteX0" y="connsiteY0"/>
+                </a:cxn>
+                <a:cxn ang="0">
+                  <a:pos x="connsiteX1" y="connsiteY1"/>
+                </a:cxn>
+                <a:cxn ang="0">
+                  <a:pos x="connsiteX2" y="connsiteY2"/>
+                </a:cxn>
+                <a:cxn ang="0">
+                  <a:pos x="connsiteX3" y="connsiteY3"/>
+                </a:cxn>
+                <a:cxn ang="0">
+                  <a:pos x="connsiteX4" y="connsiteY4"/>
+                </a:cxn>
+                <a:cxn ang="0">
+                  <a:pos x="connsiteX5" y="connsiteY5"/>
+                </a:cxn>
+                <a:cxn ang="0">
+                  <a:pos x="connsiteX6" y="connsiteY6"/>
+                </a:cxn>
+                <a:cxn ang="0">
+                  <a:pos x="connsiteX7" y="connsiteY7"/>
+                </a:cxn>
+              </a:cxnLst>
+              <a:rect l="l" t="t" r="r" b="b"/>
+              <a:pathLst>
+                <a:path w="3341477" h="2938167">
+                  <a:moveTo>
+                    <a:pt x="63289" y="1933384"/>
+                  </a:moveTo>
+                  <a:cubicBezTo>
+                    <a:pt x="56717" y="1895856"/>
+                    <a:pt x="-165311" y="914209"/>
+                    <a:pt x="263314" y="514159"/>
+                  </a:cubicBezTo>
+                  <a:cubicBezTo>
+                    <a:pt x="691939" y="114109"/>
+                    <a:pt x="609262" y="11620"/>
+                    <a:pt x="1098276" y="952"/>
+                  </a:cubicBezTo>
+                  <a:cubicBezTo>
+                    <a:pt x="1587289" y="-9716"/>
+                    <a:pt x="2320714" y="66484"/>
+                    <a:pt x="2654089" y="371284"/>
+                  </a:cubicBezTo>
+                  <a:cubicBezTo>
+                    <a:pt x="2987464" y="676084"/>
+                    <a:pt x="3603732" y="1514094"/>
+                    <a:pt x="3219398" y="2080926"/>
+                  </a:cubicBezTo>
+                  <a:cubicBezTo>
+                    <a:pt x="2835064" y="2647759"/>
+                    <a:pt x="2558839" y="2895409"/>
+                    <a:pt x="2044489" y="2933509"/>
+                  </a:cubicBezTo>
+                  <a:cubicBezTo>
+                    <a:pt x="1530139" y="2971609"/>
+                    <a:pt x="701464" y="2771584"/>
+                    <a:pt x="453814" y="2495359"/>
+                  </a:cubicBezTo>
+                  <a:cubicBezTo>
+                    <a:pt x="206164" y="2219134"/>
+                    <a:pt x="101389" y="2152459"/>
+                    <a:pt x="63289" y="1933384"/>
+                  </a:cubicBezTo>
+                  <a:close/>
+                </a:path>
+              </a:pathLst>
+            </a:custGeom>
+            <a:grpFill/>
+            <a:ln w="9525" cap="flat">
+              <a:noFill/>
+              <a:prstDash val="solid"/>
+              <a:miter/>
+            </a:ln>
+          </p:spPr>
+          <p:txBody>
+            <a:bodyPr rtlCol="0" anchor="ctr"/>
+            <a:lstStyle/>
+            <a:p>
+              <a:endParaRPr lang="en-US"/>
+            </a:p>
+          </p:txBody>
+        </p:sp>
+        <p:sp>
+          <p:nvSpPr>
+            <p:cNvPr id="116" name="Graphic 15">
+              <a:extLst>
+                <a:ext uri="{FF2B5EF4-FFF2-40B4-BE49-F238E27FC236}">
+                  <a16:creationId xmlns:a16="http://schemas.microsoft.com/office/drawing/2014/main" id="{13B4EDF3-5414-4F6E-8824-4FDC7BFD519E}"/>
+                </a:ext>
+                <a:ext uri="{C183D7F6-B498-43B3-948B-1728B52AA6E4}">
+                  <adec:decorative xmlns:adec="http://schemas.microsoft.com/office/drawing/2017/decorative" val="1"/>
+                </a:ext>
+              </a:extLst>
+            </p:cNvPr>
+            <p:cNvSpPr/>
+            <p:nvPr>
+              <p:extLst>
+                <p:ext uri="{386F3935-93C4-4BCD-93E2-E3B085C9AB24}">
+                  <p16:designElem xmlns:p16="http://schemas.microsoft.com/office/powerpoint/2015/main" val="1"/>
+                </p:ext>
+              </p:extLst>
+            </p:nvPr>
+          </p:nvSpPr>
+          <p:spPr>
+            <a:xfrm>
+              <a:off x="11602136" y="3379098"/>
+              <a:ext cx="82388" cy="75292"/>
+            </a:xfrm>
+            <a:custGeom>
+              <a:avLst/>
+              <a:gdLst>
+                <a:gd name="connsiteX0" fmla="*/ 17664 w 5240764"/>
+                <a:gd name="connsiteY0" fmla="*/ 2947947 h 4789394"/>
+                <a:gd name="connsiteX1" fmla="*/ 903489 w 5240764"/>
+                <a:gd name="connsiteY1" fmla="*/ 195222 h 4789394"/>
+                <a:gd name="connsiteX2" fmla="*/ 3560964 w 5240764"/>
+                <a:gd name="connsiteY2" fmla="*/ 357147 h 4789394"/>
+                <a:gd name="connsiteX3" fmla="*/ 5240602 w 5240764"/>
+                <a:gd name="connsiteY3" fmla="*/ 2076409 h 4789394"/>
+                <a:gd name="connsiteX4" fmla="*/ 4568328 w 5240764"/>
+                <a:gd name="connsiteY4" fmla="*/ 3879397 h 4789394"/>
+                <a:gd name="connsiteX5" fmla="*/ 3284739 w 5240764"/>
+                <a:gd name="connsiteY5" fmla="*/ 4605297 h 4789394"/>
+                <a:gd name="connsiteX6" fmla="*/ 1074939 w 5240764"/>
+                <a:gd name="connsiteY6" fmla="*/ 4357647 h 4789394"/>
+                <a:gd name="connsiteX7" fmla="*/ 15187 w 5240764"/>
+                <a:gd name="connsiteY7" fmla="*/ 2830313 h 4789394"/>
+              </a:gdLst>
+              <a:ahLst/>
+              <a:cxnLst>
+                <a:cxn ang="0">
+                  <a:pos x="connsiteX0" y="connsiteY0"/>
+                </a:cxn>
+                <a:cxn ang="0">
+                  <a:pos x="connsiteX1" y="connsiteY1"/>
+                </a:cxn>
+                <a:cxn ang="0">
+                  <a:pos x="connsiteX2" y="connsiteY2"/>
+                </a:cxn>
+                <a:cxn ang="0">
+                  <a:pos x="connsiteX3" y="connsiteY3"/>
+                </a:cxn>
+                <a:cxn ang="0">
+                  <a:pos x="connsiteX4" y="connsiteY4"/>
+                </a:cxn>
+                <a:cxn ang="0">
+                  <a:pos x="connsiteX5" y="connsiteY5"/>
+                </a:cxn>
+                <a:cxn ang="0">
+                  <a:pos x="connsiteX6" y="connsiteY6"/>
+                </a:cxn>
+                <a:cxn ang="0">
+                  <a:pos x="connsiteX7" y="connsiteY7"/>
+                </a:cxn>
+              </a:cxnLst>
+              <a:rect l="l" t="t" r="r" b="b"/>
+              <a:pathLst>
+                <a:path w="5240764" h="4789394">
+                  <a:moveTo>
+                    <a:pt x="17664" y="2947947"/>
+                  </a:moveTo>
+                  <a:cubicBezTo>
+                    <a:pt x="17664" y="2900322"/>
+                    <a:pt x="-201411" y="490497"/>
+                    <a:pt x="903489" y="195222"/>
+                  </a:cubicBezTo>
+                  <a:cubicBezTo>
+                    <a:pt x="2008389" y="-100053"/>
+                    <a:pt x="2598939" y="-71478"/>
+                    <a:pt x="3560964" y="357147"/>
+                  </a:cubicBezTo>
+                  <a:cubicBezTo>
+                    <a:pt x="4522989" y="785772"/>
+                    <a:pt x="5253271" y="1338222"/>
+                    <a:pt x="5240602" y="2076409"/>
+                  </a:cubicBezTo>
+                  <a:cubicBezTo>
+                    <a:pt x="5227934" y="2814597"/>
+                    <a:pt x="4842267" y="3677276"/>
+                    <a:pt x="4568328" y="3879397"/>
+                  </a:cubicBezTo>
+                  <a:cubicBezTo>
+                    <a:pt x="4294389" y="4081422"/>
+                    <a:pt x="4065789" y="4548147"/>
+                    <a:pt x="3284739" y="4605297"/>
+                  </a:cubicBezTo>
+                  <a:cubicBezTo>
+                    <a:pt x="2503689" y="4662447"/>
+                    <a:pt x="1579764" y="5110122"/>
+                    <a:pt x="1074939" y="4357647"/>
+                  </a:cubicBezTo>
+                  <a:cubicBezTo>
+                    <a:pt x="570114" y="3605172"/>
+                    <a:pt x="12615" y="3617554"/>
+                    <a:pt x="15187" y="2830313"/>
+                  </a:cubicBezTo>
+                </a:path>
+              </a:pathLst>
+            </a:custGeom>
+            <a:grpFill/>
+            <a:ln w="9525" cap="flat">
+              <a:noFill/>
+              <a:prstDash val="solid"/>
+              <a:miter/>
+            </a:ln>
+          </p:spPr>
+          <p:txBody>
+            <a:bodyPr rtlCol="0" anchor="ctr"/>
+            <a:lstStyle/>
+            <a:p>
+              <a:endParaRPr lang="en-US"/>
+            </a:p>
+          </p:txBody>
+        </p:sp>
+        <p:sp>
+          <p:nvSpPr>
+            <p:cNvPr id="117" name="Graphic 15">
+              <a:extLst>
+                <a:ext uri="{FF2B5EF4-FFF2-40B4-BE49-F238E27FC236}">
+                  <a16:creationId xmlns:a16="http://schemas.microsoft.com/office/drawing/2014/main" id="{6CE204CE-5738-4712-8E02-CF746C010F14}"/>
+                </a:ext>
+                <a:ext uri="{C183D7F6-B498-43B3-948B-1728B52AA6E4}">
+                  <adec:decorative xmlns:adec="http://schemas.microsoft.com/office/drawing/2017/decorative" val="1"/>
+                </a:ext>
+              </a:extLst>
+            </p:cNvPr>
+            <p:cNvSpPr/>
+            <p:nvPr>
+              <p:extLst>
+                <p:ext uri="{386F3935-93C4-4BCD-93E2-E3B085C9AB24}">
+                  <p16:designElem xmlns:p16="http://schemas.microsoft.com/office/powerpoint/2015/main" val="1"/>
+                </p:ext>
+              </p:extLst>
+            </p:nvPr>
+          </p:nvSpPr>
+          <p:spPr>
+            <a:xfrm>
+              <a:off x="10948005" y="3504095"/>
+              <a:ext cx="82388" cy="75292"/>
+            </a:xfrm>
+            <a:custGeom>
+              <a:avLst/>
+              <a:gdLst>
+                <a:gd name="connsiteX0" fmla="*/ 17664 w 5240764"/>
+                <a:gd name="connsiteY0" fmla="*/ 2947947 h 4789394"/>
+                <a:gd name="connsiteX1" fmla="*/ 903489 w 5240764"/>
+                <a:gd name="connsiteY1" fmla="*/ 195222 h 4789394"/>
+                <a:gd name="connsiteX2" fmla="*/ 3560964 w 5240764"/>
+                <a:gd name="connsiteY2" fmla="*/ 357147 h 4789394"/>
+                <a:gd name="connsiteX3" fmla="*/ 5240602 w 5240764"/>
+                <a:gd name="connsiteY3" fmla="*/ 2076409 h 4789394"/>
+                <a:gd name="connsiteX4" fmla="*/ 4568328 w 5240764"/>
+                <a:gd name="connsiteY4" fmla="*/ 3879397 h 4789394"/>
+                <a:gd name="connsiteX5" fmla="*/ 3284739 w 5240764"/>
+                <a:gd name="connsiteY5" fmla="*/ 4605297 h 4789394"/>
+                <a:gd name="connsiteX6" fmla="*/ 1074939 w 5240764"/>
+                <a:gd name="connsiteY6" fmla="*/ 4357647 h 4789394"/>
+                <a:gd name="connsiteX7" fmla="*/ 15187 w 5240764"/>
+                <a:gd name="connsiteY7" fmla="*/ 2830313 h 4789394"/>
+              </a:gdLst>
+              <a:ahLst/>
+              <a:cxnLst>
+                <a:cxn ang="0">
+                  <a:pos x="connsiteX0" y="connsiteY0"/>
+                </a:cxn>
+                <a:cxn ang="0">
+                  <a:pos x="connsiteX1" y="connsiteY1"/>
+                </a:cxn>
+                <a:cxn ang="0">
+                  <a:pos x="connsiteX2" y="connsiteY2"/>
+                </a:cxn>
+                <a:cxn ang="0">
+                  <a:pos x="connsiteX3" y="connsiteY3"/>
+                </a:cxn>
+                <a:cxn ang="0">
+                  <a:pos x="connsiteX4" y="connsiteY4"/>
+                </a:cxn>
+                <a:cxn ang="0">
+                  <a:pos x="connsiteX5" y="connsiteY5"/>
+                </a:cxn>
+                <a:cxn ang="0">
+                  <a:pos x="connsiteX6" y="connsiteY6"/>
+                </a:cxn>
+                <a:cxn ang="0">
+                  <a:pos x="connsiteX7" y="connsiteY7"/>
+                </a:cxn>
+              </a:cxnLst>
+              <a:rect l="l" t="t" r="r" b="b"/>
+              <a:pathLst>
+                <a:path w="5240764" h="4789394">
+                  <a:moveTo>
+                    <a:pt x="17664" y="2947947"/>
+                  </a:moveTo>
+                  <a:cubicBezTo>
+                    <a:pt x="17664" y="2900322"/>
+                    <a:pt x="-201411" y="490497"/>
+                    <a:pt x="903489" y="195222"/>
+                  </a:cubicBezTo>
+                  <a:cubicBezTo>
+                    <a:pt x="2008389" y="-100053"/>
+                    <a:pt x="2598939" y="-71478"/>
+                    <a:pt x="3560964" y="357147"/>
+                  </a:cubicBezTo>
+                  <a:cubicBezTo>
+                    <a:pt x="4522989" y="785772"/>
+                    <a:pt x="5253271" y="1338222"/>
+                    <a:pt x="5240602" y="2076409"/>
+                  </a:cubicBezTo>
+                  <a:cubicBezTo>
+                    <a:pt x="5227934" y="2814597"/>
+                    <a:pt x="4842267" y="3677276"/>
+                    <a:pt x="4568328" y="3879397"/>
+                  </a:cubicBezTo>
+                  <a:cubicBezTo>
+                    <a:pt x="4294389" y="4081422"/>
+                    <a:pt x="4065789" y="4548147"/>
+                    <a:pt x="3284739" y="4605297"/>
+                  </a:cubicBezTo>
+                  <a:cubicBezTo>
+                    <a:pt x="2503689" y="4662447"/>
+                    <a:pt x="1579764" y="5110122"/>
+                    <a:pt x="1074939" y="4357647"/>
+                  </a:cubicBezTo>
+                  <a:cubicBezTo>
+                    <a:pt x="570114" y="3605172"/>
+                    <a:pt x="12615" y="3617554"/>
+                    <a:pt x="15187" y="2830313"/>
+                  </a:cubicBezTo>
+                </a:path>
+              </a:pathLst>
+            </a:custGeom>
+            <a:grpFill/>
+            <a:ln w="9525" cap="flat">
+              <a:noFill/>
+              <a:prstDash val="solid"/>
+              <a:miter/>
+            </a:ln>
+          </p:spPr>
+          <p:txBody>
+            <a:bodyPr rtlCol="0" anchor="ctr"/>
+            <a:lstStyle/>
+            <a:p>
+              <a:endParaRPr lang="en-US"/>
+            </a:p>
+          </p:txBody>
+        </p:sp>
+        <p:sp>
+          <p:nvSpPr>
+            <p:cNvPr id="118" name="Freeform: Shape 117">
+              <a:extLst>
+                <a:ext uri="{FF2B5EF4-FFF2-40B4-BE49-F238E27FC236}">
+                  <a16:creationId xmlns:a16="http://schemas.microsoft.com/office/drawing/2014/main" id="{D2369023-4235-4E1E-A424-EA0EA83DEB62}"/>
+                </a:ext>
+                <a:ext uri="{C183D7F6-B498-43B3-948B-1728B52AA6E4}">
+                  <adec:decorative xmlns:adec="http://schemas.microsoft.com/office/drawing/2017/decorative" val="1"/>
+                </a:ext>
+              </a:extLst>
+            </p:cNvPr>
+            <p:cNvSpPr/>
+            <p:nvPr>
+              <p:extLst>
+                <p:ext uri="{386F3935-93C4-4BCD-93E2-E3B085C9AB24}">
+                  <p16:designElem xmlns:p16="http://schemas.microsoft.com/office/powerpoint/2015/main" val="1"/>
+                </p:ext>
+              </p:extLst>
+            </p:nvPr>
+          </p:nvSpPr>
+          <p:spPr>
+            <a:xfrm>
+              <a:off x="11343727" y="3666564"/>
+              <a:ext cx="173527" cy="138496"/>
+            </a:xfrm>
+            <a:custGeom>
+              <a:avLst/>
+              <a:gdLst>
+                <a:gd name="connsiteX0" fmla="*/ 237392 w 789043"/>
+                <a:gd name="connsiteY0" fmla="*/ 81 h 629754"/>
+                <a:gd name="connsiteX1" fmla="*/ 758692 w 789043"/>
+                <a:gd name="connsiteY1" fmla="*/ 233550 h 629754"/>
+                <a:gd name="connsiteX2" fmla="*/ 650647 w 789043"/>
+                <a:gd name="connsiteY2" fmla="*/ 335111 h 629754"/>
+                <a:gd name="connsiteX3" fmla="*/ 315041 w 789043"/>
+                <a:gd name="connsiteY3" fmla="*/ 584992 h 629754"/>
+                <a:gd name="connsiteX4" fmla="*/ 192159 w 789043"/>
+                <a:gd name="connsiteY4" fmla="*/ 625953 h 629754"/>
+                <a:gd name="connsiteX5" fmla="*/ 124264 w 789043"/>
+                <a:gd name="connsiteY5" fmla="*/ 552260 h 629754"/>
+                <a:gd name="connsiteX6" fmla="*/ 1631 w 789043"/>
+                <a:gd name="connsiteY6" fmla="*/ 133735 h 629754"/>
+                <a:gd name="connsiteX7" fmla="*/ 35422 w 789043"/>
+                <a:gd name="connsiteY7" fmla="*/ 14157 h 629754"/>
+                <a:gd name="connsiteX8" fmla="*/ 113728 w 789043"/>
+                <a:gd name="connsiteY8" fmla="*/ 378 h 629754"/>
+                <a:gd name="connsiteX9" fmla="*/ 237392 w 789043"/>
+                <a:gd name="connsiteY9" fmla="*/ 81 h 629754"/>
+              </a:gdLst>
+              <a:ahLst/>
+              <a:cxnLst>
+                <a:cxn ang="0">
+                  <a:pos x="connsiteX0" y="connsiteY0"/>
+                </a:cxn>
+                <a:cxn ang="0">
+                  <a:pos x="connsiteX1" y="connsiteY1"/>
+                </a:cxn>
+                <a:cxn ang="0">
+                  <a:pos x="connsiteX2" y="connsiteY2"/>
+                </a:cxn>
+                <a:cxn ang="0">
+                  <a:pos x="connsiteX3" y="connsiteY3"/>
+                </a:cxn>
+                <a:cxn ang="0">
+                  <a:pos x="connsiteX4" y="connsiteY4"/>
+                </a:cxn>
+                <a:cxn ang="0">
+                  <a:pos x="connsiteX5" y="connsiteY5"/>
+                </a:cxn>
+                <a:cxn ang="0">
+                  <a:pos x="connsiteX6" y="connsiteY6"/>
+                </a:cxn>
+                <a:cxn ang="0">
+                  <a:pos x="connsiteX7" y="connsiteY7"/>
+                </a:cxn>
+                <a:cxn ang="0">
+                  <a:pos x="connsiteX8" y="connsiteY8"/>
+                </a:cxn>
+                <a:cxn ang="0">
+                  <a:pos x="connsiteX9" y="connsiteY9"/>
+                </a:cxn>
+              </a:cxnLst>
+              <a:rect l="l" t="t" r="r" b="b"/>
+              <a:pathLst>
+                <a:path w="789043" h="629754">
+                  <a:moveTo>
+                    <a:pt x="237392" y="81"/>
+                  </a:moveTo>
+                  <a:cubicBezTo>
+                    <a:pt x="474795" y="-992"/>
+                    <a:pt x="907215" y="10463"/>
+                    <a:pt x="758692" y="233550"/>
+                  </a:cubicBezTo>
+                  <a:cubicBezTo>
+                    <a:pt x="731135" y="274948"/>
+                    <a:pt x="690486" y="305435"/>
+                    <a:pt x="650647" y="335111"/>
+                  </a:cubicBezTo>
+                  <a:cubicBezTo>
+                    <a:pt x="538737" y="418405"/>
+                    <a:pt x="426889" y="501698"/>
+                    <a:pt x="315041" y="584992"/>
+                  </a:cubicBezTo>
+                  <a:cubicBezTo>
+                    <a:pt x="278943" y="611863"/>
+                    <a:pt x="234865" y="640167"/>
+                    <a:pt x="192159" y="625953"/>
+                  </a:cubicBezTo>
+                  <a:cubicBezTo>
+                    <a:pt x="159614" y="615105"/>
+                    <a:pt x="139851" y="582810"/>
+                    <a:pt x="124264" y="552260"/>
+                  </a:cubicBezTo>
+                  <a:cubicBezTo>
+                    <a:pt x="57742" y="422021"/>
+                    <a:pt x="15908" y="279250"/>
+                    <a:pt x="1631" y="133735"/>
+                  </a:cubicBezTo>
+                  <a:cubicBezTo>
+                    <a:pt x="-2671" y="90343"/>
+                    <a:pt x="-676" y="38596"/>
+                    <a:pt x="35422" y="14157"/>
+                  </a:cubicBezTo>
+                  <a:cubicBezTo>
+                    <a:pt x="57804" y="-931"/>
+                    <a:pt x="86795" y="-557"/>
+                    <a:pt x="113728" y="378"/>
+                  </a:cubicBezTo>
+                  <a:cubicBezTo>
+                    <a:pt x="138207" y="1243"/>
+                    <a:pt x="182606" y="328"/>
+                    <a:pt x="237392" y="81"/>
+                  </a:cubicBezTo>
+                  <a:close/>
+                </a:path>
+              </a:pathLst>
+            </a:custGeom>
+            <a:grpFill/>
+            <a:ln>
+              <a:noFill/>
+            </a:ln>
+          </p:spPr>
+          <p:style>
+            <a:lnRef idx="2">
+              <a:schemeClr val="accent1">
+                <a:shade val="50000"/>
+              </a:schemeClr>
+            </a:lnRef>
+            <a:fillRef idx="1">
+              <a:schemeClr val="accent1"/>
+            </a:fillRef>
+            <a:effectRef idx="0">
+              <a:schemeClr val="accent1"/>
+            </a:effectRef>
+            <a:fontRef idx="minor">
+              <a:schemeClr val="lt1"/>
+            </a:fontRef>
+          </p:style>
+          <p:txBody>
+            <a:bodyPr rtlCol="0" anchor="ctr"/>
+            <a:lstStyle/>
+            <a:p>
+              <a:pPr algn="ctr"/>
+              <a:endParaRPr lang="en-US" dirty="0"/>
+            </a:p>
+          </p:txBody>
+        </p:sp>
+      </p:grpSp>
+      <p:sp>
+        <p:nvSpPr>
+          <p:cNvPr id="15" name="TextBox 14">
+            <a:extLst>
+              <a:ext uri="{FF2B5EF4-FFF2-40B4-BE49-F238E27FC236}">
+                <a16:creationId xmlns:a16="http://schemas.microsoft.com/office/drawing/2014/main" id="{2DFBB681-E8FD-0741-8AB7-7A59A0769B3D}"/>
+              </a:ext>
+            </a:extLst>
+          </p:cNvPr>
+          <p:cNvSpPr txBox="1"/>
+          <p:nvPr/>
+        </p:nvSpPr>
+        <p:spPr>
+          <a:xfrm>
+            <a:off x="5220526" y="366155"/>
+            <a:ext cx="2792646" cy="369332"/>
+          </a:xfrm>
+          <a:prstGeom prst="rect">
+            <a:avLst/>
+          </a:prstGeom>
+          <a:noFill/>
+        </p:spPr>
+        <p:txBody>
+          <a:bodyPr wrap="square" rtlCol="0">
+            <a:spAutoFit/>
+          </a:bodyPr>
+          <a:lstStyle/>
+          <a:p>
+            <a:r>
+              <a:rPr lang="en-US" dirty="0"/>
+              <a:t>(3)Prophet components</a:t>
+            </a:r>
+          </a:p>
+        </p:txBody>
+      </p:sp>
+      <p:sp>
+        <p:nvSpPr>
+          <p:cNvPr id="108" name="TextBox 107">
+            <a:extLst>
+              <a:ext uri="{FF2B5EF4-FFF2-40B4-BE49-F238E27FC236}">
+                <a16:creationId xmlns:a16="http://schemas.microsoft.com/office/drawing/2014/main" id="{89803A5A-FAAA-2840-856C-122FE6FD98BD}"/>
+              </a:ext>
+            </a:extLst>
+          </p:cNvPr>
+          <p:cNvSpPr txBox="1"/>
+          <p:nvPr/>
+        </p:nvSpPr>
+        <p:spPr>
+          <a:xfrm>
+            <a:off x="8595118" y="193068"/>
+            <a:ext cx="2792646" cy="369332"/>
+          </a:xfrm>
+          <a:prstGeom prst="rect">
+            <a:avLst/>
+          </a:prstGeom>
+          <a:noFill/>
+        </p:spPr>
+        <p:txBody>
+          <a:bodyPr wrap="square" rtlCol="0">
+            <a:spAutoFit/>
+          </a:bodyPr>
+          <a:lstStyle/>
+          <a:p>
+            <a:r>
+              <a:rPr lang="en-US" dirty="0"/>
+              <a:t>(1)Observed data </a:t>
+            </a:r>
+          </a:p>
+        </p:txBody>
+      </p:sp>
+      <p:sp>
+        <p:nvSpPr>
+          <p:cNvPr id="110" name="TextBox 109">
+            <a:extLst>
+              <a:ext uri="{FF2B5EF4-FFF2-40B4-BE49-F238E27FC236}">
+                <a16:creationId xmlns:a16="http://schemas.microsoft.com/office/drawing/2014/main" id="{DB54AF84-7273-4949-BEE7-0067314B0020}"/>
+              </a:ext>
+            </a:extLst>
+          </p:cNvPr>
+          <p:cNvSpPr txBox="1"/>
+          <p:nvPr/>
+        </p:nvSpPr>
+        <p:spPr>
+          <a:xfrm>
+            <a:off x="8564122" y="3279600"/>
+            <a:ext cx="2792646" cy="646331"/>
+          </a:xfrm>
+          <a:prstGeom prst="rect">
+            <a:avLst/>
+          </a:prstGeom>
+          <a:noFill/>
+        </p:spPr>
+        <p:txBody>
+          <a:bodyPr wrap="square" rtlCol="0">
+            <a:spAutoFit/>
+          </a:bodyPr>
+          <a:lstStyle/>
+          <a:p>
+            <a:r>
+              <a:rPr lang="en-US" dirty="0"/>
+              <a:t>(2) Prophet trend prediction</a:t>
+            </a:r>
+          </a:p>
+        </p:txBody>
+      </p:sp>
+      <p:sp>
+        <p:nvSpPr>
+          <p:cNvPr id="38" name="TextBox 37">
+            <a:extLst>
+              <a:ext uri="{FF2B5EF4-FFF2-40B4-BE49-F238E27FC236}">
+                <a16:creationId xmlns:a16="http://schemas.microsoft.com/office/drawing/2014/main" id="{61978AA7-1CAC-9B4A-AD7B-55757B75A2B4}"/>
+              </a:ext>
+            </a:extLst>
+          </p:cNvPr>
+          <p:cNvSpPr txBox="1"/>
+          <p:nvPr/>
+        </p:nvSpPr>
+        <p:spPr>
+          <a:xfrm>
+            <a:off x="292392" y="3429000"/>
+            <a:ext cx="4490071" cy="3139321"/>
+          </a:xfrm>
+          <a:prstGeom prst="rect">
+            <a:avLst/>
+          </a:prstGeom>
+          <a:noFill/>
+        </p:spPr>
+        <p:txBody>
+          <a:bodyPr wrap="square" rtlCol="0">
+            <a:spAutoFit/>
+          </a:bodyPr>
+          <a:lstStyle/>
+          <a:p>
+            <a:pPr marL="285750" indent="-285750">
+              <a:buFont typeface="Arial" panose="020B0604020202020204" pitchFamily="34" charset="0"/>
+              <a:buChar char="•"/>
+            </a:pPr>
+            <a:r>
+              <a:rPr lang="en-US" dirty="0"/>
+              <a:t>The Prophet model was fit on hourly recorded values of close prices.</a:t>
+            </a:r>
+          </a:p>
+          <a:p>
+            <a:pPr marL="285750" indent="-285750">
+              <a:buFont typeface="Arial" panose="020B0604020202020204" pitchFamily="34" charset="0"/>
+              <a:buChar char="•"/>
+            </a:pPr>
+            <a:r>
+              <a:rPr lang="en-US" dirty="0"/>
+              <a:t>Prophet predicts the upward trend in the hourly recorded prices (Fig2)</a:t>
+            </a:r>
+          </a:p>
+          <a:p>
+            <a:pPr marL="285750" indent="-285750">
+              <a:buFont typeface="Arial" panose="020B0604020202020204" pitchFamily="34" charset="0"/>
+              <a:buChar char="•"/>
+            </a:pPr>
+            <a:r>
+              <a:rPr lang="en-US" dirty="0"/>
+              <a:t>The components predict in Fig 3 the following:</a:t>
+            </a:r>
+          </a:p>
+          <a:p>
+            <a:pPr marL="400050" indent="-400050">
+              <a:buFont typeface="+mj-lt"/>
+              <a:buAutoNum type="romanLcPeriod"/>
+            </a:pPr>
+            <a:r>
+              <a:rPr lang="en-US" dirty="0"/>
+              <a:t>Trend observed</a:t>
+            </a:r>
+          </a:p>
+          <a:p>
+            <a:pPr marL="400050" indent="-400050">
+              <a:buFont typeface="+mj-lt"/>
+              <a:buAutoNum type="romanLcPeriod"/>
+            </a:pPr>
+            <a:r>
+              <a:rPr lang="en-US" dirty="0"/>
+              <a:t>Weekly trend</a:t>
+            </a:r>
+          </a:p>
+          <a:p>
+            <a:pPr marL="400050" indent="-400050">
+              <a:buFont typeface="+mj-lt"/>
+              <a:buAutoNum type="romanLcPeriod"/>
+            </a:pPr>
+            <a:r>
+              <a:rPr lang="en-US" dirty="0"/>
+              <a:t>Yearly trend</a:t>
+            </a:r>
+          </a:p>
+          <a:p>
+            <a:pPr marL="400050" indent="-400050">
+              <a:buFont typeface="+mj-lt"/>
+              <a:buAutoNum type="romanLcPeriod"/>
+            </a:pPr>
+            <a:r>
+              <a:rPr lang="en-US" dirty="0"/>
+              <a:t>Daily trend</a:t>
+            </a:r>
+          </a:p>
+          <a:p>
+            <a:pPr marL="400050" indent="-400050">
+              <a:buFont typeface="+mj-lt"/>
+              <a:buAutoNum type="romanLcPeriod"/>
+            </a:pPr>
+            <a:endParaRPr lang="en-US" dirty="0"/>
+          </a:p>
+        </p:txBody>
+      </p:sp>
+    </p:spTree>
+    <p:extLst>
+      <p:ext uri="{BB962C8B-B14F-4D97-AF65-F5344CB8AC3E}">
+        <p14:creationId xmlns:p14="http://schemas.microsoft.com/office/powerpoint/2010/main" val="2122085503"/>
       </p:ext>
     </p:extLst>
   </p:cSld>

--- a/Data Mining Project.pptx
+++ b/Data Mining Project.pptx
@@ -12,6 +12,9 @@
     <p:sldId id="260" r:id="rId6"/>
     <p:sldId id="262" r:id="rId7"/>
     <p:sldId id="263" r:id="rId8"/>
+    <p:sldId id="264" r:id="rId9"/>
+    <p:sldId id="265" r:id="rId10"/>
+    <p:sldId id="266" r:id="rId11"/>
   </p:sldIdLst>
   <p:sldSz cx="12192000" cy="6858000"/>
   <p:notesSz cx="6858000" cy="9144000"/>
@@ -280,7 +283,7 @@
           <a:p>
             <a:fld id="{524C6359-9BB8-4148-8114-537E698DA205}" type="datetime1">
               <a:rPr lang="en-US" smtClean="0"/>
-              <a:t>12/5/21</a:t>
+              <a:t>12/6/2021</a:t>
             </a:fld>
             <a:endParaRPr lang="en-US" dirty="0"/>
           </a:p>
@@ -1340,7 +1343,7 @@
           <a:p>
             <a:fld id="{A4649BD0-10DB-43E7-8F22-40B3D51B8FC3}" type="datetime1">
               <a:rPr lang="en-US" smtClean="0"/>
-              <a:t>12/5/21</a:t>
+              <a:t>12/6/2021</a:t>
             </a:fld>
             <a:endParaRPr lang="en-US"/>
           </a:p>
@@ -2401,7 +2404,7 @@
           <a:p>
             <a:fld id="{0A16C79C-F566-427A-93F6-434A4E613134}" type="datetime1">
               <a:rPr lang="en-US" smtClean="0"/>
-              <a:t>12/5/21</a:t>
+              <a:t>12/6/2021</a:t>
             </a:fld>
             <a:endParaRPr lang="en-US"/>
           </a:p>
@@ -3457,7 +3460,7 @@
           <a:p>
             <a:fld id="{9376191F-481E-48E9-BB9A-369A67A7362D}" type="datetime1">
               <a:rPr lang="en-US" smtClean="0"/>
-              <a:t>12/5/21</a:t>
+              <a:t>12/6/2021</a:t>
             </a:fld>
             <a:endParaRPr lang="en-US" dirty="0"/>
           </a:p>
@@ -4586,7 +4589,7 @@
           <a:p>
             <a:fld id="{6C5677DE-DD04-48CC-9C18-7BE9FF2DEB6B}" type="datetime1">
               <a:rPr lang="en-US" smtClean="0"/>
-              <a:t>12/5/21</a:t>
+              <a:t>12/6/2021</a:t>
             </a:fld>
             <a:endParaRPr lang="en-US"/>
           </a:p>
@@ -5705,7 +5708,7 @@
           <a:p>
             <a:fld id="{463255ED-7101-4D18-A8AE-3B5E4CB87EA5}" type="datetime1">
               <a:rPr lang="en-US" smtClean="0"/>
-              <a:t>12/5/21</a:t>
+              <a:t>12/6/2021</a:t>
             </a:fld>
             <a:endParaRPr lang="en-US"/>
           </a:p>
@@ -7011,7 +7014,7 @@
           <a:p>
             <a:fld id="{CD52F23D-51F6-4C94-8CD5-B9ABBF67EE23}" type="datetime1">
               <a:rPr lang="en-US" smtClean="0"/>
-              <a:t>12/5/21</a:t>
+              <a:t>12/6/2021</a:t>
             </a:fld>
             <a:endParaRPr lang="en-US"/>
           </a:p>
@@ -7158,7 +7161,7 @@
           <a:p>
             <a:fld id="{D51A702F-6367-4FD1-89A8-3744BE6BA9A2}" type="datetime1">
               <a:rPr lang="en-US" smtClean="0"/>
-              <a:t>12/5/21</a:t>
+              <a:t>12/6/2021</a:t>
             </a:fld>
             <a:endParaRPr lang="en-US"/>
           </a:p>
@@ -8122,7 +8125,7 @@
           <a:p>
             <a:fld id="{4A6E99BD-4B4F-4460-B452-0E8146ACCF8F}" type="datetime1">
               <a:rPr lang="en-US" smtClean="0"/>
-              <a:t>12/5/21</a:t>
+              <a:t>12/6/2021</a:t>
             </a:fld>
             <a:endParaRPr lang="en-US"/>
           </a:p>
@@ -8441,7 +8444,7 @@
           <a:p>
             <a:fld id="{EB6FD34C-1867-42A9-AC54-D15ADD8A65E7}" type="datetime1">
               <a:rPr lang="en-US" smtClean="0"/>
-              <a:t>12/5/21</a:t>
+              <a:t>12/6/2021</a:t>
             </a:fld>
             <a:endParaRPr lang="en-US"/>
           </a:p>
@@ -9589,7 +9592,7 @@
           <a:p>
             <a:fld id="{336133E9-A654-4C17-8C3C-DDCAC83D6EBF}" type="datetime1">
               <a:rPr lang="en-US" smtClean="0"/>
-              <a:t>12/5/21</a:t>
+              <a:t>12/6/2021</a:t>
             </a:fld>
             <a:endParaRPr lang="en-US"/>
           </a:p>
@@ -11999,7 +12002,7 @@
           <a:p>
             <a:fld id="{8769D389-4C4C-4FD7-9E6B-9F44477F0EB8}" type="datetime1">
               <a:rPr lang="en-US" smtClean="0"/>
-              <a:t>12/5/21</a:t>
+              <a:t>12/6/2021</a:t>
             </a:fld>
             <a:endParaRPr lang="en-US" dirty="0"/>
           </a:p>
@@ -14663,6 +14666,114 @@
 </p:sld>
 </file>
 
+<file path=ppt/slides/slide10.xml><?xml version="1.0" encoding="utf-8"?>
+<p:sld xmlns:a="http://schemas.openxmlformats.org/drawingml/2006/main" xmlns:r="http://schemas.openxmlformats.org/officeDocument/2006/relationships" xmlns:p="http://schemas.openxmlformats.org/presentationml/2006/main">
+  <p:cSld>
+    <p:spTree>
+      <p:nvGrpSpPr>
+        <p:cNvPr id="1" name=""/>
+        <p:cNvGrpSpPr/>
+        <p:nvPr/>
+      </p:nvGrpSpPr>
+      <p:grpSpPr>
+        <a:xfrm>
+          <a:off x="0" y="0"/>
+          <a:ext cx="0" cy="0"/>
+          <a:chOff x="0" y="0"/>
+          <a:chExt cx="0" cy="0"/>
+        </a:xfrm>
+      </p:grpSpPr>
+      <p:sp>
+        <p:nvSpPr>
+          <p:cNvPr id="2" name="Title 1">
+            <a:extLst>
+              <a:ext uri="{FF2B5EF4-FFF2-40B4-BE49-F238E27FC236}">
+                <a16:creationId xmlns:a16="http://schemas.microsoft.com/office/drawing/2014/main" id="{0E984981-5C80-4C06-BE01-468FFAD45DE7}"/>
+              </a:ext>
+            </a:extLst>
+          </p:cNvPr>
+          <p:cNvSpPr>
+            <a:spLocks noGrp="1"/>
+          </p:cNvSpPr>
+          <p:nvPr>
+            <p:ph type="title"/>
+          </p:nvPr>
+        </p:nvSpPr>
+        <p:spPr/>
+        <p:txBody>
+          <a:bodyPr/>
+          <a:lstStyle/>
+          <a:p>
+            <a:r>
+              <a:rPr lang="en-US" dirty="0"/>
+              <a:t>Output of the RNN(LSTM) model</a:t>
+            </a:r>
+            <a:endParaRPr lang="en-IN" dirty="0"/>
+          </a:p>
+        </p:txBody>
+      </p:sp>
+      <p:pic>
+        <p:nvPicPr>
+          <p:cNvPr id="1026" name="Picture 2">
+            <a:extLst>
+              <a:ext uri="{FF2B5EF4-FFF2-40B4-BE49-F238E27FC236}">
+                <a16:creationId xmlns:a16="http://schemas.microsoft.com/office/drawing/2014/main" id="{259A2A02-BB0F-4C2F-BCF7-DF4E281905F1}"/>
+              </a:ext>
+            </a:extLst>
+          </p:cNvPr>
+          <p:cNvPicPr>
+            <a:picLocks noGrp="1" noChangeAspect="1" noChangeArrowheads="1"/>
+          </p:cNvPicPr>
+          <p:nvPr>
+            <p:ph idx="1"/>
+          </p:nvPr>
+        </p:nvPicPr>
+        <p:blipFill>
+          <a:blip r:embed="rId2">
+            <a:extLst>
+              <a:ext uri="{28A0092B-C50C-407E-A947-70E740481C1C}">
+                <a14:useLocalDpi xmlns:a14="http://schemas.microsoft.com/office/drawing/2010/main" val="0"/>
+              </a:ext>
+            </a:extLst>
+          </a:blip>
+          <a:srcRect/>
+          <a:stretch>
+            <a:fillRect/>
+          </a:stretch>
+        </p:blipFill>
+        <p:spPr bwMode="auto">
+          <a:xfrm>
+            <a:off x="0" y="2112631"/>
+            <a:ext cx="11112759" cy="3957969"/>
+          </a:xfrm>
+          <a:prstGeom prst="rect">
+            <a:avLst/>
+          </a:prstGeom>
+          <a:noFill/>
+          <a:extLst>
+            <a:ext uri="{909E8E84-426E-40DD-AFC4-6F175D3DCCD1}">
+              <a14:hiddenFill xmlns:a14="http://schemas.microsoft.com/office/drawing/2010/main">
+                <a:solidFill>
+                  <a:srgbClr val="FFFFFF"/>
+                </a:solidFill>
+              </a14:hiddenFill>
+            </a:ext>
+          </a:extLst>
+        </p:spPr>
+      </p:pic>
+    </p:spTree>
+    <p:extLst>
+      <p:ext uri="{BB962C8B-B14F-4D97-AF65-F5344CB8AC3E}">
+        <p14:creationId xmlns:p14="http://schemas.microsoft.com/office/powerpoint/2010/main" val="3283259609"/>
+      </p:ext>
+    </p:extLst>
+  </p:cSld>
+  <p:clrMapOvr>
+    <a:masterClrMapping/>
+  </p:clrMapOvr>
+</p:sld>
+</file>
+
 <file path=ppt/slides/slide2.xml><?xml version="1.0" encoding="utf-8"?>
 <p:sld xmlns:a="http://schemas.openxmlformats.org/drawingml/2006/main" xmlns:r="http://schemas.openxmlformats.org/officeDocument/2006/relationships" xmlns:p="http://schemas.openxmlformats.org/presentationml/2006/main">
   <p:cSld>
@@ -14853,19 +14964,13 @@
           <a:p>
             <a:r>
               <a:rPr lang="en-US" dirty="0"/>
-              <a:t>Question:</a:t>
+              <a:t>Which day to invest?</a:t>
             </a:r>
           </a:p>
           <a:p>
             <a:r>
               <a:rPr lang="en-US" dirty="0"/>
-              <a:t>Which day to invest</a:t>
-            </a:r>
-          </a:p>
-          <a:p>
-            <a:r>
-              <a:rPr lang="en-US" dirty="0"/>
-              <a:t>Which hour of the day to invest</a:t>
+              <a:t>Which hour of the day to invest?</a:t>
             </a:r>
           </a:p>
           <a:p>
@@ -22840,6 +22945,246 @@
 </p:sld>
 </file>
 
+<file path=ppt/slides/slide8.xml><?xml version="1.0" encoding="utf-8"?>
+<p:sld xmlns:a="http://schemas.openxmlformats.org/drawingml/2006/main" xmlns:r="http://schemas.openxmlformats.org/officeDocument/2006/relationships" xmlns:p="http://schemas.openxmlformats.org/presentationml/2006/main">
+  <p:cSld>
+    <p:spTree>
+      <p:nvGrpSpPr>
+        <p:cNvPr id="1" name=""/>
+        <p:cNvGrpSpPr/>
+        <p:nvPr/>
+      </p:nvGrpSpPr>
+      <p:grpSpPr>
+        <a:xfrm>
+          <a:off x="0" y="0"/>
+          <a:ext cx="0" cy="0"/>
+          <a:chOff x="0" y="0"/>
+          <a:chExt cx="0" cy="0"/>
+        </a:xfrm>
+      </p:grpSpPr>
+      <p:sp>
+        <p:nvSpPr>
+          <p:cNvPr id="2" name="Title 1">
+            <a:extLst>
+              <a:ext uri="{FF2B5EF4-FFF2-40B4-BE49-F238E27FC236}">
+                <a16:creationId xmlns:a16="http://schemas.microsoft.com/office/drawing/2014/main" id="{7F2279F3-7AAE-4573-8758-C989B324363B}"/>
+              </a:ext>
+            </a:extLst>
+          </p:cNvPr>
+          <p:cNvSpPr>
+            <a:spLocks noGrp="1"/>
+          </p:cNvSpPr>
+          <p:nvPr>
+            <p:ph type="title"/>
+          </p:nvPr>
+        </p:nvSpPr>
+        <p:spPr/>
+        <p:txBody>
+          <a:bodyPr/>
+          <a:lstStyle/>
+          <a:p>
+            <a:r>
+              <a:rPr lang="en-US" dirty="0"/>
+              <a:t>Google Trend’s impact on the Price of Bitcoin</a:t>
+            </a:r>
+            <a:endParaRPr lang="en-IN" dirty="0"/>
+          </a:p>
+        </p:txBody>
+      </p:sp>
+      <p:sp>
+        <p:nvSpPr>
+          <p:cNvPr id="3" name="Content Placeholder 2">
+            <a:extLst>
+              <a:ext uri="{FF2B5EF4-FFF2-40B4-BE49-F238E27FC236}">
+                <a16:creationId xmlns:a16="http://schemas.microsoft.com/office/drawing/2014/main" id="{EEF9910E-2D1B-4E65-B86A-55D8B5D72D46}"/>
+              </a:ext>
+            </a:extLst>
+          </p:cNvPr>
+          <p:cNvSpPr>
+            <a:spLocks noGrp="1"/>
+          </p:cNvSpPr>
+          <p:nvPr>
+            <p:ph idx="1"/>
+          </p:nvPr>
+        </p:nvSpPr>
+        <p:spPr/>
+        <p:txBody>
+          <a:bodyPr/>
+          <a:lstStyle/>
+          <a:p>
+            <a:pPr marL="342900" indent="-342900">
+              <a:buFont typeface="Arial" panose="020B0604020202020204" pitchFamily="34" charset="0"/>
+              <a:buChar char="•"/>
+            </a:pPr>
+            <a:r>
+              <a:rPr lang="en-US" dirty="0"/>
+              <a:t>By using a python package called </a:t>
+            </a:r>
+            <a:r>
+              <a:rPr lang="en-US" dirty="0" err="1"/>
+              <a:t>pytrends</a:t>
+            </a:r>
+            <a:r>
+              <a:rPr lang="en-US" dirty="0"/>
+              <a:t>, I was able to get the search volumes for each day. (usually google trends website only lets you download monthly search volumes when downloading for a longer time frame.)</a:t>
+            </a:r>
+          </a:p>
+          <a:p>
+            <a:pPr marL="342900" indent="-342900">
+              <a:buFont typeface="Arial" panose="020B0604020202020204" pitchFamily="34" charset="0"/>
+              <a:buChar char="•"/>
+            </a:pPr>
+            <a:r>
+              <a:rPr lang="en-US" dirty="0"/>
+              <a:t>Downloaded google trends data for keywords that might affect the price of bitcoin. </a:t>
+            </a:r>
+            <a:r>
+              <a:rPr lang="en-US" dirty="0" err="1"/>
+              <a:t>Eg</a:t>
+            </a:r>
+            <a:r>
+              <a:rPr lang="en-US" dirty="0"/>
+              <a:t>: bitcoin, buy bitcoin, sell bitcoin.</a:t>
+            </a:r>
+          </a:p>
+          <a:p>
+            <a:pPr marL="342900" indent="-342900">
+              <a:buFont typeface="Arial" panose="020B0604020202020204" pitchFamily="34" charset="0"/>
+              <a:buChar char="•"/>
+            </a:pPr>
+            <a:r>
+              <a:rPr lang="en-US" dirty="0"/>
+              <a:t>One con of using google trends data is we only get search volumes , we do not know the sentiment of these searches. </a:t>
+            </a:r>
+          </a:p>
+          <a:p>
+            <a:pPr marL="342900" indent="-342900">
+              <a:buFont typeface="Arial" panose="020B0604020202020204" pitchFamily="34" charset="0"/>
+              <a:buChar char="•"/>
+            </a:pPr>
+            <a:r>
+              <a:rPr lang="en-US" dirty="0"/>
+              <a:t>So bitcoin price might increase/decrease due to the google searches.</a:t>
+            </a:r>
+            <a:endParaRPr lang="en-IN" dirty="0"/>
+          </a:p>
+        </p:txBody>
+      </p:sp>
+    </p:spTree>
+    <p:extLst>
+      <p:ext uri="{BB962C8B-B14F-4D97-AF65-F5344CB8AC3E}">
+        <p14:creationId xmlns:p14="http://schemas.microsoft.com/office/powerpoint/2010/main" val="1245194601"/>
+      </p:ext>
+    </p:extLst>
+  </p:cSld>
+  <p:clrMapOvr>
+    <a:masterClrMapping/>
+  </p:clrMapOvr>
+</p:sld>
+</file>
+
+<file path=ppt/slides/slide9.xml><?xml version="1.0" encoding="utf-8"?>
+<p:sld xmlns:a="http://schemas.openxmlformats.org/drawingml/2006/main" xmlns:r="http://schemas.openxmlformats.org/officeDocument/2006/relationships" xmlns:p="http://schemas.openxmlformats.org/presentationml/2006/main">
+  <p:cSld>
+    <p:spTree>
+      <p:nvGrpSpPr>
+        <p:cNvPr id="1" name=""/>
+        <p:cNvGrpSpPr/>
+        <p:nvPr/>
+      </p:nvGrpSpPr>
+      <p:grpSpPr>
+        <a:xfrm>
+          <a:off x="0" y="0"/>
+          <a:ext cx="0" cy="0"/>
+          <a:chOff x="0" y="0"/>
+          <a:chExt cx="0" cy="0"/>
+        </a:xfrm>
+      </p:grpSpPr>
+      <p:sp>
+        <p:nvSpPr>
+          <p:cNvPr id="2" name="Title 1">
+            <a:extLst>
+              <a:ext uri="{FF2B5EF4-FFF2-40B4-BE49-F238E27FC236}">
+                <a16:creationId xmlns:a16="http://schemas.microsoft.com/office/drawing/2014/main" id="{4E440179-0B06-4448-A451-CB616A0E8A7B}"/>
+              </a:ext>
+            </a:extLst>
+          </p:cNvPr>
+          <p:cNvSpPr>
+            <a:spLocks noGrp="1"/>
+          </p:cNvSpPr>
+          <p:nvPr>
+            <p:ph type="ctrTitle"/>
+          </p:nvPr>
+        </p:nvSpPr>
+        <p:spPr/>
+        <p:txBody>
+          <a:bodyPr/>
+          <a:lstStyle/>
+          <a:p>
+            <a:r>
+              <a:rPr lang="en-US" dirty="0"/>
+              <a:t>LSTM model for predicting Bitcoin price using OHLCV and google trends data</a:t>
+            </a:r>
+            <a:endParaRPr lang="en-IN" dirty="0"/>
+          </a:p>
+        </p:txBody>
+      </p:sp>
+      <p:sp>
+        <p:nvSpPr>
+          <p:cNvPr id="3" name="Subtitle 2">
+            <a:extLst>
+              <a:ext uri="{FF2B5EF4-FFF2-40B4-BE49-F238E27FC236}">
+                <a16:creationId xmlns:a16="http://schemas.microsoft.com/office/drawing/2014/main" id="{2032E478-9E42-4EE8-907A-11B40A70EB57}"/>
+              </a:ext>
+            </a:extLst>
+          </p:cNvPr>
+          <p:cNvSpPr>
+            <a:spLocks noGrp="1"/>
+          </p:cNvSpPr>
+          <p:nvPr>
+            <p:ph type="subTitle" idx="1"/>
+          </p:nvPr>
+        </p:nvSpPr>
+        <p:spPr/>
+        <p:txBody>
+          <a:bodyPr/>
+          <a:lstStyle/>
+          <a:p>
+            <a:r>
+              <a:rPr lang="en-US" dirty="0"/>
+              <a:t>Using LSTM layer in the neural network with a dropout layer after with inputs of </a:t>
+            </a:r>
+            <a:r>
+              <a:rPr lang="en-US" dirty="0" err="1"/>
+              <a:t>open,high,low,close,volume,number</a:t>
+            </a:r>
+            <a:r>
+              <a:rPr lang="en-US" dirty="0"/>
+              <a:t> of trades, as well as google trends data. The output we are looking for is close price of bitcoin on that day.</a:t>
+            </a:r>
+          </a:p>
+          <a:p>
+            <a:r>
+              <a:rPr lang="en-IN" dirty="0"/>
+              <a:t>This is still work in progress. Working to improve the accuracy.</a:t>
+            </a:r>
+            <a:endParaRPr lang="en-US" dirty="0"/>
+          </a:p>
+        </p:txBody>
+      </p:sp>
+    </p:spTree>
+    <p:extLst>
+      <p:ext uri="{BB962C8B-B14F-4D97-AF65-F5344CB8AC3E}">
+        <p14:creationId xmlns:p14="http://schemas.microsoft.com/office/powerpoint/2010/main" val="2826853485"/>
+      </p:ext>
+    </p:extLst>
+  </p:cSld>
+  <p:clrMapOvr>
+    <a:masterClrMapping/>
+  </p:clrMapOvr>
+</p:sld>
+</file>
+
 <file path=ppt/theme/theme1.xml><?xml version="1.0" encoding="utf-8"?>
 <a:theme xmlns:a="http://schemas.openxmlformats.org/drawingml/2006/main" name="RocaVTI">
   <a:themeElements>

--- a/Data Mining Project.pptx
+++ b/Data Mining Project.pptx
@@ -14976,19 +14976,19 @@
           <a:p>
             <a:r>
               <a:rPr lang="en-US" dirty="0"/>
-              <a:t>Impact of google trends on the price.</a:t>
+              <a:t>Impact of google trends on the price.(adding this as an input for the LSTM model below.</a:t>
             </a:r>
           </a:p>
           <a:p>
             <a:r>
               <a:rPr lang="en-US" dirty="0"/>
-              <a:t>Feature creation/ extraction for LSTM RNN model for model price prediction.</a:t>
+              <a:t>Feature creation/ extraction for LSTM RNN model for model price prediction.(work in progress)</a:t>
             </a:r>
           </a:p>
           <a:p>
             <a:r>
               <a:rPr lang="en-US" dirty="0"/>
-              <a:t>Use the hypothesis testing to benchmark the algorithm.</a:t>
+              <a:t>Use the hypothesis testing to benchmark the algorithm.(pending)</a:t>
             </a:r>
           </a:p>
           <a:p>

--- a/Data Mining Project.pptx
+++ b/Data Mining Project.pptx
@@ -14982,7 +14982,7 @@
           <a:p>
             <a:r>
               <a:rPr lang="en-US" dirty="0"/>
-              <a:t>Feature creation/ extraction for LSTM RNN model for model price prediction.(work in progress)</a:t>
+              <a:t>Feature creation/ extraction for LSTM model for model price prediction.(work in progress)</a:t>
             </a:r>
           </a:p>
           <a:p>
